--- a/Video1/Video1.pptx
+++ b/Video1/Video1.pptx
@@ -5,10 +5,10 @@
     <p:sldMasterId id="2147483648" r:id="rId1"/>
   </p:sldMasterIdLst>
   <p:notesMasterIdLst>
-    <p:notesMasterId r:id="rId34"/>
+    <p:notesMasterId r:id="rId33"/>
   </p:notesMasterIdLst>
   <p:sldIdLst>
-    <p:sldId id="952" r:id="rId2"/>
+    <p:sldId id="988" r:id="rId2"/>
     <p:sldId id="953" r:id="rId3"/>
     <p:sldId id="985" r:id="rId4"/>
     <p:sldId id="954" r:id="rId5"/>
@@ -37,9 +37,8 @@
     <p:sldId id="982" r:id="rId28"/>
     <p:sldId id="983" r:id="rId29"/>
     <p:sldId id="984" r:id="rId30"/>
-    <p:sldId id="955" r:id="rId31"/>
-    <p:sldId id="959" r:id="rId32"/>
-    <p:sldId id="958" r:id="rId33"/>
+    <p:sldId id="987" r:id="rId31"/>
+    <p:sldId id="958" r:id="rId32"/>
   </p:sldIdLst>
   <p:sldSz cx="12192000" cy="6858000"/>
   <p:notesSz cx="6799263" cy="9929813"/>
@@ -3111,7 +3110,7 @@
     <p:sldLayoutId id="2147483658" r:id="rId10"/>
     <p:sldLayoutId id="2147483659" r:id="rId11"/>
   </p:sldLayoutIdLst>
-  <p:hf hdr="0" ftr="0"/>
+  <p:hf hdr="0" ftr="0" dt="0"/>
   <p:txStyles>
     <p:titleStyle>
       <a:lvl1pPr algn="l" defTabSz="914400" rtl="0" eaLnBrk="1" latinLnBrk="0" hangingPunct="1">
@@ -3417,7 +3416,7 @@
           <p:cNvPr id="2" name="標題 1">
             <a:extLst>
               <a:ext uri="{FF2B5EF4-FFF2-40B4-BE49-F238E27FC236}">
-                <a16:creationId xmlns:a16="http://schemas.microsoft.com/office/drawing/2014/main" id="{A5DC7FA7-9066-4A62-B69D-B97C85114597}"/>
+                <a16:creationId xmlns:a16="http://schemas.microsoft.com/office/drawing/2014/main" id="{477EB55C-8F5B-4CE1-AAFD-01132FAB4236}"/>
               </a:ext>
             </a:extLst>
           </p:cNvPr>
@@ -3446,7 +3445,7 @@
           <p:cNvPr id="3" name="副標題 2">
             <a:extLst>
               <a:ext uri="{FF2B5EF4-FFF2-40B4-BE49-F238E27FC236}">
-                <a16:creationId xmlns:a16="http://schemas.microsoft.com/office/drawing/2014/main" id="{0F4E4F26-FCF4-4CBF-B540-21B7CA1C019D}"/>
+                <a16:creationId xmlns:a16="http://schemas.microsoft.com/office/drawing/2014/main" id="{115188B0-12A1-4050-BE30-09B3C6D90807}"/>
               </a:ext>
             </a:extLst>
           </p:cNvPr>
@@ -3457,20 +3456,35 @@
             <p:ph type="subTitle" idx="1"/>
           </p:nvPr>
         </p:nvSpPr>
-        <p:spPr/>
-        <p:txBody>
-          <a:bodyPr/>
+        <p:spPr>
+          <a:xfrm>
+            <a:off x="1524000" y="3602038"/>
+            <a:ext cx="9144000" cy="1884362"/>
+          </a:xfrm>
+        </p:spPr>
+        <p:txBody>
+          <a:bodyPr>
+            <a:normAutofit/>
+          </a:bodyPr>
           <a:lstStyle/>
           <a:p>
             <a:r>
               <a:rPr lang="en-US" altLang="zh-TW" dirty="0"/>
-              <a:t>2021/11/26</a:t>
-            </a:r>
-          </a:p>
-          <a:p>
-            <a:r>
-              <a:rPr lang="en-US" altLang="zh-TW" dirty="0" err="1"/>
-              <a:t>R08943016</a:t>
+              <a:t>Video 1</a:t>
+            </a:r>
+          </a:p>
+          <a:p>
+            <a:r>
+              <a:rPr lang="zh-TW" altLang="en-US" dirty="0"/>
+              <a:t>電子所</a:t>
+            </a:r>
+            <a:r>
+              <a:rPr lang="en-US" altLang="zh-TW" dirty="0"/>
+              <a:t>ICS</a:t>
+            </a:r>
+            <a:r>
+              <a:rPr lang="zh-TW" altLang="en-US" dirty="0"/>
+              <a:t>組</a:t>
             </a:r>
             <a:endParaRPr lang="en-US" altLang="zh-TW" dirty="0"/>
           </a:p>
@@ -3479,35 +3493,14 @@
               <a:rPr lang="zh-TW" altLang="en-US" dirty="0"/>
               <a:t>吳諺倫</a:t>
             </a:r>
-          </a:p>
-        </p:txBody>
-      </p:sp>
-      <p:sp>
-        <p:nvSpPr>
-          <p:cNvPr id="4" name="日期版面配置區 3">
-            <a:extLst>
-              <a:ext uri="{FF2B5EF4-FFF2-40B4-BE49-F238E27FC236}">
-                <a16:creationId xmlns:a16="http://schemas.microsoft.com/office/drawing/2014/main" id="{A9A016C9-F063-4716-B480-611C935BF4F9}"/>
-              </a:ext>
-            </a:extLst>
-          </p:cNvPr>
-          <p:cNvSpPr>
-            <a:spLocks noGrp="1"/>
-          </p:cNvSpPr>
-          <p:nvPr>
-            <p:ph type="dt" sz="half" idx="10"/>
-          </p:nvPr>
-        </p:nvSpPr>
-        <p:spPr/>
-        <p:txBody>
-          <a:bodyPr/>
-          <a:lstStyle/>
-          <a:p>
-            <a:r>
-              <a:rPr lang="en-US" altLang="zh-TW"/>
-              <a:t>2021/11/26</a:t>
-            </a:r>
-            <a:endParaRPr lang="zh-TW" altLang="en-US"/>
+            <a:endParaRPr lang="en-US" altLang="zh-TW" dirty="0"/>
+          </a:p>
+          <a:p>
+            <a:r>
+              <a:rPr lang="en-US" altLang="zh-TW" dirty="0"/>
+              <a:t>R08943016</a:t>
+            </a:r>
+            <a:endParaRPr lang="zh-TW" altLang="en-US" dirty="0"/>
           </a:p>
         </p:txBody>
       </p:sp>
@@ -3516,7 +3509,7 @@
           <p:cNvPr id="5" name="投影片編號版面配置區 4">
             <a:extLst>
               <a:ext uri="{FF2B5EF4-FFF2-40B4-BE49-F238E27FC236}">
-                <a16:creationId xmlns:a16="http://schemas.microsoft.com/office/drawing/2014/main" id="{8D27A6B8-E51B-4150-9BE5-98F82BD1A8E7}"/>
+                <a16:creationId xmlns:a16="http://schemas.microsoft.com/office/drawing/2014/main" id="{FAEF88B8-49BC-4578-BABE-4B8ACD79FA58}"/>
               </a:ext>
             </a:extLst>
           </p:cNvPr>
@@ -3534,7 +3527,6 @@
           <a:p>
             <a:fld id="{93505084-60DD-4D79-B665-49CF61585407}" type="slidenum">
               <a:rPr lang="zh-TW" altLang="en-US" smtClean="0"/>
-              <a:pPr/>
               <a:t>1</a:t>
             </a:fld>
             <a:endParaRPr lang="zh-TW" altLang="en-US"/>
@@ -3544,7 +3536,7 @@
     </p:spTree>
     <p:extLst>
       <p:ext uri="{BB962C8B-B14F-4D97-AF65-F5344CB8AC3E}">
-        <p14:creationId xmlns:p14="http://schemas.microsoft.com/office/powerpoint/2010/main" val="4230290563"/>
+        <p14:creationId xmlns:p14="http://schemas.microsoft.com/office/powerpoint/2010/main" val="3017421944"/>
       </p:ext>
     </p:extLst>
   </p:cSld>
@@ -3604,7 +3596,27 @@
           <a:bodyPr/>
           <a:lstStyle/>
           <a:p>
-            <a:endParaRPr lang="zh-TW" altLang="en-US"/>
+            <a:r>
+              <a:rPr lang="en-US" altLang="zh-TW" dirty="0" err="1"/>
+              <a:t>No.2</a:t>
+            </a:r>
+            <a:r>
+              <a:rPr lang="en-US" altLang="zh-TW" dirty="0"/>
+              <a:t> </a:t>
+            </a:r>
+            <a:r>
+              <a:rPr lang="en-US" altLang="zh-TW" dirty="0" err="1"/>
+              <a:t>dplyr</a:t>
+            </a:r>
+            <a:r>
+              <a:rPr lang="en-US" altLang="zh-TW" dirty="0"/>
+              <a:t>::</a:t>
+            </a:r>
+            <a:r>
+              <a:rPr lang="en-US" altLang="zh-TW" dirty="0" err="1"/>
+              <a:t>cume_dist</a:t>
+            </a:r>
+            <a:endParaRPr lang="zh-TW" altLang="en-US" dirty="0"/>
           </a:p>
         </p:txBody>
       </p:sp>
@@ -3629,35 +3641,6 @@
           <a:bodyPr/>
           <a:lstStyle/>
           <a:p>
-            <a:endParaRPr lang="zh-TW" altLang="en-US"/>
-          </a:p>
-        </p:txBody>
-      </p:sp>
-      <p:sp>
-        <p:nvSpPr>
-          <p:cNvPr id="4" name="日期版面配置區 3">
-            <a:extLst>
-              <a:ext uri="{FF2B5EF4-FFF2-40B4-BE49-F238E27FC236}">
-                <a16:creationId xmlns:a16="http://schemas.microsoft.com/office/drawing/2014/main" id="{90600B5D-CD4B-43CC-9E8A-63961244D989}"/>
-              </a:ext>
-            </a:extLst>
-          </p:cNvPr>
-          <p:cNvSpPr>
-            <a:spLocks noGrp="1"/>
-          </p:cNvSpPr>
-          <p:nvPr>
-            <p:ph type="dt" sz="half" idx="10"/>
-          </p:nvPr>
-        </p:nvSpPr>
-        <p:spPr/>
-        <p:txBody>
-          <a:bodyPr/>
-          <a:lstStyle/>
-          <a:p>
-            <a:r>
-              <a:rPr lang="en-US" altLang="zh-TW"/>
-              <a:t>2021/11/26</a:t>
-            </a:r>
             <a:endParaRPr lang="zh-TW" altLang="en-US"/>
           </a:p>
         </p:txBody>
@@ -3694,10 +3677,10 @@
       </p:sp>
       <p:pic>
         <p:nvPicPr>
-          <p:cNvPr id="6" name="圖片 5">
-            <a:extLst>
-              <a:ext uri="{FF2B5EF4-FFF2-40B4-BE49-F238E27FC236}">
-                <a16:creationId xmlns:a16="http://schemas.microsoft.com/office/drawing/2014/main" id="{005437B7-263D-4473-8AAC-696F31D633AD}"/>
+          <p:cNvPr id="7" name="圖片 6">
+            <a:extLst>
+              <a:ext uri="{FF2B5EF4-FFF2-40B4-BE49-F238E27FC236}">
+                <a16:creationId xmlns:a16="http://schemas.microsoft.com/office/drawing/2014/main" id="{6D95209F-594B-4ECD-B406-091C26C6343D}"/>
               </a:ext>
             </a:extLst>
           </p:cNvPr>
@@ -3714,14 +3697,63 @@
         </p:blipFill>
         <p:spPr>
           <a:xfrm>
-            <a:off x="1715047" y="1571857"/>
-            <a:ext cx="8761905" cy="3714286"/>
+            <a:off x="838200" y="1205871"/>
+            <a:ext cx="8761905" cy="3695238"/>
           </a:xfrm>
           <a:prstGeom prst="rect">
             <a:avLst/>
           </a:prstGeom>
         </p:spPr>
       </p:pic>
+      <p:sp>
+        <p:nvSpPr>
+          <p:cNvPr id="6" name="文字方塊 5">
+            <a:extLst>
+              <a:ext uri="{FF2B5EF4-FFF2-40B4-BE49-F238E27FC236}">
+                <a16:creationId xmlns:a16="http://schemas.microsoft.com/office/drawing/2014/main" id="{32ED70A0-FFEE-41F8-8DAC-E29B73F84BC6}"/>
+              </a:ext>
+            </a:extLst>
+          </p:cNvPr>
+          <p:cNvSpPr txBox="1"/>
+          <p:nvPr/>
+        </p:nvSpPr>
+        <p:spPr>
+          <a:xfrm>
+            <a:off x="9841957" y="365125"/>
+            <a:ext cx="1511843" cy="400110"/>
+          </a:xfrm>
+          <a:prstGeom prst="rect">
+            <a:avLst/>
+          </a:prstGeom>
+          <a:noFill/>
+        </p:spPr>
+        <p:txBody>
+          <a:bodyPr wrap="square" rtlCol="0">
+            <a:spAutoFit/>
+          </a:bodyPr>
+          <a:lstStyle/>
+          <a:p>
+            <a:r>
+              <a:rPr lang="en-US" altLang="zh-TW" sz="2000" dirty="0" err="1">
+                <a:latin typeface="Times New Roman" panose="02020603050405020304" pitchFamily="18" charset="0"/>
+                <a:cs typeface="Times New Roman" panose="02020603050405020304" pitchFamily="18" charset="0"/>
+              </a:rPr>
+              <a:t>cume_dist</a:t>
+            </a:r>
+            <a:r>
+              <a:rPr lang="en-US" altLang="zh-TW" sz="2000" dirty="0">
+                <a:latin typeface="Times New Roman" panose="02020603050405020304" pitchFamily="18" charset="0"/>
+                <a:cs typeface="Times New Roman" panose="02020603050405020304" pitchFamily="18" charset="0"/>
+              </a:rPr>
+              <a:t>(x)</a:t>
+            </a:r>
+            <a:endParaRPr lang="zh-TW" altLang="en-US" sz="2000" dirty="0">
+              <a:latin typeface="Times New Roman" panose="02020603050405020304" pitchFamily="18" charset="0"/>
+              <a:cs typeface="Times New Roman" panose="02020603050405020304" pitchFamily="18" charset="0"/>
+            </a:endParaRPr>
+          </a:p>
+        </p:txBody>
+      </p:sp>
     </p:spTree>
     <p:extLst>
       <p:ext uri="{BB962C8B-B14F-4D97-AF65-F5344CB8AC3E}">
@@ -3732,6 +3764,18 @@
   <p:clrMapOvr>
     <a:masterClrMapping/>
   </p:clrMapOvr>
+  <mc:AlternateContent xmlns:mc="http://schemas.openxmlformats.org/markup-compatibility/2006" xmlns:p14="http://schemas.microsoft.com/office/powerpoint/2010/main">
+    <mc:Choice Requires="p14">
+      <p:transition spd="slow" p14:dur="2000">
+        <p:cut/>
+      </p:transition>
+    </mc:Choice>
+    <mc:Fallback xmlns="">
+      <p:transition spd="slow">
+        <p:cut/>
+      </p:transition>
+    </mc:Fallback>
+  </mc:AlternateContent>
 </p:sld>
 </file>
 
@@ -3773,7 +3817,27 @@
           <a:bodyPr/>
           <a:lstStyle/>
           <a:p>
-            <a:endParaRPr lang="zh-TW" altLang="en-US"/>
+            <a:r>
+              <a:rPr lang="en-US" altLang="zh-TW" dirty="0" err="1"/>
+              <a:t>No.3</a:t>
+            </a:r>
+            <a:r>
+              <a:rPr lang="en-US" altLang="zh-TW" dirty="0"/>
+              <a:t> </a:t>
+            </a:r>
+            <a:r>
+              <a:rPr lang="en-US" altLang="zh-TW" dirty="0" err="1"/>
+              <a:t>dplyr</a:t>
+            </a:r>
+            <a:r>
+              <a:rPr lang="en-US" altLang="zh-TW" dirty="0"/>
+              <a:t>::</a:t>
+            </a:r>
+            <a:r>
+              <a:rPr lang="en-US" altLang="zh-TW" dirty="0" err="1"/>
+              <a:t>ntile</a:t>
+            </a:r>
+            <a:endParaRPr lang="zh-TW" altLang="en-US" dirty="0"/>
           </a:p>
         </p:txBody>
       </p:sp>
@@ -3798,36 +3862,7 @@
           <a:bodyPr/>
           <a:lstStyle/>
           <a:p>
-            <a:endParaRPr lang="zh-TW" altLang="en-US"/>
-          </a:p>
-        </p:txBody>
-      </p:sp>
-      <p:sp>
-        <p:nvSpPr>
-          <p:cNvPr id="4" name="日期版面配置區 3">
-            <a:extLst>
-              <a:ext uri="{FF2B5EF4-FFF2-40B4-BE49-F238E27FC236}">
-                <a16:creationId xmlns:a16="http://schemas.microsoft.com/office/drawing/2014/main" id="{41AFB106-284E-4C8E-B1E7-BB46DD748381}"/>
-              </a:ext>
-            </a:extLst>
-          </p:cNvPr>
-          <p:cNvSpPr>
-            <a:spLocks noGrp="1"/>
-          </p:cNvSpPr>
-          <p:nvPr>
-            <p:ph type="dt" sz="half" idx="10"/>
-          </p:nvPr>
-        </p:nvSpPr>
-        <p:spPr/>
-        <p:txBody>
-          <a:bodyPr/>
-          <a:lstStyle/>
-          <a:p>
-            <a:r>
-              <a:rPr lang="en-US" altLang="zh-TW"/>
-              <a:t>2021/11/26</a:t>
-            </a:r>
-            <a:endParaRPr lang="zh-TW" altLang="en-US"/>
+            <a:endParaRPr lang="zh-TW" altLang="en-US" dirty="0"/>
           </a:p>
         </p:txBody>
       </p:sp>
@@ -3883,7 +3918,7 @@
         </p:blipFill>
         <p:spPr>
           <a:xfrm>
-            <a:off x="1715047" y="1367095"/>
+            <a:off x="838200" y="1205871"/>
             <a:ext cx="8761905" cy="4123809"/>
           </a:xfrm>
           <a:prstGeom prst="rect">
@@ -3891,6 +3926,69 @@
           </a:prstGeom>
         </p:spPr>
       </p:pic>
+      <p:sp>
+        <p:nvSpPr>
+          <p:cNvPr id="8" name="文字方塊 7">
+            <a:extLst>
+              <a:ext uri="{FF2B5EF4-FFF2-40B4-BE49-F238E27FC236}">
+                <a16:creationId xmlns:a16="http://schemas.microsoft.com/office/drawing/2014/main" id="{82D709B4-F522-4C8D-BCE8-AC4819511F26}"/>
+              </a:ext>
+            </a:extLst>
+          </p:cNvPr>
+          <p:cNvSpPr txBox="1"/>
+          <p:nvPr/>
+        </p:nvSpPr>
+        <p:spPr>
+          <a:xfrm>
+            <a:off x="8468139" y="365125"/>
+            <a:ext cx="2885661" cy="400110"/>
+          </a:xfrm>
+          <a:prstGeom prst="rect">
+            <a:avLst/>
+          </a:prstGeom>
+          <a:noFill/>
+        </p:spPr>
+        <p:txBody>
+          <a:bodyPr wrap="square" rtlCol="0">
+            <a:spAutoFit/>
+          </a:bodyPr>
+          <a:lstStyle/>
+          <a:p>
+            <a:r>
+              <a:rPr lang="en-US" altLang="zh-TW" sz="2000" dirty="0" err="1">
+                <a:latin typeface="Times New Roman" panose="02020603050405020304" pitchFamily="18" charset="0"/>
+                <a:cs typeface="Times New Roman" panose="02020603050405020304" pitchFamily="18" charset="0"/>
+              </a:rPr>
+              <a:t>ntile</a:t>
+            </a:r>
+            <a:r>
+              <a:rPr lang="en-US" altLang="zh-TW" sz="2000" dirty="0">
+                <a:latin typeface="Times New Roman" panose="02020603050405020304" pitchFamily="18" charset="0"/>
+                <a:cs typeface="Times New Roman" panose="02020603050405020304" pitchFamily="18" charset="0"/>
+              </a:rPr>
+              <a:t>(x = </a:t>
+            </a:r>
+            <a:r>
+              <a:rPr lang="en-US" altLang="zh-TW" sz="2000" dirty="0" err="1">
+                <a:latin typeface="Times New Roman" panose="02020603050405020304" pitchFamily="18" charset="0"/>
+                <a:cs typeface="Times New Roman" panose="02020603050405020304" pitchFamily="18" charset="0"/>
+              </a:rPr>
+              <a:t>row_number</a:t>
+            </a:r>
+            <a:r>
+              <a:rPr lang="en-US" altLang="zh-TW" sz="2000" dirty="0">
+                <a:latin typeface="Times New Roman" panose="02020603050405020304" pitchFamily="18" charset="0"/>
+                <a:cs typeface="Times New Roman" panose="02020603050405020304" pitchFamily="18" charset="0"/>
+              </a:rPr>
+              <a:t>(), n)</a:t>
+            </a:r>
+            <a:endParaRPr lang="zh-TW" altLang="en-US" sz="2000" dirty="0">
+              <a:latin typeface="Times New Roman" panose="02020603050405020304" pitchFamily="18" charset="0"/>
+              <a:cs typeface="Times New Roman" panose="02020603050405020304" pitchFamily="18" charset="0"/>
+            </a:endParaRPr>
+          </a:p>
+        </p:txBody>
+      </p:sp>
     </p:spTree>
     <p:extLst>
       <p:ext uri="{BB962C8B-B14F-4D97-AF65-F5344CB8AC3E}">
@@ -3901,6 +3999,18 @@
   <p:clrMapOvr>
     <a:masterClrMapping/>
   </p:clrMapOvr>
+  <mc:AlternateContent xmlns:mc="http://schemas.openxmlformats.org/markup-compatibility/2006" xmlns:p14="http://schemas.microsoft.com/office/powerpoint/2010/main">
+    <mc:Choice Requires="p14">
+      <p:transition spd="slow" p14:dur="2000">
+        <p:cut/>
+      </p:transition>
+    </mc:Choice>
+    <mc:Fallback xmlns="">
+      <p:transition spd="slow">
+        <p:cut/>
+      </p:transition>
+    </mc:Fallback>
+  </mc:AlternateContent>
 </p:sld>
 </file>
 
@@ -3942,7 +4052,27 @@
           <a:bodyPr/>
           <a:lstStyle/>
           <a:p>
-            <a:endParaRPr lang="zh-TW" altLang="en-US"/>
+            <a:r>
+              <a:rPr lang="en-US" altLang="zh-TW" dirty="0" err="1"/>
+              <a:t>No.3</a:t>
+            </a:r>
+            <a:r>
+              <a:rPr lang="en-US" altLang="zh-TW" dirty="0"/>
+              <a:t> </a:t>
+            </a:r>
+            <a:r>
+              <a:rPr lang="en-US" altLang="zh-TW" dirty="0" err="1"/>
+              <a:t>dplyr</a:t>
+            </a:r>
+            <a:r>
+              <a:rPr lang="en-US" altLang="zh-TW" dirty="0"/>
+              <a:t>::</a:t>
+            </a:r>
+            <a:r>
+              <a:rPr lang="en-US" altLang="zh-TW" dirty="0" err="1"/>
+              <a:t>ntile</a:t>
+            </a:r>
+            <a:endParaRPr lang="zh-TW" altLang="en-US" dirty="0"/>
           </a:p>
         </p:txBody>
       </p:sp>
@@ -3967,35 +4097,6 @@
           <a:bodyPr/>
           <a:lstStyle/>
           <a:p>
-            <a:endParaRPr lang="zh-TW" altLang="en-US"/>
-          </a:p>
-        </p:txBody>
-      </p:sp>
-      <p:sp>
-        <p:nvSpPr>
-          <p:cNvPr id="4" name="日期版面配置區 3">
-            <a:extLst>
-              <a:ext uri="{FF2B5EF4-FFF2-40B4-BE49-F238E27FC236}">
-                <a16:creationId xmlns:a16="http://schemas.microsoft.com/office/drawing/2014/main" id="{F49CD1F1-015C-415C-B8A5-ED47246DF8D0}"/>
-              </a:ext>
-            </a:extLst>
-          </p:cNvPr>
-          <p:cNvSpPr>
-            <a:spLocks noGrp="1"/>
-          </p:cNvSpPr>
-          <p:nvPr>
-            <p:ph type="dt" sz="half" idx="10"/>
-          </p:nvPr>
-        </p:nvSpPr>
-        <p:spPr/>
-        <p:txBody>
-          <a:bodyPr/>
-          <a:lstStyle/>
-          <a:p>
-            <a:r>
-              <a:rPr lang="en-US" altLang="zh-TW"/>
-              <a:t>2021/11/26</a:t>
-            </a:r>
             <a:endParaRPr lang="zh-TW" altLang="en-US"/>
           </a:p>
         </p:txBody>
@@ -4052,7 +4153,7 @@
         </p:blipFill>
         <p:spPr>
           <a:xfrm>
-            <a:off x="1715047" y="1576619"/>
+            <a:off x="838200" y="1205871"/>
             <a:ext cx="8761905" cy="3704762"/>
           </a:xfrm>
           <a:prstGeom prst="rect">
@@ -4060,6 +4161,69 @@
           </a:prstGeom>
         </p:spPr>
       </p:pic>
+      <p:sp>
+        <p:nvSpPr>
+          <p:cNvPr id="8" name="文字方塊 7">
+            <a:extLst>
+              <a:ext uri="{FF2B5EF4-FFF2-40B4-BE49-F238E27FC236}">
+                <a16:creationId xmlns:a16="http://schemas.microsoft.com/office/drawing/2014/main" id="{5D6283F8-63DE-4A40-9718-3A044342928A}"/>
+              </a:ext>
+            </a:extLst>
+          </p:cNvPr>
+          <p:cNvSpPr txBox="1"/>
+          <p:nvPr/>
+        </p:nvSpPr>
+        <p:spPr>
+          <a:xfrm>
+            <a:off x="8468139" y="365125"/>
+            <a:ext cx="2885661" cy="400110"/>
+          </a:xfrm>
+          <a:prstGeom prst="rect">
+            <a:avLst/>
+          </a:prstGeom>
+          <a:noFill/>
+        </p:spPr>
+        <p:txBody>
+          <a:bodyPr wrap="square" rtlCol="0">
+            <a:spAutoFit/>
+          </a:bodyPr>
+          <a:lstStyle/>
+          <a:p>
+            <a:r>
+              <a:rPr lang="en-US" altLang="zh-TW" sz="2000" dirty="0" err="1">
+                <a:latin typeface="Times New Roman" panose="02020603050405020304" pitchFamily="18" charset="0"/>
+                <a:cs typeface="Times New Roman" panose="02020603050405020304" pitchFamily="18" charset="0"/>
+              </a:rPr>
+              <a:t>ntile</a:t>
+            </a:r>
+            <a:r>
+              <a:rPr lang="en-US" altLang="zh-TW" sz="2000" dirty="0">
+                <a:latin typeface="Times New Roman" panose="02020603050405020304" pitchFamily="18" charset="0"/>
+                <a:cs typeface="Times New Roman" panose="02020603050405020304" pitchFamily="18" charset="0"/>
+              </a:rPr>
+              <a:t>(x = </a:t>
+            </a:r>
+            <a:r>
+              <a:rPr lang="en-US" altLang="zh-TW" sz="2000" dirty="0" err="1">
+                <a:latin typeface="Times New Roman" panose="02020603050405020304" pitchFamily="18" charset="0"/>
+                <a:cs typeface="Times New Roman" panose="02020603050405020304" pitchFamily="18" charset="0"/>
+              </a:rPr>
+              <a:t>row_number</a:t>
+            </a:r>
+            <a:r>
+              <a:rPr lang="en-US" altLang="zh-TW" sz="2000" dirty="0">
+                <a:latin typeface="Times New Roman" panose="02020603050405020304" pitchFamily="18" charset="0"/>
+                <a:cs typeface="Times New Roman" panose="02020603050405020304" pitchFamily="18" charset="0"/>
+              </a:rPr>
+              <a:t>(), n)</a:t>
+            </a:r>
+            <a:endParaRPr lang="zh-TW" altLang="en-US" sz="2000" dirty="0">
+              <a:latin typeface="Times New Roman" panose="02020603050405020304" pitchFamily="18" charset="0"/>
+              <a:cs typeface="Times New Roman" panose="02020603050405020304" pitchFamily="18" charset="0"/>
+            </a:endParaRPr>
+          </a:p>
+        </p:txBody>
+      </p:sp>
     </p:spTree>
     <p:extLst>
       <p:ext uri="{BB962C8B-B14F-4D97-AF65-F5344CB8AC3E}">
@@ -4070,6 +4234,18 @@
   <p:clrMapOvr>
     <a:masterClrMapping/>
   </p:clrMapOvr>
+  <mc:AlternateContent xmlns:mc="http://schemas.openxmlformats.org/markup-compatibility/2006" xmlns:p14="http://schemas.microsoft.com/office/powerpoint/2010/main">
+    <mc:Choice Requires="p14">
+      <p:transition spd="slow" p14:dur="2000">
+        <p:cut/>
+      </p:transition>
+    </mc:Choice>
+    <mc:Fallback xmlns="">
+      <p:transition spd="slow">
+        <p:cut/>
+      </p:transition>
+    </mc:Fallback>
+  </mc:AlternateContent>
 </p:sld>
 </file>
 
@@ -4111,7 +4287,27 @@
           <a:bodyPr/>
           <a:lstStyle/>
           <a:p>
-            <a:endParaRPr lang="zh-TW" altLang="en-US"/>
+            <a:r>
+              <a:rPr lang="en-US" altLang="zh-TW" dirty="0" err="1"/>
+              <a:t>No.3</a:t>
+            </a:r>
+            <a:r>
+              <a:rPr lang="en-US" altLang="zh-TW" dirty="0"/>
+              <a:t> </a:t>
+            </a:r>
+            <a:r>
+              <a:rPr lang="en-US" altLang="zh-TW" dirty="0" err="1"/>
+              <a:t>dplyr</a:t>
+            </a:r>
+            <a:r>
+              <a:rPr lang="en-US" altLang="zh-TW" dirty="0"/>
+              <a:t>::</a:t>
+            </a:r>
+            <a:r>
+              <a:rPr lang="en-US" altLang="zh-TW" dirty="0" err="1"/>
+              <a:t>ntile</a:t>
+            </a:r>
+            <a:endParaRPr lang="zh-TW" altLang="en-US" dirty="0"/>
           </a:p>
         </p:txBody>
       </p:sp>
@@ -4136,35 +4332,6 @@
           <a:bodyPr/>
           <a:lstStyle/>
           <a:p>
-            <a:endParaRPr lang="zh-TW" altLang="en-US"/>
-          </a:p>
-        </p:txBody>
-      </p:sp>
-      <p:sp>
-        <p:nvSpPr>
-          <p:cNvPr id="4" name="日期版面配置區 3">
-            <a:extLst>
-              <a:ext uri="{FF2B5EF4-FFF2-40B4-BE49-F238E27FC236}">
-                <a16:creationId xmlns:a16="http://schemas.microsoft.com/office/drawing/2014/main" id="{9D12AF7B-19CD-4DEE-94B7-1C97CF8F9BC6}"/>
-              </a:ext>
-            </a:extLst>
-          </p:cNvPr>
-          <p:cNvSpPr>
-            <a:spLocks noGrp="1"/>
-          </p:cNvSpPr>
-          <p:nvPr>
-            <p:ph type="dt" sz="half" idx="10"/>
-          </p:nvPr>
-        </p:nvSpPr>
-        <p:spPr/>
-        <p:txBody>
-          <a:bodyPr/>
-          <a:lstStyle/>
-          <a:p>
-            <a:r>
-              <a:rPr lang="en-US" altLang="zh-TW"/>
-              <a:t>2021/11/26</a:t>
-            </a:r>
             <a:endParaRPr lang="zh-TW" altLang="en-US"/>
           </a:p>
         </p:txBody>
@@ -4221,7 +4388,7 @@
         </p:blipFill>
         <p:spPr>
           <a:xfrm>
-            <a:off x="1715047" y="1476619"/>
+            <a:off x="838200" y="1205871"/>
             <a:ext cx="8761905" cy="3904762"/>
           </a:xfrm>
           <a:prstGeom prst="rect">
@@ -4229,6 +4396,69 @@
           </a:prstGeom>
         </p:spPr>
       </p:pic>
+      <p:sp>
+        <p:nvSpPr>
+          <p:cNvPr id="8" name="文字方塊 7">
+            <a:extLst>
+              <a:ext uri="{FF2B5EF4-FFF2-40B4-BE49-F238E27FC236}">
+                <a16:creationId xmlns:a16="http://schemas.microsoft.com/office/drawing/2014/main" id="{CF4BEFE6-98EA-41B2-9EF7-35E0D88346FB}"/>
+              </a:ext>
+            </a:extLst>
+          </p:cNvPr>
+          <p:cNvSpPr txBox="1"/>
+          <p:nvPr/>
+        </p:nvSpPr>
+        <p:spPr>
+          <a:xfrm>
+            <a:off x="8468139" y="365125"/>
+            <a:ext cx="2885661" cy="400110"/>
+          </a:xfrm>
+          <a:prstGeom prst="rect">
+            <a:avLst/>
+          </a:prstGeom>
+          <a:noFill/>
+        </p:spPr>
+        <p:txBody>
+          <a:bodyPr wrap="square" rtlCol="0">
+            <a:spAutoFit/>
+          </a:bodyPr>
+          <a:lstStyle/>
+          <a:p>
+            <a:r>
+              <a:rPr lang="en-US" altLang="zh-TW" sz="2000" dirty="0" err="1">
+                <a:latin typeface="Times New Roman" panose="02020603050405020304" pitchFamily="18" charset="0"/>
+                <a:cs typeface="Times New Roman" panose="02020603050405020304" pitchFamily="18" charset="0"/>
+              </a:rPr>
+              <a:t>ntile</a:t>
+            </a:r>
+            <a:r>
+              <a:rPr lang="en-US" altLang="zh-TW" sz="2000" dirty="0">
+                <a:latin typeface="Times New Roman" panose="02020603050405020304" pitchFamily="18" charset="0"/>
+                <a:cs typeface="Times New Roman" panose="02020603050405020304" pitchFamily="18" charset="0"/>
+              </a:rPr>
+              <a:t>(x = </a:t>
+            </a:r>
+            <a:r>
+              <a:rPr lang="en-US" altLang="zh-TW" sz="2000" dirty="0" err="1">
+                <a:latin typeface="Times New Roman" panose="02020603050405020304" pitchFamily="18" charset="0"/>
+                <a:cs typeface="Times New Roman" panose="02020603050405020304" pitchFamily="18" charset="0"/>
+              </a:rPr>
+              <a:t>row_number</a:t>
+            </a:r>
+            <a:r>
+              <a:rPr lang="en-US" altLang="zh-TW" sz="2000" dirty="0">
+                <a:latin typeface="Times New Roman" panose="02020603050405020304" pitchFamily="18" charset="0"/>
+                <a:cs typeface="Times New Roman" panose="02020603050405020304" pitchFamily="18" charset="0"/>
+              </a:rPr>
+              <a:t>(), n)</a:t>
+            </a:r>
+            <a:endParaRPr lang="zh-TW" altLang="en-US" sz="2000" dirty="0">
+              <a:latin typeface="Times New Roman" panose="02020603050405020304" pitchFamily="18" charset="0"/>
+              <a:cs typeface="Times New Roman" panose="02020603050405020304" pitchFamily="18" charset="0"/>
+            </a:endParaRPr>
+          </a:p>
+        </p:txBody>
+      </p:sp>
     </p:spTree>
     <p:extLst>
       <p:ext uri="{BB962C8B-B14F-4D97-AF65-F5344CB8AC3E}">
@@ -4239,6 +4469,18 @@
   <p:clrMapOvr>
     <a:masterClrMapping/>
   </p:clrMapOvr>
+  <mc:AlternateContent xmlns:mc="http://schemas.openxmlformats.org/markup-compatibility/2006" xmlns:p14="http://schemas.microsoft.com/office/powerpoint/2010/main">
+    <mc:Choice Requires="p14">
+      <p:transition spd="slow" p14:dur="2000">
+        <p:cut/>
+      </p:transition>
+    </mc:Choice>
+    <mc:Fallback xmlns="">
+      <p:transition spd="slow">
+        <p:cut/>
+      </p:transition>
+    </mc:Fallback>
+  </mc:AlternateContent>
 </p:sld>
 </file>
 
@@ -4280,7 +4522,27 @@
           <a:bodyPr/>
           <a:lstStyle/>
           <a:p>
-            <a:endParaRPr lang="zh-TW" altLang="en-US"/>
+            <a:r>
+              <a:rPr lang="en-US" altLang="zh-TW" dirty="0" err="1"/>
+              <a:t>No.4</a:t>
+            </a:r>
+            <a:r>
+              <a:rPr lang="en-US" altLang="zh-TW" dirty="0"/>
+              <a:t> </a:t>
+            </a:r>
+            <a:r>
+              <a:rPr lang="en-US" altLang="zh-TW" dirty="0" err="1"/>
+              <a:t>dplyr</a:t>
+            </a:r>
+            <a:r>
+              <a:rPr lang="en-US" altLang="zh-TW" dirty="0"/>
+              <a:t>::</a:t>
+            </a:r>
+            <a:r>
+              <a:rPr lang="en-US" altLang="zh-TW" dirty="0" err="1"/>
+              <a:t>if_else</a:t>
+            </a:r>
+            <a:endParaRPr lang="zh-TW" altLang="en-US" dirty="0"/>
           </a:p>
         </p:txBody>
       </p:sp>
@@ -4305,35 +4567,6 @@
           <a:bodyPr/>
           <a:lstStyle/>
           <a:p>
-            <a:endParaRPr lang="zh-TW" altLang="en-US"/>
-          </a:p>
-        </p:txBody>
-      </p:sp>
-      <p:sp>
-        <p:nvSpPr>
-          <p:cNvPr id="4" name="日期版面配置區 3">
-            <a:extLst>
-              <a:ext uri="{FF2B5EF4-FFF2-40B4-BE49-F238E27FC236}">
-                <a16:creationId xmlns:a16="http://schemas.microsoft.com/office/drawing/2014/main" id="{DA1C5DC3-6593-43C5-A523-A72EB3EABA67}"/>
-              </a:ext>
-            </a:extLst>
-          </p:cNvPr>
-          <p:cNvSpPr>
-            <a:spLocks noGrp="1"/>
-          </p:cNvSpPr>
-          <p:nvPr>
-            <p:ph type="dt" sz="half" idx="10"/>
-          </p:nvPr>
-        </p:nvSpPr>
-        <p:spPr/>
-        <p:txBody>
-          <a:bodyPr/>
-          <a:lstStyle/>
-          <a:p>
-            <a:r>
-              <a:rPr lang="en-US" altLang="zh-TW"/>
-              <a:t>2021/11/26</a:t>
-            </a:r>
             <a:endParaRPr lang="zh-TW" altLang="en-US"/>
           </a:p>
         </p:txBody>
@@ -4370,10 +4603,10 @@
       </p:sp>
       <p:pic>
         <p:nvPicPr>
-          <p:cNvPr id="6" name="圖片 5">
-            <a:extLst>
-              <a:ext uri="{FF2B5EF4-FFF2-40B4-BE49-F238E27FC236}">
-                <a16:creationId xmlns:a16="http://schemas.microsoft.com/office/drawing/2014/main" id="{00F12276-174F-4E19-8489-029130CE0DEB}"/>
+          <p:cNvPr id="4" name="圖片 3">
+            <a:extLst>
+              <a:ext uri="{FF2B5EF4-FFF2-40B4-BE49-F238E27FC236}">
+                <a16:creationId xmlns:a16="http://schemas.microsoft.com/office/drawing/2014/main" id="{1ACBD090-D481-4CDA-9FF4-16869BAAEDDE}"/>
               </a:ext>
             </a:extLst>
           </p:cNvPr>
@@ -4390,14 +4623,63 @@
         </p:blipFill>
         <p:spPr>
           <a:xfrm>
-            <a:off x="1715047" y="1248047"/>
-            <a:ext cx="8761905" cy="4361905"/>
+            <a:off x="838200" y="1205871"/>
+            <a:ext cx="8761905" cy="4333333"/>
           </a:xfrm>
           <a:prstGeom prst="rect">
             <a:avLst/>
           </a:prstGeom>
         </p:spPr>
       </p:pic>
+      <p:sp>
+        <p:nvSpPr>
+          <p:cNvPr id="7" name="文字方塊 6">
+            <a:extLst>
+              <a:ext uri="{FF2B5EF4-FFF2-40B4-BE49-F238E27FC236}">
+                <a16:creationId xmlns:a16="http://schemas.microsoft.com/office/drawing/2014/main" id="{C1764980-47A2-47A4-8880-E2AE101C9372}"/>
+              </a:ext>
+            </a:extLst>
+          </p:cNvPr>
+          <p:cNvSpPr txBox="1"/>
+          <p:nvPr/>
+        </p:nvSpPr>
+        <p:spPr>
+          <a:xfrm>
+            <a:off x="6387547" y="365125"/>
+            <a:ext cx="4966253" cy="400110"/>
+          </a:xfrm>
+          <a:prstGeom prst="rect">
+            <a:avLst/>
+          </a:prstGeom>
+          <a:noFill/>
+        </p:spPr>
+        <p:txBody>
+          <a:bodyPr wrap="square" rtlCol="0">
+            <a:spAutoFit/>
+          </a:bodyPr>
+          <a:lstStyle/>
+          <a:p>
+            <a:r>
+              <a:rPr lang="en-US" altLang="zh-TW" sz="2000" dirty="0" err="1">
+                <a:latin typeface="Times New Roman" panose="02020603050405020304" pitchFamily="18" charset="0"/>
+                <a:cs typeface="Times New Roman" panose="02020603050405020304" pitchFamily="18" charset="0"/>
+              </a:rPr>
+              <a:t>if_else</a:t>
+            </a:r>
+            <a:r>
+              <a:rPr lang="en-US" altLang="zh-TW" sz="2000" dirty="0">
+                <a:latin typeface="Times New Roman" panose="02020603050405020304" pitchFamily="18" charset="0"/>
+                <a:cs typeface="Times New Roman" panose="02020603050405020304" pitchFamily="18" charset="0"/>
+              </a:rPr>
+              <a:t>(condition, true, false, missing = NULL)</a:t>
+            </a:r>
+            <a:endParaRPr lang="zh-TW" altLang="en-US" sz="2000" dirty="0">
+              <a:latin typeface="Times New Roman" panose="02020603050405020304" pitchFamily="18" charset="0"/>
+              <a:cs typeface="Times New Roman" panose="02020603050405020304" pitchFamily="18" charset="0"/>
+            </a:endParaRPr>
+          </a:p>
+        </p:txBody>
+      </p:sp>
     </p:spTree>
     <p:extLst>
       <p:ext uri="{BB962C8B-B14F-4D97-AF65-F5344CB8AC3E}">
@@ -4408,6 +4690,18 @@
   <p:clrMapOvr>
     <a:masterClrMapping/>
   </p:clrMapOvr>
+  <mc:AlternateContent xmlns:mc="http://schemas.openxmlformats.org/markup-compatibility/2006" xmlns:p14="http://schemas.microsoft.com/office/powerpoint/2010/main">
+    <mc:Choice Requires="p14">
+      <p:transition spd="slow" p14:dur="2000">
+        <p:cut/>
+      </p:transition>
+    </mc:Choice>
+    <mc:Fallback xmlns="">
+      <p:transition spd="slow">
+        <p:cut/>
+      </p:transition>
+    </mc:Fallback>
+  </mc:AlternateContent>
 </p:sld>
 </file>
 
@@ -4449,7 +4743,27 @@
           <a:bodyPr/>
           <a:lstStyle/>
           <a:p>
-            <a:endParaRPr lang="zh-TW" altLang="en-US"/>
+            <a:r>
+              <a:rPr lang="en-US" altLang="zh-TW" dirty="0" err="1"/>
+              <a:t>No.4</a:t>
+            </a:r>
+            <a:r>
+              <a:rPr lang="en-US" altLang="zh-TW" dirty="0"/>
+              <a:t> </a:t>
+            </a:r>
+            <a:r>
+              <a:rPr lang="en-US" altLang="zh-TW" dirty="0" err="1"/>
+              <a:t>dplyr</a:t>
+            </a:r>
+            <a:r>
+              <a:rPr lang="en-US" altLang="zh-TW" dirty="0"/>
+              <a:t>::</a:t>
+            </a:r>
+            <a:r>
+              <a:rPr lang="en-US" altLang="zh-TW" dirty="0" err="1"/>
+              <a:t>if_else</a:t>
+            </a:r>
+            <a:endParaRPr lang="zh-TW" altLang="en-US" dirty="0"/>
           </a:p>
         </p:txBody>
       </p:sp>
@@ -4474,35 +4788,6 @@
           <a:bodyPr/>
           <a:lstStyle/>
           <a:p>
-            <a:endParaRPr lang="zh-TW" altLang="en-US"/>
-          </a:p>
-        </p:txBody>
-      </p:sp>
-      <p:sp>
-        <p:nvSpPr>
-          <p:cNvPr id="4" name="日期版面配置區 3">
-            <a:extLst>
-              <a:ext uri="{FF2B5EF4-FFF2-40B4-BE49-F238E27FC236}">
-                <a16:creationId xmlns:a16="http://schemas.microsoft.com/office/drawing/2014/main" id="{0D230F04-9383-46CF-ABDA-D3EB93173BC3}"/>
-              </a:ext>
-            </a:extLst>
-          </p:cNvPr>
-          <p:cNvSpPr>
-            <a:spLocks noGrp="1"/>
-          </p:cNvSpPr>
-          <p:nvPr>
-            <p:ph type="dt" sz="half" idx="10"/>
-          </p:nvPr>
-        </p:nvSpPr>
-        <p:spPr/>
-        <p:txBody>
-          <a:bodyPr/>
-          <a:lstStyle/>
-          <a:p>
-            <a:r>
-              <a:rPr lang="en-US" altLang="zh-TW"/>
-              <a:t>2021/11/26</a:t>
-            </a:r>
             <a:endParaRPr lang="zh-TW" altLang="en-US"/>
           </a:p>
         </p:txBody>
@@ -4539,10 +4824,10 @@
       </p:sp>
       <p:pic>
         <p:nvPicPr>
-          <p:cNvPr id="6" name="圖片 5">
-            <a:extLst>
-              <a:ext uri="{FF2B5EF4-FFF2-40B4-BE49-F238E27FC236}">
-                <a16:creationId xmlns:a16="http://schemas.microsoft.com/office/drawing/2014/main" id="{5C45F66A-7287-4B1C-8589-DE96926A101A}"/>
+          <p:cNvPr id="4" name="圖片 3">
+            <a:extLst>
+              <a:ext uri="{FF2B5EF4-FFF2-40B4-BE49-F238E27FC236}">
+                <a16:creationId xmlns:a16="http://schemas.microsoft.com/office/drawing/2014/main" id="{75C74520-4749-49B9-8AF0-31342D3B5A8C}"/>
               </a:ext>
             </a:extLst>
           </p:cNvPr>
@@ -4559,14 +4844,63 @@
         </p:blipFill>
         <p:spPr>
           <a:xfrm>
-            <a:off x="1715047" y="1695666"/>
-            <a:ext cx="8761905" cy="3466667"/>
+            <a:off x="838200" y="1205871"/>
+            <a:ext cx="8761905" cy="3476190"/>
           </a:xfrm>
           <a:prstGeom prst="rect">
             <a:avLst/>
           </a:prstGeom>
         </p:spPr>
       </p:pic>
+      <p:sp>
+        <p:nvSpPr>
+          <p:cNvPr id="7" name="文字方塊 6">
+            <a:extLst>
+              <a:ext uri="{FF2B5EF4-FFF2-40B4-BE49-F238E27FC236}">
+                <a16:creationId xmlns:a16="http://schemas.microsoft.com/office/drawing/2014/main" id="{DF03B221-E619-4A77-9A57-49AFD7B9E109}"/>
+              </a:ext>
+            </a:extLst>
+          </p:cNvPr>
+          <p:cNvSpPr txBox="1"/>
+          <p:nvPr/>
+        </p:nvSpPr>
+        <p:spPr>
+          <a:xfrm>
+            <a:off x="6387547" y="365125"/>
+            <a:ext cx="4966253" cy="400110"/>
+          </a:xfrm>
+          <a:prstGeom prst="rect">
+            <a:avLst/>
+          </a:prstGeom>
+          <a:noFill/>
+        </p:spPr>
+        <p:txBody>
+          <a:bodyPr wrap="square" rtlCol="0">
+            <a:spAutoFit/>
+          </a:bodyPr>
+          <a:lstStyle/>
+          <a:p>
+            <a:r>
+              <a:rPr lang="en-US" altLang="zh-TW" sz="2000" dirty="0" err="1">
+                <a:latin typeface="Times New Roman" panose="02020603050405020304" pitchFamily="18" charset="0"/>
+                <a:cs typeface="Times New Roman" panose="02020603050405020304" pitchFamily="18" charset="0"/>
+              </a:rPr>
+              <a:t>if_else</a:t>
+            </a:r>
+            <a:r>
+              <a:rPr lang="en-US" altLang="zh-TW" sz="2000" dirty="0">
+                <a:latin typeface="Times New Roman" panose="02020603050405020304" pitchFamily="18" charset="0"/>
+                <a:cs typeface="Times New Roman" panose="02020603050405020304" pitchFamily="18" charset="0"/>
+              </a:rPr>
+              <a:t>(condition, true, false, missing = NULL)</a:t>
+            </a:r>
+            <a:endParaRPr lang="zh-TW" altLang="en-US" sz="2000" dirty="0">
+              <a:latin typeface="Times New Roman" panose="02020603050405020304" pitchFamily="18" charset="0"/>
+              <a:cs typeface="Times New Roman" panose="02020603050405020304" pitchFamily="18" charset="0"/>
+            </a:endParaRPr>
+          </a:p>
+        </p:txBody>
+      </p:sp>
     </p:spTree>
     <p:extLst>
       <p:ext uri="{BB962C8B-B14F-4D97-AF65-F5344CB8AC3E}">
@@ -4577,6 +4911,18 @@
   <p:clrMapOvr>
     <a:masterClrMapping/>
   </p:clrMapOvr>
+  <mc:AlternateContent xmlns:mc="http://schemas.openxmlformats.org/markup-compatibility/2006" xmlns:p14="http://schemas.microsoft.com/office/powerpoint/2010/main">
+    <mc:Choice Requires="p14">
+      <p:transition spd="slow" p14:dur="2000">
+        <p:cut/>
+      </p:transition>
+    </mc:Choice>
+    <mc:Fallback xmlns="">
+      <p:transition spd="slow">
+        <p:cut/>
+      </p:transition>
+    </mc:Fallback>
+  </mc:AlternateContent>
 </p:sld>
 </file>
 
@@ -4618,7 +4964,27 @@
           <a:bodyPr/>
           <a:lstStyle/>
           <a:p>
-            <a:endParaRPr lang="zh-TW" altLang="en-US"/>
+            <a:r>
+              <a:rPr lang="en-US" altLang="zh-TW" dirty="0" err="1"/>
+              <a:t>No.4</a:t>
+            </a:r>
+            <a:r>
+              <a:rPr lang="en-US" altLang="zh-TW" dirty="0"/>
+              <a:t> </a:t>
+            </a:r>
+            <a:r>
+              <a:rPr lang="en-US" altLang="zh-TW" dirty="0" err="1"/>
+              <a:t>dplyr</a:t>
+            </a:r>
+            <a:r>
+              <a:rPr lang="en-US" altLang="zh-TW" dirty="0"/>
+              <a:t>::</a:t>
+            </a:r>
+            <a:r>
+              <a:rPr lang="en-US" altLang="zh-TW" dirty="0" err="1"/>
+              <a:t>if_else</a:t>
+            </a:r>
+            <a:endParaRPr lang="zh-TW" altLang="en-US" dirty="0"/>
           </a:p>
         </p:txBody>
       </p:sp>
@@ -4643,35 +5009,6 @@
           <a:bodyPr/>
           <a:lstStyle/>
           <a:p>
-            <a:endParaRPr lang="zh-TW" altLang="en-US"/>
-          </a:p>
-        </p:txBody>
-      </p:sp>
-      <p:sp>
-        <p:nvSpPr>
-          <p:cNvPr id="4" name="日期版面配置區 3">
-            <a:extLst>
-              <a:ext uri="{FF2B5EF4-FFF2-40B4-BE49-F238E27FC236}">
-                <a16:creationId xmlns:a16="http://schemas.microsoft.com/office/drawing/2014/main" id="{E6C36EBF-6987-4B20-9901-E506E95100A7}"/>
-              </a:ext>
-            </a:extLst>
-          </p:cNvPr>
-          <p:cNvSpPr>
-            <a:spLocks noGrp="1"/>
-          </p:cNvSpPr>
-          <p:nvPr>
-            <p:ph type="dt" sz="half" idx="10"/>
-          </p:nvPr>
-        </p:nvSpPr>
-        <p:spPr/>
-        <p:txBody>
-          <a:bodyPr/>
-          <a:lstStyle/>
-          <a:p>
-            <a:r>
-              <a:rPr lang="en-US" altLang="zh-TW"/>
-              <a:t>2021/11/26</a:t>
-            </a:r>
             <a:endParaRPr lang="zh-TW" altLang="en-US"/>
           </a:p>
         </p:txBody>
@@ -4708,10 +5045,10 @@
       </p:sp>
       <p:pic>
         <p:nvPicPr>
-          <p:cNvPr id="6" name="圖片 5">
-            <a:extLst>
-              <a:ext uri="{FF2B5EF4-FFF2-40B4-BE49-F238E27FC236}">
-                <a16:creationId xmlns:a16="http://schemas.microsoft.com/office/drawing/2014/main" id="{38DD1038-94EC-4DB3-B436-6B710F88F021}"/>
+          <p:cNvPr id="4" name="圖片 3">
+            <a:extLst>
+              <a:ext uri="{FF2B5EF4-FFF2-40B4-BE49-F238E27FC236}">
+                <a16:creationId xmlns:a16="http://schemas.microsoft.com/office/drawing/2014/main" id="{42DB04E6-A6AE-4CED-8177-16E73DB217F4}"/>
               </a:ext>
             </a:extLst>
           </p:cNvPr>
@@ -4728,14 +5065,63 @@
         </p:blipFill>
         <p:spPr>
           <a:xfrm>
-            <a:off x="1715047" y="1357571"/>
-            <a:ext cx="8761905" cy="4142857"/>
+            <a:off x="838200" y="1205871"/>
+            <a:ext cx="8761905" cy="4114286"/>
           </a:xfrm>
           <a:prstGeom prst="rect">
             <a:avLst/>
           </a:prstGeom>
         </p:spPr>
       </p:pic>
+      <p:sp>
+        <p:nvSpPr>
+          <p:cNvPr id="7" name="文字方塊 6">
+            <a:extLst>
+              <a:ext uri="{FF2B5EF4-FFF2-40B4-BE49-F238E27FC236}">
+                <a16:creationId xmlns:a16="http://schemas.microsoft.com/office/drawing/2014/main" id="{4445F572-5506-4EF6-9EF4-35D28D264413}"/>
+              </a:ext>
+            </a:extLst>
+          </p:cNvPr>
+          <p:cNvSpPr txBox="1"/>
+          <p:nvPr/>
+        </p:nvSpPr>
+        <p:spPr>
+          <a:xfrm>
+            <a:off x="6387547" y="365125"/>
+            <a:ext cx="4966253" cy="400110"/>
+          </a:xfrm>
+          <a:prstGeom prst="rect">
+            <a:avLst/>
+          </a:prstGeom>
+          <a:noFill/>
+        </p:spPr>
+        <p:txBody>
+          <a:bodyPr wrap="square" rtlCol="0">
+            <a:spAutoFit/>
+          </a:bodyPr>
+          <a:lstStyle/>
+          <a:p>
+            <a:r>
+              <a:rPr lang="en-US" altLang="zh-TW" sz="2000" dirty="0" err="1">
+                <a:latin typeface="Times New Roman" panose="02020603050405020304" pitchFamily="18" charset="0"/>
+                <a:cs typeface="Times New Roman" panose="02020603050405020304" pitchFamily="18" charset="0"/>
+              </a:rPr>
+              <a:t>if_else</a:t>
+            </a:r>
+            <a:r>
+              <a:rPr lang="en-US" altLang="zh-TW" sz="2000" dirty="0">
+                <a:latin typeface="Times New Roman" panose="02020603050405020304" pitchFamily="18" charset="0"/>
+                <a:cs typeface="Times New Roman" panose="02020603050405020304" pitchFamily="18" charset="0"/>
+              </a:rPr>
+              <a:t>(condition, true, false, missing = NULL)</a:t>
+            </a:r>
+            <a:endParaRPr lang="zh-TW" altLang="en-US" sz="2000" dirty="0">
+              <a:latin typeface="Times New Roman" panose="02020603050405020304" pitchFamily="18" charset="0"/>
+              <a:cs typeface="Times New Roman" panose="02020603050405020304" pitchFamily="18" charset="0"/>
+            </a:endParaRPr>
+          </a:p>
+        </p:txBody>
+      </p:sp>
     </p:spTree>
     <p:extLst>
       <p:ext uri="{BB962C8B-B14F-4D97-AF65-F5344CB8AC3E}">
@@ -4746,6 +5132,18 @@
   <p:clrMapOvr>
     <a:masterClrMapping/>
   </p:clrMapOvr>
+  <mc:AlternateContent xmlns:mc="http://schemas.openxmlformats.org/markup-compatibility/2006" xmlns:p14="http://schemas.microsoft.com/office/powerpoint/2010/main">
+    <mc:Choice Requires="p14">
+      <p:transition spd="slow" p14:dur="2000">
+        <p:cut/>
+      </p:transition>
+    </mc:Choice>
+    <mc:Fallback xmlns="">
+      <p:transition spd="slow">
+        <p:cut/>
+      </p:transition>
+    </mc:Fallback>
+  </mc:AlternateContent>
 </p:sld>
 </file>
 
@@ -4787,7 +5185,15 @@
           <a:bodyPr/>
           <a:lstStyle/>
           <a:p>
-            <a:endParaRPr lang="zh-TW" altLang="en-US"/>
+            <a:r>
+              <a:rPr lang="en-US" altLang="zh-TW" dirty="0"/>
+              <a:t>Backup </a:t>
+            </a:r>
+            <a:r>
+              <a:rPr lang="en-US" altLang="zh-TW" dirty="0" err="1"/>
+              <a:t>case_when</a:t>
+            </a:r>
+            <a:endParaRPr lang="zh-TW" altLang="en-US" dirty="0"/>
           </a:p>
         </p:txBody>
       </p:sp>
@@ -4812,35 +5218,6 @@
           <a:bodyPr/>
           <a:lstStyle/>
           <a:p>
-            <a:endParaRPr lang="zh-TW" altLang="en-US"/>
-          </a:p>
-        </p:txBody>
-      </p:sp>
-      <p:sp>
-        <p:nvSpPr>
-          <p:cNvPr id="4" name="日期版面配置區 3">
-            <a:extLst>
-              <a:ext uri="{FF2B5EF4-FFF2-40B4-BE49-F238E27FC236}">
-                <a16:creationId xmlns:a16="http://schemas.microsoft.com/office/drawing/2014/main" id="{A7A224F0-8C13-4CDD-84D8-A067A8504FEF}"/>
-              </a:ext>
-            </a:extLst>
-          </p:cNvPr>
-          <p:cNvSpPr>
-            <a:spLocks noGrp="1"/>
-          </p:cNvSpPr>
-          <p:nvPr>
-            <p:ph type="dt" sz="half" idx="10"/>
-          </p:nvPr>
-        </p:nvSpPr>
-        <p:spPr/>
-        <p:txBody>
-          <a:bodyPr/>
-          <a:lstStyle/>
-          <a:p>
-            <a:r>
-              <a:rPr lang="en-US" altLang="zh-TW"/>
-              <a:t>2021/11/26</a:t>
-            </a:r>
             <a:endParaRPr lang="zh-TW" altLang="en-US"/>
           </a:p>
         </p:txBody>
@@ -4897,7 +5274,7 @@
         </p:blipFill>
         <p:spPr>
           <a:xfrm>
-            <a:off x="1715047" y="2233762"/>
+            <a:off x="838200" y="1205871"/>
             <a:ext cx="8761905" cy="2390476"/>
           </a:xfrm>
           <a:prstGeom prst="rect">
@@ -4905,6 +5282,55 @@
           </a:prstGeom>
         </p:spPr>
       </p:pic>
+      <p:sp>
+        <p:nvSpPr>
+          <p:cNvPr id="7" name="文字方塊 6">
+            <a:extLst>
+              <a:ext uri="{FF2B5EF4-FFF2-40B4-BE49-F238E27FC236}">
+                <a16:creationId xmlns:a16="http://schemas.microsoft.com/office/drawing/2014/main" id="{54040A31-1AF0-4583-87B0-CCC3369A10CB}"/>
+              </a:ext>
+            </a:extLst>
+          </p:cNvPr>
+          <p:cNvSpPr txBox="1"/>
+          <p:nvPr/>
+        </p:nvSpPr>
+        <p:spPr>
+          <a:xfrm>
+            <a:off x="9766852" y="365125"/>
+            <a:ext cx="1586948" cy="400110"/>
+          </a:xfrm>
+          <a:prstGeom prst="rect">
+            <a:avLst/>
+          </a:prstGeom>
+          <a:noFill/>
+        </p:spPr>
+        <p:txBody>
+          <a:bodyPr wrap="square" rtlCol="0">
+            <a:spAutoFit/>
+          </a:bodyPr>
+          <a:lstStyle/>
+          <a:p>
+            <a:r>
+              <a:rPr lang="en-US" altLang="zh-TW" sz="2000" dirty="0" err="1">
+                <a:latin typeface="Times New Roman" panose="02020603050405020304" pitchFamily="18" charset="0"/>
+                <a:cs typeface="Times New Roman" panose="02020603050405020304" pitchFamily="18" charset="0"/>
+              </a:rPr>
+              <a:t>case_when</a:t>
+            </a:r>
+            <a:r>
+              <a:rPr lang="en-US" altLang="zh-TW" sz="2000" dirty="0">
+                <a:latin typeface="Times New Roman" panose="02020603050405020304" pitchFamily="18" charset="0"/>
+                <a:cs typeface="Times New Roman" panose="02020603050405020304" pitchFamily="18" charset="0"/>
+              </a:rPr>
+              <a:t>(...)</a:t>
+            </a:r>
+            <a:endParaRPr lang="zh-TW" altLang="en-US" sz="2000" dirty="0">
+              <a:latin typeface="Times New Roman" panose="02020603050405020304" pitchFamily="18" charset="0"/>
+              <a:cs typeface="Times New Roman" panose="02020603050405020304" pitchFamily="18" charset="0"/>
+            </a:endParaRPr>
+          </a:p>
+        </p:txBody>
+      </p:sp>
     </p:spTree>
     <p:extLst>
       <p:ext uri="{BB962C8B-B14F-4D97-AF65-F5344CB8AC3E}">
@@ -4915,6 +5341,18 @@
   <p:clrMapOvr>
     <a:masterClrMapping/>
   </p:clrMapOvr>
+  <mc:AlternateContent xmlns:mc="http://schemas.openxmlformats.org/markup-compatibility/2006" xmlns:p14="http://schemas.microsoft.com/office/powerpoint/2010/main">
+    <mc:Choice Requires="p14">
+      <p:transition spd="slow" p14:dur="2000">
+        <p:cut/>
+      </p:transition>
+    </mc:Choice>
+    <mc:Fallback xmlns="">
+      <p:transition spd="slow">
+        <p:cut/>
+      </p:transition>
+    </mc:Fallback>
+  </mc:AlternateContent>
 </p:sld>
 </file>
 
@@ -4956,7 +5394,27 @@
           <a:bodyPr/>
           <a:lstStyle/>
           <a:p>
-            <a:endParaRPr lang="zh-TW" altLang="en-US"/>
+            <a:r>
+              <a:rPr lang="en-US" altLang="zh-TW" dirty="0" err="1"/>
+              <a:t>No.5</a:t>
+            </a:r>
+            <a:r>
+              <a:rPr lang="en-US" altLang="zh-TW" dirty="0"/>
+              <a:t> </a:t>
+            </a:r>
+            <a:r>
+              <a:rPr lang="en-US" altLang="zh-TW" dirty="0" err="1"/>
+              <a:t>dplyr</a:t>
+            </a:r>
+            <a:r>
+              <a:rPr lang="en-US" altLang="zh-TW" dirty="0"/>
+              <a:t>::</a:t>
+            </a:r>
+            <a:r>
+              <a:rPr lang="en-US" altLang="zh-TW" dirty="0" err="1"/>
+              <a:t>case_when</a:t>
+            </a:r>
+            <a:endParaRPr lang="zh-TW" altLang="en-US" dirty="0"/>
           </a:p>
         </p:txBody>
       </p:sp>
@@ -4981,35 +5439,6 @@
           <a:bodyPr/>
           <a:lstStyle/>
           <a:p>
-            <a:endParaRPr lang="zh-TW" altLang="en-US"/>
-          </a:p>
-        </p:txBody>
-      </p:sp>
-      <p:sp>
-        <p:nvSpPr>
-          <p:cNvPr id="4" name="日期版面配置區 3">
-            <a:extLst>
-              <a:ext uri="{FF2B5EF4-FFF2-40B4-BE49-F238E27FC236}">
-                <a16:creationId xmlns:a16="http://schemas.microsoft.com/office/drawing/2014/main" id="{141CBE4B-3C2C-4954-87BF-8576CF4FDC95}"/>
-              </a:ext>
-            </a:extLst>
-          </p:cNvPr>
-          <p:cNvSpPr>
-            <a:spLocks noGrp="1"/>
-          </p:cNvSpPr>
-          <p:nvPr>
-            <p:ph type="dt" sz="half" idx="10"/>
-          </p:nvPr>
-        </p:nvSpPr>
-        <p:spPr/>
-        <p:txBody>
-          <a:bodyPr/>
-          <a:lstStyle/>
-          <a:p>
-            <a:r>
-              <a:rPr lang="en-US" altLang="zh-TW"/>
-              <a:t>2021/11/26</a:t>
-            </a:r>
             <a:endParaRPr lang="zh-TW" altLang="en-US"/>
           </a:p>
         </p:txBody>
@@ -5066,7 +5495,7 @@
         </p:blipFill>
         <p:spPr>
           <a:xfrm>
-            <a:off x="1715047" y="1029000"/>
+            <a:off x="838200" y="1205871"/>
             <a:ext cx="8761905" cy="4800000"/>
           </a:xfrm>
           <a:prstGeom prst="rect">
@@ -5074,6 +5503,55 @@
           </a:prstGeom>
         </p:spPr>
       </p:pic>
+      <p:sp>
+        <p:nvSpPr>
+          <p:cNvPr id="7" name="文字方塊 6">
+            <a:extLst>
+              <a:ext uri="{FF2B5EF4-FFF2-40B4-BE49-F238E27FC236}">
+                <a16:creationId xmlns:a16="http://schemas.microsoft.com/office/drawing/2014/main" id="{E03C27A2-03F0-4D34-8743-88FBBEBE726A}"/>
+              </a:ext>
+            </a:extLst>
+          </p:cNvPr>
+          <p:cNvSpPr txBox="1"/>
+          <p:nvPr/>
+        </p:nvSpPr>
+        <p:spPr>
+          <a:xfrm>
+            <a:off x="9766852" y="365125"/>
+            <a:ext cx="1586948" cy="400110"/>
+          </a:xfrm>
+          <a:prstGeom prst="rect">
+            <a:avLst/>
+          </a:prstGeom>
+          <a:noFill/>
+        </p:spPr>
+        <p:txBody>
+          <a:bodyPr wrap="square" rtlCol="0">
+            <a:spAutoFit/>
+          </a:bodyPr>
+          <a:lstStyle/>
+          <a:p>
+            <a:r>
+              <a:rPr lang="en-US" altLang="zh-TW" sz="2000" dirty="0" err="1">
+                <a:latin typeface="Times New Roman" panose="02020603050405020304" pitchFamily="18" charset="0"/>
+                <a:cs typeface="Times New Roman" panose="02020603050405020304" pitchFamily="18" charset="0"/>
+              </a:rPr>
+              <a:t>case_when</a:t>
+            </a:r>
+            <a:r>
+              <a:rPr lang="en-US" altLang="zh-TW" sz="2000" dirty="0">
+                <a:latin typeface="Times New Roman" panose="02020603050405020304" pitchFamily="18" charset="0"/>
+                <a:cs typeface="Times New Roman" panose="02020603050405020304" pitchFamily="18" charset="0"/>
+              </a:rPr>
+              <a:t>(...)</a:t>
+            </a:r>
+            <a:endParaRPr lang="zh-TW" altLang="en-US" sz="2000" dirty="0">
+              <a:latin typeface="Times New Roman" panose="02020603050405020304" pitchFamily="18" charset="0"/>
+              <a:cs typeface="Times New Roman" panose="02020603050405020304" pitchFamily="18" charset="0"/>
+            </a:endParaRPr>
+          </a:p>
+        </p:txBody>
+      </p:sp>
     </p:spTree>
     <p:extLst>
       <p:ext uri="{BB962C8B-B14F-4D97-AF65-F5344CB8AC3E}">
@@ -5084,6 +5562,18 @@
   <p:clrMapOvr>
     <a:masterClrMapping/>
   </p:clrMapOvr>
+  <mc:AlternateContent xmlns:mc="http://schemas.openxmlformats.org/markup-compatibility/2006" xmlns:p14="http://schemas.microsoft.com/office/powerpoint/2010/main">
+    <mc:Choice Requires="p14">
+      <p:transition spd="slow" p14:dur="2000">
+        <p:cut/>
+      </p:transition>
+    </mc:Choice>
+    <mc:Fallback xmlns="">
+      <p:transition spd="slow">
+        <p:cut/>
+      </p:transition>
+    </mc:Fallback>
+  </mc:AlternateContent>
 </p:sld>
 </file>
 
@@ -5125,7 +5615,11 @@
           <a:bodyPr/>
           <a:lstStyle/>
           <a:p>
-            <a:endParaRPr lang="zh-TW" altLang="en-US"/>
+            <a:r>
+              <a:rPr lang="en-US" altLang="zh-TW" dirty="0"/>
+              <a:t>Practice Data</a:t>
+            </a:r>
+            <a:endParaRPr lang="zh-TW" altLang="en-US" dirty="0"/>
           </a:p>
         </p:txBody>
       </p:sp>
@@ -5150,35 +5644,6 @@
           <a:bodyPr/>
           <a:lstStyle/>
           <a:p>
-            <a:endParaRPr lang="zh-TW" altLang="en-US"/>
-          </a:p>
-        </p:txBody>
-      </p:sp>
-      <p:sp>
-        <p:nvSpPr>
-          <p:cNvPr id="4" name="日期版面配置區 3">
-            <a:extLst>
-              <a:ext uri="{FF2B5EF4-FFF2-40B4-BE49-F238E27FC236}">
-                <a16:creationId xmlns:a16="http://schemas.microsoft.com/office/drawing/2014/main" id="{CE531E53-FB4A-4734-8AEF-FB54CE4C1574}"/>
-              </a:ext>
-            </a:extLst>
-          </p:cNvPr>
-          <p:cNvSpPr>
-            <a:spLocks noGrp="1"/>
-          </p:cNvSpPr>
-          <p:nvPr>
-            <p:ph type="dt" sz="half" idx="10"/>
-          </p:nvPr>
-        </p:nvSpPr>
-        <p:spPr/>
-        <p:txBody>
-          <a:bodyPr/>
-          <a:lstStyle/>
-          <a:p>
-            <a:r>
-              <a:rPr lang="en-US" altLang="zh-TW"/>
-              <a:t>2021/11/26</a:t>
-            </a:r>
             <a:endParaRPr lang="zh-TW" altLang="en-US"/>
           </a:p>
         </p:txBody>
@@ -5235,7 +5700,7 @@
         </p:blipFill>
         <p:spPr>
           <a:xfrm>
-            <a:off x="1715047" y="1900428"/>
+            <a:off x="838200" y="1205871"/>
             <a:ext cx="8761905" cy="3057143"/>
           </a:xfrm>
           <a:prstGeom prst="rect">
@@ -5243,6 +5708,55 @@
           </a:prstGeom>
         </p:spPr>
       </p:pic>
+      <p:sp>
+        <p:nvSpPr>
+          <p:cNvPr id="7" name="文字方塊 6">
+            <a:extLst>
+              <a:ext uri="{FF2B5EF4-FFF2-40B4-BE49-F238E27FC236}">
+                <a16:creationId xmlns:a16="http://schemas.microsoft.com/office/drawing/2014/main" id="{BA893CAE-52A3-47AF-A49B-41385F93CEB9}"/>
+              </a:ext>
+            </a:extLst>
+          </p:cNvPr>
+          <p:cNvSpPr txBox="1"/>
+          <p:nvPr/>
+        </p:nvSpPr>
+        <p:spPr>
+          <a:xfrm>
+            <a:off x="9766852" y="365125"/>
+            <a:ext cx="1586948" cy="400110"/>
+          </a:xfrm>
+          <a:prstGeom prst="rect">
+            <a:avLst/>
+          </a:prstGeom>
+          <a:noFill/>
+        </p:spPr>
+        <p:txBody>
+          <a:bodyPr wrap="square" rtlCol="0">
+            <a:spAutoFit/>
+          </a:bodyPr>
+          <a:lstStyle/>
+          <a:p>
+            <a:r>
+              <a:rPr lang="en-US" altLang="zh-TW" sz="2000" dirty="0" err="1">
+                <a:latin typeface="Times New Roman" panose="02020603050405020304" pitchFamily="18" charset="0"/>
+                <a:cs typeface="Times New Roman" panose="02020603050405020304" pitchFamily="18" charset="0"/>
+              </a:rPr>
+              <a:t>case_when</a:t>
+            </a:r>
+            <a:r>
+              <a:rPr lang="en-US" altLang="zh-TW" sz="2000" dirty="0">
+                <a:latin typeface="Times New Roman" panose="02020603050405020304" pitchFamily="18" charset="0"/>
+                <a:cs typeface="Times New Roman" panose="02020603050405020304" pitchFamily="18" charset="0"/>
+              </a:rPr>
+              <a:t>(...)</a:t>
+            </a:r>
+            <a:endParaRPr lang="zh-TW" altLang="en-US" sz="2000" dirty="0">
+              <a:latin typeface="Times New Roman" panose="02020603050405020304" pitchFamily="18" charset="0"/>
+              <a:cs typeface="Times New Roman" panose="02020603050405020304" pitchFamily="18" charset="0"/>
+            </a:endParaRPr>
+          </a:p>
+        </p:txBody>
+      </p:sp>
     </p:spTree>
     <p:extLst>
       <p:ext uri="{BB962C8B-B14F-4D97-AF65-F5344CB8AC3E}">
@@ -5253,6 +5767,18 @@
   <p:clrMapOvr>
     <a:masterClrMapping/>
   </p:clrMapOvr>
+  <mc:AlternateContent xmlns:mc="http://schemas.openxmlformats.org/markup-compatibility/2006" xmlns:p14="http://schemas.microsoft.com/office/powerpoint/2010/main">
+    <mc:Choice Requires="p14">
+      <p:transition spd="slow" p14:dur="2000">
+        <p:cut/>
+      </p:transition>
+    </mc:Choice>
+    <mc:Fallback xmlns="">
+      <p:transition spd="slow">
+        <p:cut/>
+      </p:transition>
+    </mc:Fallback>
+  </mc:AlternateContent>
 </p:sld>
 </file>
 
@@ -5397,34 +5923,11 @@
             </a:r>
             <a:endParaRPr lang="en-US" altLang="zh-TW" dirty="0"/>
           </a:p>
-        </p:txBody>
-      </p:sp>
-      <p:sp>
-        <p:nvSpPr>
-          <p:cNvPr id="4" name="日期版面配置區 3">
-            <a:extLst>
-              <a:ext uri="{FF2B5EF4-FFF2-40B4-BE49-F238E27FC236}">
-                <a16:creationId xmlns:a16="http://schemas.microsoft.com/office/drawing/2014/main" id="{7B35B067-D51C-479B-8879-5534CA16F65E}"/>
-              </a:ext>
-            </a:extLst>
-          </p:cNvPr>
-          <p:cNvSpPr>
-            <a:spLocks noGrp="1"/>
-          </p:cNvSpPr>
-          <p:nvPr>
-            <p:ph type="dt" sz="half" idx="10"/>
-          </p:nvPr>
-        </p:nvSpPr>
-        <p:spPr/>
-        <p:txBody>
-          <a:bodyPr/>
-          <a:lstStyle/>
-          <a:p>
-            <a:r>
-              <a:rPr lang="en-US" altLang="zh-TW"/>
-              <a:t>2021/11/26</a:t>
-            </a:r>
-            <a:endParaRPr lang="zh-TW" altLang="en-US"/>
+          <a:p>
+            <a:r>
+              <a:rPr lang="en-US" altLang="zh-TW" dirty="0"/>
+              <a:t>Practice</a:t>
+            </a:r>
           </a:p>
         </p:txBody>
       </p:sp>
@@ -5468,6 +5971,18 @@
   <p:clrMapOvr>
     <a:masterClrMapping/>
   </p:clrMapOvr>
+  <mc:AlternateContent xmlns:mc="http://schemas.openxmlformats.org/markup-compatibility/2006" xmlns:p14="http://schemas.microsoft.com/office/powerpoint/2010/main">
+    <mc:Choice Requires="p14">
+      <p:transition spd="slow" p14:dur="2000">
+        <p:cut/>
+      </p:transition>
+    </mc:Choice>
+    <mc:Fallback xmlns="">
+      <p:transition spd="slow">
+        <p:cut/>
+      </p:transition>
+    </mc:Fallback>
+  </mc:AlternateContent>
 </p:sld>
 </file>
 
@@ -5509,7 +6024,11 @@
           <a:bodyPr/>
           <a:lstStyle/>
           <a:p>
-            <a:endParaRPr lang="zh-TW" altLang="en-US"/>
+            <a:r>
+              <a:rPr lang="en-US" altLang="zh-TW" dirty="0"/>
+              <a:t>Create new data</a:t>
+            </a:r>
+            <a:endParaRPr lang="zh-TW" altLang="en-US" dirty="0"/>
           </a:p>
         </p:txBody>
       </p:sp>
@@ -5534,35 +6053,6 @@
           <a:bodyPr/>
           <a:lstStyle/>
           <a:p>
-            <a:endParaRPr lang="zh-TW" altLang="en-US"/>
-          </a:p>
-        </p:txBody>
-      </p:sp>
-      <p:sp>
-        <p:nvSpPr>
-          <p:cNvPr id="4" name="日期版面配置區 3">
-            <a:extLst>
-              <a:ext uri="{FF2B5EF4-FFF2-40B4-BE49-F238E27FC236}">
-                <a16:creationId xmlns:a16="http://schemas.microsoft.com/office/drawing/2014/main" id="{9FBFC129-458E-4690-B6EE-A76704667B57}"/>
-              </a:ext>
-            </a:extLst>
-          </p:cNvPr>
-          <p:cNvSpPr>
-            <a:spLocks noGrp="1"/>
-          </p:cNvSpPr>
-          <p:nvPr>
-            <p:ph type="dt" sz="half" idx="10"/>
-          </p:nvPr>
-        </p:nvSpPr>
-        <p:spPr/>
-        <p:txBody>
-          <a:bodyPr/>
-          <a:lstStyle/>
-          <a:p>
-            <a:r>
-              <a:rPr lang="en-US" altLang="zh-TW"/>
-              <a:t>2021/11/26</a:t>
-            </a:r>
             <a:endParaRPr lang="zh-TW" altLang="en-US"/>
           </a:p>
         </p:txBody>
@@ -5619,7 +6109,7 @@
         </p:blipFill>
         <p:spPr>
           <a:xfrm>
-            <a:off x="1715047" y="2029000"/>
+            <a:off x="838200" y="1205871"/>
             <a:ext cx="8761905" cy="2800000"/>
           </a:xfrm>
           <a:prstGeom prst="rect">
@@ -5637,6 +6127,18 @@
   <p:clrMapOvr>
     <a:masterClrMapping/>
   </p:clrMapOvr>
+  <mc:AlternateContent xmlns:mc="http://schemas.openxmlformats.org/markup-compatibility/2006" xmlns:p14="http://schemas.microsoft.com/office/powerpoint/2010/main">
+    <mc:Choice Requires="p14">
+      <p:transition spd="slow" p14:dur="2000">
+        <p:cut/>
+      </p:transition>
+    </mc:Choice>
+    <mc:Fallback xmlns="">
+      <p:transition spd="slow">
+        <p:cut/>
+      </p:transition>
+    </mc:Fallback>
+  </mc:AlternateContent>
 </p:sld>
 </file>
 
@@ -5678,7 +6180,11 @@
           <a:bodyPr/>
           <a:lstStyle/>
           <a:p>
-            <a:endParaRPr lang="zh-TW" altLang="en-US"/>
+            <a:r>
+              <a:rPr lang="en-US" altLang="zh-TW" dirty="0"/>
+              <a:t>Retrieve data</a:t>
+            </a:r>
+            <a:endParaRPr lang="zh-TW" altLang="en-US" dirty="0"/>
           </a:p>
         </p:txBody>
       </p:sp>
@@ -5703,35 +6209,6 @@
           <a:bodyPr/>
           <a:lstStyle/>
           <a:p>
-            <a:endParaRPr lang="zh-TW" altLang="en-US"/>
-          </a:p>
-        </p:txBody>
-      </p:sp>
-      <p:sp>
-        <p:nvSpPr>
-          <p:cNvPr id="4" name="日期版面配置區 3">
-            <a:extLst>
-              <a:ext uri="{FF2B5EF4-FFF2-40B4-BE49-F238E27FC236}">
-                <a16:creationId xmlns:a16="http://schemas.microsoft.com/office/drawing/2014/main" id="{B25A49F3-7D46-4DC8-92DF-B4288E1DE785}"/>
-              </a:ext>
-            </a:extLst>
-          </p:cNvPr>
-          <p:cNvSpPr>
-            <a:spLocks noGrp="1"/>
-          </p:cNvSpPr>
-          <p:nvPr>
-            <p:ph type="dt" sz="half" idx="10"/>
-          </p:nvPr>
-        </p:nvSpPr>
-        <p:spPr/>
-        <p:txBody>
-          <a:bodyPr/>
-          <a:lstStyle/>
-          <a:p>
-            <a:r>
-              <a:rPr lang="en-US" altLang="zh-TW"/>
-              <a:t>2021/11/26</a:t>
-            </a:r>
             <a:endParaRPr lang="zh-TW" altLang="en-US"/>
           </a:p>
         </p:txBody>
@@ -5788,7 +6265,7 @@
         </p:blipFill>
         <p:spPr>
           <a:xfrm>
-            <a:off x="1715047" y="2019476"/>
+            <a:off x="838200" y="1205871"/>
             <a:ext cx="8761905" cy="2819048"/>
           </a:xfrm>
           <a:prstGeom prst="rect">
@@ -5806,6 +6283,18 @@
   <p:clrMapOvr>
     <a:masterClrMapping/>
   </p:clrMapOvr>
+  <mc:AlternateContent xmlns:mc="http://schemas.openxmlformats.org/markup-compatibility/2006" xmlns:p14="http://schemas.microsoft.com/office/powerpoint/2010/main">
+    <mc:Choice Requires="p14">
+      <p:transition spd="slow" p14:dur="2000">
+        <p:cut/>
+      </p:transition>
+    </mc:Choice>
+    <mc:Fallback xmlns="">
+      <p:transition spd="slow">
+        <p:cut/>
+      </p:transition>
+    </mc:Fallback>
+  </mc:AlternateContent>
 </p:sld>
 </file>
 
@@ -5847,7 +6336,11 @@
           <a:bodyPr/>
           <a:lstStyle/>
           <a:p>
-            <a:endParaRPr lang="zh-TW" altLang="en-US"/>
+            <a:r>
+              <a:rPr lang="en-US" altLang="zh-TW" dirty="0"/>
+              <a:t>Question 1</a:t>
+            </a:r>
+            <a:endParaRPr lang="zh-TW" altLang="en-US" dirty="0"/>
           </a:p>
         </p:txBody>
       </p:sp>
@@ -5872,35 +6365,6 @@
           <a:bodyPr/>
           <a:lstStyle/>
           <a:p>
-            <a:endParaRPr lang="zh-TW" altLang="en-US"/>
-          </a:p>
-        </p:txBody>
-      </p:sp>
-      <p:sp>
-        <p:nvSpPr>
-          <p:cNvPr id="4" name="日期版面配置區 3">
-            <a:extLst>
-              <a:ext uri="{FF2B5EF4-FFF2-40B4-BE49-F238E27FC236}">
-                <a16:creationId xmlns:a16="http://schemas.microsoft.com/office/drawing/2014/main" id="{46FA885E-F7B8-44E9-9BB6-0A3AFB61D3EB}"/>
-              </a:ext>
-            </a:extLst>
-          </p:cNvPr>
-          <p:cNvSpPr>
-            <a:spLocks noGrp="1"/>
-          </p:cNvSpPr>
-          <p:nvPr>
-            <p:ph type="dt" sz="half" idx="10"/>
-          </p:nvPr>
-        </p:nvSpPr>
-        <p:spPr/>
-        <p:txBody>
-          <a:bodyPr/>
-          <a:lstStyle/>
-          <a:p>
-            <a:r>
-              <a:rPr lang="en-US" altLang="zh-TW"/>
-              <a:t>2021/11/26</a:t>
-            </a:r>
             <a:endParaRPr lang="zh-TW" altLang="en-US"/>
           </a:p>
         </p:txBody>
@@ -5957,7 +6421,7 @@
         </p:blipFill>
         <p:spPr>
           <a:xfrm>
-            <a:off x="1715047" y="1919476"/>
+            <a:off x="838200" y="1205871"/>
             <a:ext cx="8761905" cy="3019048"/>
           </a:xfrm>
           <a:prstGeom prst="rect">
@@ -5965,6 +6429,107 @@
           </a:prstGeom>
         </p:spPr>
       </p:pic>
+      <p:sp>
+        <p:nvSpPr>
+          <p:cNvPr id="7" name="矩形 6">
+            <a:extLst>
+              <a:ext uri="{FF2B5EF4-FFF2-40B4-BE49-F238E27FC236}">
+                <a16:creationId xmlns:a16="http://schemas.microsoft.com/office/drawing/2014/main" id="{4B77CAF4-8147-404A-87E6-990BBE6AC99B}"/>
+              </a:ext>
+            </a:extLst>
+          </p:cNvPr>
+          <p:cNvSpPr/>
+          <p:nvPr/>
+        </p:nvSpPr>
+        <p:spPr>
+          <a:xfrm>
+            <a:off x="703977" y="1409352"/>
+            <a:ext cx="9580927" cy="226502"/>
+          </a:xfrm>
+          <a:prstGeom prst="rect">
+            <a:avLst/>
+          </a:prstGeom>
+          <a:solidFill>
+            <a:schemeClr val="bg1"/>
+          </a:solidFill>
+          <a:ln>
+            <a:noFill/>
+          </a:ln>
+        </p:spPr>
+        <p:style>
+          <a:lnRef idx="2">
+            <a:schemeClr val="accent1">
+              <a:shade val="50000"/>
+            </a:schemeClr>
+          </a:lnRef>
+          <a:fillRef idx="1">
+            <a:schemeClr val="accent1"/>
+          </a:fillRef>
+          <a:effectRef idx="0">
+            <a:schemeClr val="accent1"/>
+          </a:effectRef>
+          <a:fontRef idx="minor">
+            <a:schemeClr val="lt1"/>
+          </a:fontRef>
+        </p:style>
+        <p:txBody>
+          <a:bodyPr rtlCol="0" anchor="ctr"/>
+          <a:lstStyle/>
+          <a:p>
+            <a:pPr algn="ctr"/>
+            <a:endParaRPr lang="zh-TW" altLang="en-US"/>
+          </a:p>
+        </p:txBody>
+      </p:sp>
+      <p:sp>
+        <p:nvSpPr>
+          <p:cNvPr id="8" name="文字方塊 7">
+            <a:extLst>
+              <a:ext uri="{FF2B5EF4-FFF2-40B4-BE49-F238E27FC236}">
+                <a16:creationId xmlns:a16="http://schemas.microsoft.com/office/drawing/2014/main" id="{7FC97D75-0D70-4BD1-94DA-859A24360668}"/>
+              </a:ext>
+            </a:extLst>
+          </p:cNvPr>
+          <p:cNvSpPr txBox="1"/>
+          <p:nvPr/>
+        </p:nvSpPr>
+        <p:spPr>
+          <a:xfrm>
+            <a:off x="9487461" y="365125"/>
+            <a:ext cx="1866339" cy="400110"/>
+          </a:xfrm>
+          <a:prstGeom prst="rect">
+            <a:avLst/>
+          </a:prstGeom>
+          <a:noFill/>
+        </p:spPr>
+        <p:txBody>
+          <a:bodyPr wrap="square" rtlCol="0">
+            <a:spAutoFit/>
+          </a:bodyPr>
+          <a:lstStyle/>
+          <a:p>
+            <a:r>
+              <a:rPr lang="en-US" altLang="zh-TW" sz="2000" dirty="0" err="1">
+                <a:latin typeface="Times New Roman" panose="02020603050405020304" pitchFamily="18" charset="0"/>
+                <a:cs typeface="Times New Roman" panose="02020603050405020304" pitchFamily="18" charset="0"/>
+              </a:rPr>
+              <a:t>percent_rank</a:t>
+            </a:r>
+            <a:r>
+              <a:rPr lang="en-US" altLang="zh-TW" sz="2000" dirty="0">
+                <a:latin typeface="Times New Roman" panose="02020603050405020304" pitchFamily="18" charset="0"/>
+                <a:cs typeface="Times New Roman" panose="02020603050405020304" pitchFamily="18" charset="0"/>
+              </a:rPr>
+              <a:t>(x)</a:t>
+            </a:r>
+            <a:endParaRPr lang="zh-TW" altLang="en-US" sz="2000" dirty="0">
+              <a:latin typeface="Times New Roman" panose="02020603050405020304" pitchFamily="18" charset="0"/>
+              <a:cs typeface="Times New Roman" panose="02020603050405020304" pitchFamily="18" charset="0"/>
+            </a:endParaRPr>
+          </a:p>
+        </p:txBody>
+      </p:sp>
     </p:spTree>
     <p:extLst>
       <p:ext uri="{BB962C8B-B14F-4D97-AF65-F5344CB8AC3E}">
@@ -5975,6 +6540,104 @@
   <p:clrMapOvr>
     <a:masterClrMapping/>
   </p:clrMapOvr>
+  <mc:AlternateContent xmlns:mc="http://schemas.openxmlformats.org/markup-compatibility/2006" xmlns:p14="http://schemas.microsoft.com/office/powerpoint/2010/main">
+    <mc:Choice Requires="p14">
+      <p:transition spd="slow" p14:dur="2000">
+        <p:cut/>
+      </p:transition>
+    </mc:Choice>
+    <mc:Fallback xmlns="">
+      <p:transition spd="slow">
+        <p:cut/>
+      </p:transition>
+    </mc:Fallback>
+  </mc:AlternateContent>
+  <p:timing>
+    <p:tnLst>
+      <p:par>
+        <p:cTn id="1" dur="indefinite" restart="never" nodeType="tmRoot">
+          <p:childTnLst>
+            <p:seq concurrent="1" nextAc="seek">
+              <p:cTn id="2" dur="indefinite" nodeType="mainSeq">
+                <p:childTnLst>
+                  <p:par>
+                    <p:cTn id="3" fill="hold">
+                      <p:stCondLst>
+                        <p:cond delay="indefinite"/>
+                      </p:stCondLst>
+                      <p:childTnLst>
+                        <p:par>
+                          <p:cTn id="4" fill="hold">
+                            <p:stCondLst>
+                              <p:cond delay="0"/>
+                            </p:stCondLst>
+                            <p:childTnLst>
+                              <p:par>
+                                <p:cTn id="5" presetID="10" presetClass="exit" presetSubtype="0" fill="hold" grpId="0" nodeType="clickEffect">
+                                  <p:stCondLst>
+                                    <p:cond delay="0"/>
+                                  </p:stCondLst>
+                                  <p:childTnLst>
+                                    <p:animEffect transition="out" filter="fade">
+                                      <p:cBhvr>
+                                        <p:cTn id="6" dur="500"/>
+                                        <p:tgtEl>
+                                          <p:spTgt spid="7"/>
+                                        </p:tgtEl>
+                                      </p:cBhvr>
+                                    </p:animEffect>
+                                    <p:set>
+                                      <p:cBhvr>
+                                        <p:cTn id="7" dur="1" fill="hold">
+                                          <p:stCondLst>
+                                            <p:cond delay="499"/>
+                                          </p:stCondLst>
+                                        </p:cTn>
+                                        <p:tgtEl>
+                                          <p:spTgt spid="7"/>
+                                        </p:tgtEl>
+                                        <p:attrNameLst>
+                                          <p:attrName>style.visibility</p:attrName>
+                                        </p:attrNameLst>
+                                      </p:cBhvr>
+                                      <p:to>
+                                        <p:strVal val="hidden"/>
+                                      </p:to>
+                                    </p:set>
+                                  </p:childTnLst>
+                                </p:cTn>
+                              </p:par>
+                            </p:childTnLst>
+                          </p:cTn>
+                        </p:par>
+                      </p:childTnLst>
+                    </p:cTn>
+                  </p:par>
+                </p:childTnLst>
+              </p:cTn>
+              <p:prevCondLst>
+                <p:cond evt="onPrev" delay="0">
+                  <p:tgtEl>
+                    <p:sldTgt/>
+                  </p:tgtEl>
+                </p:cond>
+              </p:prevCondLst>
+              <p:nextCondLst>
+                <p:cond evt="onNext" delay="0">
+                  <p:tgtEl>
+                    <p:sldTgt/>
+                  </p:tgtEl>
+                </p:cond>
+              </p:nextCondLst>
+            </p:seq>
+          </p:childTnLst>
+        </p:cTn>
+      </p:par>
+    </p:tnLst>
+    <p:bldLst>
+      <p:bldP spid="7" grpId="0" animBg="1"/>
+    </p:bldLst>
+  </p:timing>
 </p:sld>
 </file>
 
@@ -6016,7 +6679,11 @@
           <a:bodyPr/>
           <a:lstStyle/>
           <a:p>
-            <a:endParaRPr lang="zh-TW" altLang="en-US"/>
+            <a:r>
+              <a:rPr lang="en-US" altLang="zh-TW" dirty="0"/>
+              <a:t>Question 2</a:t>
+            </a:r>
+            <a:endParaRPr lang="zh-TW" altLang="en-US" dirty="0"/>
           </a:p>
         </p:txBody>
       </p:sp>
@@ -6041,36 +6708,7 @@
           <a:bodyPr/>
           <a:lstStyle/>
           <a:p>
-            <a:endParaRPr lang="zh-TW" altLang="en-US"/>
-          </a:p>
-        </p:txBody>
-      </p:sp>
-      <p:sp>
-        <p:nvSpPr>
-          <p:cNvPr id="4" name="日期版面配置區 3">
-            <a:extLst>
-              <a:ext uri="{FF2B5EF4-FFF2-40B4-BE49-F238E27FC236}">
-                <a16:creationId xmlns:a16="http://schemas.microsoft.com/office/drawing/2014/main" id="{B228645B-BB3C-4FB9-A2A5-ACC63186DC7C}"/>
-              </a:ext>
-            </a:extLst>
-          </p:cNvPr>
-          <p:cNvSpPr>
-            <a:spLocks noGrp="1"/>
-          </p:cNvSpPr>
-          <p:nvPr>
-            <p:ph type="dt" sz="half" idx="10"/>
-          </p:nvPr>
-        </p:nvSpPr>
-        <p:spPr/>
-        <p:txBody>
-          <a:bodyPr/>
-          <a:lstStyle/>
-          <a:p>
-            <a:r>
-              <a:rPr lang="en-US" altLang="zh-TW"/>
-              <a:t>2021/11/26</a:t>
-            </a:r>
-            <a:endParaRPr lang="zh-TW" altLang="en-US"/>
+            <a:endParaRPr lang="zh-TW" altLang="en-US" dirty="0"/>
           </a:p>
         </p:txBody>
       </p:sp>
@@ -6106,10 +6744,10 @@
       </p:sp>
       <p:pic>
         <p:nvPicPr>
-          <p:cNvPr id="6" name="圖片 5">
-            <a:extLst>
-              <a:ext uri="{FF2B5EF4-FFF2-40B4-BE49-F238E27FC236}">
-                <a16:creationId xmlns:a16="http://schemas.microsoft.com/office/drawing/2014/main" id="{E4BC2B7B-8C6D-4D59-B6AD-C00A630B2037}"/>
+          <p:cNvPr id="4" name="圖片 3">
+            <a:extLst>
+              <a:ext uri="{FF2B5EF4-FFF2-40B4-BE49-F238E27FC236}">
+                <a16:creationId xmlns:a16="http://schemas.microsoft.com/office/drawing/2014/main" id="{C302E1A9-FC92-4271-A76B-FE85832171D8}"/>
               </a:ext>
             </a:extLst>
           </p:cNvPr>
@@ -6126,14 +6764,66 @@
         </p:blipFill>
         <p:spPr>
           <a:xfrm>
-            <a:off x="1715047" y="1914714"/>
-            <a:ext cx="8761905" cy="3028571"/>
+            <a:off x="838200" y="1205871"/>
+            <a:ext cx="8761905" cy="3000000"/>
           </a:xfrm>
           <a:prstGeom prst="rect">
             <a:avLst/>
           </a:prstGeom>
         </p:spPr>
       </p:pic>
+      <p:sp>
+        <p:nvSpPr>
+          <p:cNvPr id="7" name="矩形 6">
+            <a:extLst>
+              <a:ext uri="{FF2B5EF4-FFF2-40B4-BE49-F238E27FC236}">
+                <a16:creationId xmlns:a16="http://schemas.microsoft.com/office/drawing/2014/main" id="{126449AC-0191-4DB8-9CB2-73D4E09747CF}"/>
+              </a:ext>
+            </a:extLst>
+          </p:cNvPr>
+          <p:cNvSpPr/>
+          <p:nvPr/>
+        </p:nvSpPr>
+        <p:spPr>
+          <a:xfrm>
+            <a:off x="703977" y="1409352"/>
+            <a:ext cx="9580927" cy="226502"/>
+          </a:xfrm>
+          <a:prstGeom prst="rect">
+            <a:avLst/>
+          </a:prstGeom>
+          <a:solidFill>
+            <a:schemeClr val="bg1"/>
+          </a:solidFill>
+          <a:ln>
+            <a:noFill/>
+          </a:ln>
+        </p:spPr>
+        <p:style>
+          <a:lnRef idx="2">
+            <a:schemeClr val="accent1">
+              <a:shade val="50000"/>
+            </a:schemeClr>
+          </a:lnRef>
+          <a:fillRef idx="1">
+            <a:schemeClr val="accent1"/>
+          </a:fillRef>
+          <a:effectRef idx="0">
+            <a:schemeClr val="accent1"/>
+          </a:effectRef>
+          <a:fontRef idx="minor">
+            <a:schemeClr val="lt1"/>
+          </a:fontRef>
+        </p:style>
+        <p:txBody>
+          <a:bodyPr rtlCol="0" anchor="ctr"/>
+          <a:lstStyle/>
+          <a:p>
+            <a:pPr algn="ctr"/>
+            <a:endParaRPr lang="zh-TW" altLang="en-US"/>
+          </a:p>
+        </p:txBody>
+      </p:sp>
     </p:spTree>
     <p:extLst>
       <p:ext uri="{BB962C8B-B14F-4D97-AF65-F5344CB8AC3E}">
@@ -6144,6 +6834,104 @@
   <p:clrMapOvr>
     <a:masterClrMapping/>
   </p:clrMapOvr>
+  <mc:AlternateContent xmlns:mc="http://schemas.openxmlformats.org/markup-compatibility/2006" xmlns:p14="http://schemas.microsoft.com/office/powerpoint/2010/main">
+    <mc:Choice Requires="p14">
+      <p:transition spd="slow" p14:dur="2000">
+        <p:cut/>
+      </p:transition>
+    </mc:Choice>
+    <mc:Fallback xmlns="">
+      <p:transition spd="slow">
+        <p:cut/>
+      </p:transition>
+    </mc:Fallback>
+  </mc:AlternateContent>
+  <p:timing>
+    <p:tnLst>
+      <p:par>
+        <p:cTn id="1" dur="indefinite" restart="never" nodeType="tmRoot">
+          <p:childTnLst>
+            <p:seq concurrent="1" nextAc="seek">
+              <p:cTn id="2" dur="indefinite" nodeType="mainSeq">
+                <p:childTnLst>
+                  <p:par>
+                    <p:cTn id="3" fill="hold">
+                      <p:stCondLst>
+                        <p:cond delay="indefinite"/>
+                      </p:stCondLst>
+                      <p:childTnLst>
+                        <p:par>
+                          <p:cTn id="4" fill="hold">
+                            <p:stCondLst>
+                              <p:cond delay="0"/>
+                            </p:stCondLst>
+                            <p:childTnLst>
+                              <p:par>
+                                <p:cTn id="5" presetID="10" presetClass="exit" presetSubtype="0" fill="hold" grpId="0" nodeType="clickEffect">
+                                  <p:stCondLst>
+                                    <p:cond delay="0"/>
+                                  </p:stCondLst>
+                                  <p:childTnLst>
+                                    <p:animEffect transition="out" filter="fade">
+                                      <p:cBhvr>
+                                        <p:cTn id="6" dur="500"/>
+                                        <p:tgtEl>
+                                          <p:spTgt spid="7"/>
+                                        </p:tgtEl>
+                                      </p:cBhvr>
+                                    </p:animEffect>
+                                    <p:set>
+                                      <p:cBhvr>
+                                        <p:cTn id="7" dur="1" fill="hold">
+                                          <p:stCondLst>
+                                            <p:cond delay="499"/>
+                                          </p:stCondLst>
+                                        </p:cTn>
+                                        <p:tgtEl>
+                                          <p:spTgt spid="7"/>
+                                        </p:tgtEl>
+                                        <p:attrNameLst>
+                                          <p:attrName>style.visibility</p:attrName>
+                                        </p:attrNameLst>
+                                      </p:cBhvr>
+                                      <p:to>
+                                        <p:strVal val="hidden"/>
+                                      </p:to>
+                                    </p:set>
+                                  </p:childTnLst>
+                                </p:cTn>
+                              </p:par>
+                            </p:childTnLst>
+                          </p:cTn>
+                        </p:par>
+                      </p:childTnLst>
+                    </p:cTn>
+                  </p:par>
+                </p:childTnLst>
+              </p:cTn>
+              <p:prevCondLst>
+                <p:cond evt="onPrev" delay="0">
+                  <p:tgtEl>
+                    <p:sldTgt/>
+                  </p:tgtEl>
+                </p:cond>
+              </p:prevCondLst>
+              <p:nextCondLst>
+                <p:cond evt="onNext" delay="0">
+                  <p:tgtEl>
+                    <p:sldTgt/>
+                  </p:tgtEl>
+                </p:cond>
+              </p:nextCondLst>
+            </p:seq>
+          </p:childTnLst>
+        </p:cTn>
+      </p:par>
+    </p:tnLst>
+    <p:bldLst>
+      <p:bldP spid="7" grpId="0" animBg="1"/>
+    </p:bldLst>
+  </p:timing>
 </p:sld>
 </file>
 
@@ -6185,7 +6973,11 @@
           <a:bodyPr/>
           <a:lstStyle/>
           <a:p>
-            <a:endParaRPr lang="zh-TW" altLang="en-US"/>
+            <a:r>
+              <a:rPr lang="en-US" altLang="zh-TW" dirty="0"/>
+              <a:t>Question 3</a:t>
+            </a:r>
+            <a:endParaRPr lang="zh-TW" altLang="en-US" dirty="0"/>
           </a:p>
         </p:txBody>
       </p:sp>
@@ -6210,35 +7002,6 @@
           <a:bodyPr/>
           <a:lstStyle/>
           <a:p>
-            <a:endParaRPr lang="zh-TW" altLang="en-US"/>
-          </a:p>
-        </p:txBody>
-      </p:sp>
-      <p:sp>
-        <p:nvSpPr>
-          <p:cNvPr id="4" name="日期版面配置區 3">
-            <a:extLst>
-              <a:ext uri="{FF2B5EF4-FFF2-40B4-BE49-F238E27FC236}">
-                <a16:creationId xmlns:a16="http://schemas.microsoft.com/office/drawing/2014/main" id="{F10BDEEC-D7AE-44CD-9AE1-988C37A6FDF4}"/>
-              </a:ext>
-            </a:extLst>
-          </p:cNvPr>
-          <p:cNvSpPr>
-            <a:spLocks noGrp="1"/>
-          </p:cNvSpPr>
-          <p:nvPr>
-            <p:ph type="dt" sz="half" idx="10"/>
-          </p:nvPr>
-        </p:nvSpPr>
-        <p:spPr/>
-        <p:txBody>
-          <a:bodyPr/>
-          <a:lstStyle/>
-          <a:p>
-            <a:r>
-              <a:rPr lang="en-US" altLang="zh-TW"/>
-              <a:t>2021/11/26</a:t>
-            </a:r>
             <a:endParaRPr lang="zh-TW" altLang="en-US"/>
           </a:p>
         </p:txBody>
@@ -6295,7 +7058,7 @@
         </p:blipFill>
         <p:spPr>
           <a:xfrm>
-            <a:off x="1715047" y="1905190"/>
+            <a:off x="838200" y="1205871"/>
             <a:ext cx="8761905" cy="3047619"/>
           </a:xfrm>
           <a:prstGeom prst="rect">
@@ -6303,6 +7066,121 @@
           </a:prstGeom>
         </p:spPr>
       </p:pic>
+      <p:sp>
+        <p:nvSpPr>
+          <p:cNvPr id="7" name="矩形 6">
+            <a:extLst>
+              <a:ext uri="{FF2B5EF4-FFF2-40B4-BE49-F238E27FC236}">
+                <a16:creationId xmlns:a16="http://schemas.microsoft.com/office/drawing/2014/main" id="{BB4C192C-DD55-4E9A-AB6C-AB2E55E844A6}"/>
+              </a:ext>
+            </a:extLst>
+          </p:cNvPr>
+          <p:cNvSpPr/>
+          <p:nvPr/>
+        </p:nvSpPr>
+        <p:spPr>
+          <a:xfrm>
+            <a:off x="703977" y="1409352"/>
+            <a:ext cx="9580927" cy="226502"/>
+          </a:xfrm>
+          <a:prstGeom prst="rect">
+            <a:avLst/>
+          </a:prstGeom>
+          <a:solidFill>
+            <a:schemeClr val="bg1"/>
+          </a:solidFill>
+          <a:ln>
+            <a:noFill/>
+          </a:ln>
+        </p:spPr>
+        <p:style>
+          <a:lnRef idx="2">
+            <a:schemeClr val="accent1">
+              <a:shade val="50000"/>
+            </a:schemeClr>
+          </a:lnRef>
+          <a:fillRef idx="1">
+            <a:schemeClr val="accent1"/>
+          </a:fillRef>
+          <a:effectRef idx="0">
+            <a:schemeClr val="accent1"/>
+          </a:effectRef>
+          <a:fontRef idx="minor">
+            <a:schemeClr val="lt1"/>
+          </a:fontRef>
+        </p:style>
+        <p:txBody>
+          <a:bodyPr rtlCol="0" anchor="ctr"/>
+          <a:lstStyle/>
+          <a:p>
+            <a:pPr algn="ctr"/>
+            <a:endParaRPr lang="zh-TW" altLang="en-US"/>
+          </a:p>
+        </p:txBody>
+      </p:sp>
+      <p:sp>
+        <p:nvSpPr>
+          <p:cNvPr id="9" name="文字方塊 8">
+            <a:extLst>
+              <a:ext uri="{FF2B5EF4-FFF2-40B4-BE49-F238E27FC236}">
+                <a16:creationId xmlns:a16="http://schemas.microsoft.com/office/drawing/2014/main" id="{5B3B5724-3888-4609-A3B4-1648DAC6588E}"/>
+              </a:ext>
+            </a:extLst>
+          </p:cNvPr>
+          <p:cNvSpPr txBox="1"/>
+          <p:nvPr/>
+        </p:nvSpPr>
+        <p:spPr>
+          <a:xfrm>
+            <a:off x="8468139" y="365125"/>
+            <a:ext cx="2885661" cy="400110"/>
+          </a:xfrm>
+          <a:prstGeom prst="rect">
+            <a:avLst/>
+          </a:prstGeom>
+          <a:noFill/>
+        </p:spPr>
+        <p:txBody>
+          <a:bodyPr wrap="square" rtlCol="0">
+            <a:spAutoFit/>
+          </a:bodyPr>
+          <a:lstStyle/>
+          <a:p>
+            <a:r>
+              <a:rPr lang="en-US" altLang="zh-TW" sz="2000" dirty="0" err="1">
+                <a:latin typeface="Times New Roman" panose="02020603050405020304" pitchFamily="18" charset="0"/>
+                <a:cs typeface="Times New Roman" panose="02020603050405020304" pitchFamily="18" charset="0"/>
+              </a:rPr>
+              <a:t>ntile</a:t>
+            </a:r>
+            <a:r>
+              <a:rPr lang="en-US" altLang="zh-TW" sz="2000" dirty="0">
+                <a:latin typeface="Times New Roman" panose="02020603050405020304" pitchFamily="18" charset="0"/>
+                <a:cs typeface="Times New Roman" panose="02020603050405020304" pitchFamily="18" charset="0"/>
+              </a:rPr>
+              <a:t>(x = </a:t>
+            </a:r>
+            <a:r>
+              <a:rPr lang="en-US" altLang="zh-TW" sz="2000" dirty="0" err="1">
+                <a:latin typeface="Times New Roman" panose="02020603050405020304" pitchFamily="18" charset="0"/>
+                <a:cs typeface="Times New Roman" panose="02020603050405020304" pitchFamily="18" charset="0"/>
+              </a:rPr>
+              <a:t>row_number</a:t>
+            </a:r>
+            <a:r>
+              <a:rPr lang="en-US" altLang="zh-TW" sz="2000" dirty="0">
+                <a:latin typeface="Times New Roman" panose="02020603050405020304" pitchFamily="18" charset="0"/>
+                <a:cs typeface="Times New Roman" panose="02020603050405020304" pitchFamily="18" charset="0"/>
+              </a:rPr>
+              <a:t>(), n)</a:t>
+            </a:r>
+            <a:endParaRPr lang="zh-TW" altLang="en-US" sz="2000" dirty="0">
+              <a:latin typeface="Times New Roman" panose="02020603050405020304" pitchFamily="18" charset="0"/>
+              <a:cs typeface="Times New Roman" panose="02020603050405020304" pitchFamily="18" charset="0"/>
+            </a:endParaRPr>
+          </a:p>
+        </p:txBody>
+      </p:sp>
     </p:spTree>
     <p:extLst>
       <p:ext uri="{BB962C8B-B14F-4D97-AF65-F5344CB8AC3E}">
@@ -6313,6 +7191,104 @@
   <p:clrMapOvr>
     <a:masterClrMapping/>
   </p:clrMapOvr>
+  <mc:AlternateContent xmlns:mc="http://schemas.openxmlformats.org/markup-compatibility/2006" xmlns:p14="http://schemas.microsoft.com/office/powerpoint/2010/main">
+    <mc:Choice Requires="p14">
+      <p:transition spd="slow" p14:dur="2000">
+        <p:cut/>
+      </p:transition>
+    </mc:Choice>
+    <mc:Fallback xmlns="">
+      <p:transition spd="slow">
+        <p:cut/>
+      </p:transition>
+    </mc:Fallback>
+  </mc:AlternateContent>
+  <p:timing>
+    <p:tnLst>
+      <p:par>
+        <p:cTn id="1" dur="indefinite" restart="never" nodeType="tmRoot">
+          <p:childTnLst>
+            <p:seq concurrent="1" nextAc="seek">
+              <p:cTn id="2" dur="indefinite" nodeType="mainSeq">
+                <p:childTnLst>
+                  <p:par>
+                    <p:cTn id="3" fill="hold">
+                      <p:stCondLst>
+                        <p:cond delay="indefinite"/>
+                      </p:stCondLst>
+                      <p:childTnLst>
+                        <p:par>
+                          <p:cTn id="4" fill="hold">
+                            <p:stCondLst>
+                              <p:cond delay="0"/>
+                            </p:stCondLst>
+                            <p:childTnLst>
+                              <p:par>
+                                <p:cTn id="5" presetID="10" presetClass="exit" presetSubtype="0" fill="hold" grpId="0" nodeType="clickEffect">
+                                  <p:stCondLst>
+                                    <p:cond delay="0"/>
+                                  </p:stCondLst>
+                                  <p:childTnLst>
+                                    <p:animEffect transition="out" filter="fade">
+                                      <p:cBhvr>
+                                        <p:cTn id="6" dur="500"/>
+                                        <p:tgtEl>
+                                          <p:spTgt spid="7"/>
+                                        </p:tgtEl>
+                                      </p:cBhvr>
+                                    </p:animEffect>
+                                    <p:set>
+                                      <p:cBhvr>
+                                        <p:cTn id="7" dur="1" fill="hold">
+                                          <p:stCondLst>
+                                            <p:cond delay="499"/>
+                                          </p:stCondLst>
+                                        </p:cTn>
+                                        <p:tgtEl>
+                                          <p:spTgt spid="7"/>
+                                        </p:tgtEl>
+                                        <p:attrNameLst>
+                                          <p:attrName>style.visibility</p:attrName>
+                                        </p:attrNameLst>
+                                      </p:cBhvr>
+                                      <p:to>
+                                        <p:strVal val="hidden"/>
+                                      </p:to>
+                                    </p:set>
+                                  </p:childTnLst>
+                                </p:cTn>
+                              </p:par>
+                            </p:childTnLst>
+                          </p:cTn>
+                        </p:par>
+                      </p:childTnLst>
+                    </p:cTn>
+                  </p:par>
+                </p:childTnLst>
+              </p:cTn>
+              <p:prevCondLst>
+                <p:cond evt="onPrev" delay="0">
+                  <p:tgtEl>
+                    <p:sldTgt/>
+                  </p:tgtEl>
+                </p:cond>
+              </p:prevCondLst>
+              <p:nextCondLst>
+                <p:cond evt="onNext" delay="0">
+                  <p:tgtEl>
+                    <p:sldTgt/>
+                  </p:tgtEl>
+                </p:cond>
+              </p:nextCondLst>
+            </p:seq>
+          </p:childTnLst>
+        </p:cTn>
+      </p:par>
+    </p:tnLst>
+    <p:bldLst>
+      <p:bldP spid="7" grpId="0" animBg="1"/>
+    </p:bldLst>
+  </p:timing>
 </p:sld>
 </file>
 
@@ -6354,7 +7330,11 @@
           <a:bodyPr/>
           <a:lstStyle/>
           <a:p>
-            <a:endParaRPr lang="zh-TW" altLang="en-US"/>
+            <a:r>
+              <a:rPr lang="en-US" altLang="zh-TW" dirty="0"/>
+              <a:t>Question 4</a:t>
+            </a:r>
+            <a:endParaRPr lang="zh-TW" altLang="en-US" dirty="0"/>
           </a:p>
         </p:txBody>
       </p:sp>
@@ -6379,35 +7359,6 @@
           <a:bodyPr/>
           <a:lstStyle/>
           <a:p>
-            <a:endParaRPr lang="zh-TW" altLang="en-US"/>
-          </a:p>
-        </p:txBody>
-      </p:sp>
-      <p:sp>
-        <p:nvSpPr>
-          <p:cNvPr id="4" name="日期版面配置區 3">
-            <a:extLst>
-              <a:ext uri="{FF2B5EF4-FFF2-40B4-BE49-F238E27FC236}">
-                <a16:creationId xmlns:a16="http://schemas.microsoft.com/office/drawing/2014/main" id="{BE8FF83E-D99A-403F-83F0-66CC3802EECF}"/>
-              </a:ext>
-            </a:extLst>
-          </p:cNvPr>
-          <p:cNvSpPr>
-            <a:spLocks noGrp="1"/>
-          </p:cNvSpPr>
-          <p:nvPr>
-            <p:ph type="dt" sz="half" idx="10"/>
-          </p:nvPr>
-        </p:nvSpPr>
-        <p:spPr/>
-        <p:txBody>
-          <a:bodyPr/>
-          <a:lstStyle/>
-          <a:p>
-            <a:r>
-              <a:rPr lang="en-US" altLang="zh-TW"/>
-              <a:t>2021/11/26</a:t>
-            </a:r>
             <a:endParaRPr lang="zh-TW" altLang="en-US"/>
           </a:p>
         </p:txBody>
@@ -6464,7 +7415,7 @@
         </p:blipFill>
         <p:spPr>
           <a:xfrm>
-            <a:off x="1715047" y="1905190"/>
+            <a:off x="838200" y="1205871"/>
             <a:ext cx="8761905" cy="3047619"/>
           </a:xfrm>
           <a:prstGeom prst="rect">
@@ -6472,6 +7423,107 @@
           </a:prstGeom>
         </p:spPr>
       </p:pic>
+      <p:sp>
+        <p:nvSpPr>
+          <p:cNvPr id="7" name="矩形 6">
+            <a:extLst>
+              <a:ext uri="{FF2B5EF4-FFF2-40B4-BE49-F238E27FC236}">
+                <a16:creationId xmlns:a16="http://schemas.microsoft.com/office/drawing/2014/main" id="{415FE7AE-E93C-4128-97DE-FA7EB8DC88EB}"/>
+              </a:ext>
+            </a:extLst>
+          </p:cNvPr>
+          <p:cNvSpPr/>
+          <p:nvPr/>
+        </p:nvSpPr>
+        <p:spPr>
+          <a:xfrm>
+            <a:off x="703977" y="1409352"/>
+            <a:ext cx="9580927" cy="226502"/>
+          </a:xfrm>
+          <a:prstGeom prst="rect">
+            <a:avLst/>
+          </a:prstGeom>
+          <a:solidFill>
+            <a:schemeClr val="bg1"/>
+          </a:solidFill>
+          <a:ln>
+            <a:noFill/>
+          </a:ln>
+        </p:spPr>
+        <p:style>
+          <a:lnRef idx="2">
+            <a:schemeClr val="accent1">
+              <a:shade val="50000"/>
+            </a:schemeClr>
+          </a:lnRef>
+          <a:fillRef idx="1">
+            <a:schemeClr val="accent1"/>
+          </a:fillRef>
+          <a:effectRef idx="0">
+            <a:schemeClr val="accent1"/>
+          </a:effectRef>
+          <a:fontRef idx="minor">
+            <a:schemeClr val="lt1"/>
+          </a:fontRef>
+        </p:style>
+        <p:txBody>
+          <a:bodyPr rtlCol="0" anchor="ctr"/>
+          <a:lstStyle/>
+          <a:p>
+            <a:pPr algn="ctr"/>
+            <a:endParaRPr lang="zh-TW" altLang="en-US"/>
+          </a:p>
+        </p:txBody>
+      </p:sp>
+      <p:sp>
+        <p:nvSpPr>
+          <p:cNvPr id="8" name="文字方塊 7">
+            <a:extLst>
+              <a:ext uri="{FF2B5EF4-FFF2-40B4-BE49-F238E27FC236}">
+                <a16:creationId xmlns:a16="http://schemas.microsoft.com/office/drawing/2014/main" id="{8F30F8B1-A6F8-458B-A557-549C26677CDE}"/>
+              </a:ext>
+            </a:extLst>
+          </p:cNvPr>
+          <p:cNvSpPr txBox="1"/>
+          <p:nvPr/>
+        </p:nvSpPr>
+        <p:spPr>
+          <a:xfrm>
+            <a:off x="9841957" y="365125"/>
+            <a:ext cx="1511843" cy="400110"/>
+          </a:xfrm>
+          <a:prstGeom prst="rect">
+            <a:avLst/>
+          </a:prstGeom>
+          <a:noFill/>
+        </p:spPr>
+        <p:txBody>
+          <a:bodyPr wrap="square" rtlCol="0">
+            <a:spAutoFit/>
+          </a:bodyPr>
+          <a:lstStyle/>
+          <a:p>
+            <a:r>
+              <a:rPr lang="en-US" altLang="zh-TW" sz="2000" dirty="0" err="1">
+                <a:latin typeface="Times New Roman" panose="02020603050405020304" pitchFamily="18" charset="0"/>
+                <a:cs typeface="Times New Roman" panose="02020603050405020304" pitchFamily="18" charset="0"/>
+              </a:rPr>
+              <a:t>cume_dist</a:t>
+            </a:r>
+            <a:r>
+              <a:rPr lang="en-US" altLang="zh-TW" sz="2000" dirty="0">
+                <a:latin typeface="Times New Roman" panose="02020603050405020304" pitchFamily="18" charset="0"/>
+                <a:cs typeface="Times New Roman" panose="02020603050405020304" pitchFamily="18" charset="0"/>
+              </a:rPr>
+              <a:t>(x)</a:t>
+            </a:r>
+            <a:endParaRPr lang="zh-TW" altLang="en-US" sz="2000" dirty="0">
+              <a:latin typeface="Times New Roman" panose="02020603050405020304" pitchFamily="18" charset="0"/>
+              <a:cs typeface="Times New Roman" panose="02020603050405020304" pitchFamily="18" charset="0"/>
+            </a:endParaRPr>
+          </a:p>
+        </p:txBody>
+      </p:sp>
     </p:spTree>
     <p:extLst>
       <p:ext uri="{BB962C8B-B14F-4D97-AF65-F5344CB8AC3E}">
@@ -6482,6 +7534,104 @@
   <p:clrMapOvr>
     <a:masterClrMapping/>
   </p:clrMapOvr>
+  <mc:AlternateContent xmlns:mc="http://schemas.openxmlformats.org/markup-compatibility/2006" xmlns:p14="http://schemas.microsoft.com/office/powerpoint/2010/main">
+    <mc:Choice Requires="p14">
+      <p:transition spd="slow" p14:dur="2000">
+        <p:cut/>
+      </p:transition>
+    </mc:Choice>
+    <mc:Fallback xmlns="">
+      <p:transition spd="slow">
+        <p:cut/>
+      </p:transition>
+    </mc:Fallback>
+  </mc:AlternateContent>
+  <p:timing>
+    <p:tnLst>
+      <p:par>
+        <p:cTn id="1" dur="indefinite" restart="never" nodeType="tmRoot">
+          <p:childTnLst>
+            <p:seq concurrent="1" nextAc="seek">
+              <p:cTn id="2" dur="indefinite" nodeType="mainSeq">
+                <p:childTnLst>
+                  <p:par>
+                    <p:cTn id="3" fill="hold">
+                      <p:stCondLst>
+                        <p:cond delay="indefinite"/>
+                      </p:stCondLst>
+                      <p:childTnLst>
+                        <p:par>
+                          <p:cTn id="4" fill="hold">
+                            <p:stCondLst>
+                              <p:cond delay="0"/>
+                            </p:stCondLst>
+                            <p:childTnLst>
+                              <p:par>
+                                <p:cTn id="5" presetID="10" presetClass="exit" presetSubtype="0" fill="hold" grpId="0" nodeType="clickEffect">
+                                  <p:stCondLst>
+                                    <p:cond delay="0"/>
+                                  </p:stCondLst>
+                                  <p:childTnLst>
+                                    <p:animEffect transition="out" filter="fade">
+                                      <p:cBhvr>
+                                        <p:cTn id="6" dur="500"/>
+                                        <p:tgtEl>
+                                          <p:spTgt spid="7"/>
+                                        </p:tgtEl>
+                                      </p:cBhvr>
+                                    </p:animEffect>
+                                    <p:set>
+                                      <p:cBhvr>
+                                        <p:cTn id="7" dur="1" fill="hold">
+                                          <p:stCondLst>
+                                            <p:cond delay="499"/>
+                                          </p:stCondLst>
+                                        </p:cTn>
+                                        <p:tgtEl>
+                                          <p:spTgt spid="7"/>
+                                        </p:tgtEl>
+                                        <p:attrNameLst>
+                                          <p:attrName>style.visibility</p:attrName>
+                                        </p:attrNameLst>
+                                      </p:cBhvr>
+                                      <p:to>
+                                        <p:strVal val="hidden"/>
+                                      </p:to>
+                                    </p:set>
+                                  </p:childTnLst>
+                                </p:cTn>
+                              </p:par>
+                            </p:childTnLst>
+                          </p:cTn>
+                        </p:par>
+                      </p:childTnLst>
+                    </p:cTn>
+                  </p:par>
+                </p:childTnLst>
+              </p:cTn>
+              <p:prevCondLst>
+                <p:cond evt="onPrev" delay="0">
+                  <p:tgtEl>
+                    <p:sldTgt/>
+                  </p:tgtEl>
+                </p:cond>
+              </p:prevCondLst>
+              <p:nextCondLst>
+                <p:cond evt="onNext" delay="0">
+                  <p:tgtEl>
+                    <p:sldTgt/>
+                  </p:tgtEl>
+                </p:cond>
+              </p:nextCondLst>
+            </p:seq>
+          </p:childTnLst>
+        </p:cTn>
+      </p:par>
+    </p:tnLst>
+    <p:bldLst>
+      <p:bldP spid="7" grpId="0" animBg="1"/>
+    </p:bldLst>
+  </p:timing>
 </p:sld>
 </file>
 
@@ -6523,7 +7673,11 @@
           <a:bodyPr/>
           <a:lstStyle/>
           <a:p>
-            <a:endParaRPr lang="zh-TW" altLang="en-US"/>
+            <a:r>
+              <a:rPr lang="en-US" altLang="zh-TW" dirty="0"/>
+              <a:t>Question 5</a:t>
+            </a:r>
+            <a:endParaRPr lang="zh-TW" altLang="en-US" dirty="0"/>
           </a:p>
         </p:txBody>
       </p:sp>
@@ -6548,35 +7702,6 @@
           <a:bodyPr/>
           <a:lstStyle/>
           <a:p>
-            <a:endParaRPr lang="zh-TW" altLang="en-US"/>
-          </a:p>
-        </p:txBody>
-      </p:sp>
-      <p:sp>
-        <p:nvSpPr>
-          <p:cNvPr id="4" name="日期版面配置區 3">
-            <a:extLst>
-              <a:ext uri="{FF2B5EF4-FFF2-40B4-BE49-F238E27FC236}">
-                <a16:creationId xmlns:a16="http://schemas.microsoft.com/office/drawing/2014/main" id="{7DF48BD5-0F27-4210-958A-B302BA4F0032}"/>
-              </a:ext>
-            </a:extLst>
-          </p:cNvPr>
-          <p:cNvSpPr>
-            <a:spLocks noGrp="1"/>
-          </p:cNvSpPr>
-          <p:nvPr>
-            <p:ph type="dt" sz="half" idx="10"/>
-          </p:nvPr>
-        </p:nvSpPr>
-        <p:spPr/>
-        <p:txBody>
-          <a:bodyPr/>
-          <a:lstStyle/>
-          <a:p>
-            <a:r>
-              <a:rPr lang="en-US" altLang="zh-TW"/>
-              <a:t>2021/11/26</a:t>
-            </a:r>
             <a:endParaRPr lang="zh-TW" altLang="en-US"/>
           </a:p>
         </p:txBody>
@@ -6633,7 +7758,7 @@
         </p:blipFill>
         <p:spPr>
           <a:xfrm>
-            <a:off x="1715047" y="1805190"/>
+            <a:off x="838200" y="1205871"/>
             <a:ext cx="8761905" cy="3247619"/>
           </a:xfrm>
           <a:prstGeom prst="rect">
@@ -6641,6 +7766,107 @@
           </a:prstGeom>
         </p:spPr>
       </p:pic>
+      <p:sp>
+        <p:nvSpPr>
+          <p:cNvPr id="7" name="矩形 6">
+            <a:extLst>
+              <a:ext uri="{FF2B5EF4-FFF2-40B4-BE49-F238E27FC236}">
+                <a16:creationId xmlns:a16="http://schemas.microsoft.com/office/drawing/2014/main" id="{F580F88B-F02A-4609-9372-54D65F20A1BF}"/>
+              </a:ext>
+            </a:extLst>
+          </p:cNvPr>
+          <p:cNvSpPr/>
+          <p:nvPr/>
+        </p:nvSpPr>
+        <p:spPr>
+          <a:xfrm>
+            <a:off x="703977" y="1409351"/>
+            <a:ext cx="9580927" cy="444615"/>
+          </a:xfrm>
+          <a:prstGeom prst="rect">
+            <a:avLst/>
+          </a:prstGeom>
+          <a:solidFill>
+            <a:schemeClr val="bg1"/>
+          </a:solidFill>
+          <a:ln>
+            <a:noFill/>
+          </a:ln>
+        </p:spPr>
+        <p:style>
+          <a:lnRef idx="2">
+            <a:schemeClr val="accent1">
+              <a:shade val="50000"/>
+            </a:schemeClr>
+          </a:lnRef>
+          <a:fillRef idx="1">
+            <a:schemeClr val="accent1"/>
+          </a:fillRef>
+          <a:effectRef idx="0">
+            <a:schemeClr val="accent1"/>
+          </a:effectRef>
+          <a:fontRef idx="minor">
+            <a:schemeClr val="lt1"/>
+          </a:fontRef>
+        </p:style>
+        <p:txBody>
+          <a:bodyPr rtlCol="0" anchor="ctr"/>
+          <a:lstStyle/>
+          <a:p>
+            <a:pPr algn="ctr"/>
+            <a:endParaRPr lang="zh-TW" altLang="en-US"/>
+          </a:p>
+        </p:txBody>
+      </p:sp>
+      <p:sp>
+        <p:nvSpPr>
+          <p:cNvPr id="8" name="文字方塊 7">
+            <a:extLst>
+              <a:ext uri="{FF2B5EF4-FFF2-40B4-BE49-F238E27FC236}">
+                <a16:creationId xmlns:a16="http://schemas.microsoft.com/office/drawing/2014/main" id="{304DDAC3-5AE6-45E4-95E1-322A002A48D0}"/>
+              </a:ext>
+            </a:extLst>
+          </p:cNvPr>
+          <p:cNvSpPr txBox="1"/>
+          <p:nvPr/>
+        </p:nvSpPr>
+        <p:spPr>
+          <a:xfrm>
+            <a:off x="6387547" y="365125"/>
+            <a:ext cx="4966253" cy="400110"/>
+          </a:xfrm>
+          <a:prstGeom prst="rect">
+            <a:avLst/>
+          </a:prstGeom>
+          <a:noFill/>
+        </p:spPr>
+        <p:txBody>
+          <a:bodyPr wrap="square" rtlCol="0">
+            <a:spAutoFit/>
+          </a:bodyPr>
+          <a:lstStyle/>
+          <a:p>
+            <a:r>
+              <a:rPr lang="en-US" altLang="zh-TW" sz="2000" dirty="0" err="1">
+                <a:latin typeface="Times New Roman" panose="02020603050405020304" pitchFamily="18" charset="0"/>
+                <a:cs typeface="Times New Roman" panose="02020603050405020304" pitchFamily="18" charset="0"/>
+              </a:rPr>
+              <a:t>if_else</a:t>
+            </a:r>
+            <a:r>
+              <a:rPr lang="en-US" altLang="zh-TW" sz="2000" dirty="0">
+                <a:latin typeface="Times New Roman" panose="02020603050405020304" pitchFamily="18" charset="0"/>
+                <a:cs typeface="Times New Roman" panose="02020603050405020304" pitchFamily="18" charset="0"/>
+              </a:rPr>
+              <a:t>(condition, true, false, missing = NULL)</a:t>
+            </a:r>
+            <a:endParaRPr lang="zh-TW" altLang="en-US" sz="2000" dirty="0">
+              <a:latin typeface="Times New Roman" panose="02020603050405020304" pitchFamily="18" charset="0"/>
+              <a:cs typeface="Times New Roman" panose="02020603050405020304" pitchFamily="18" charset="0"/>
+            </a:endParaRPr>
+          </a:p>
+        </p:txBody>
+      </p:sp>
     </p:spTree>
     <p:extLst>
       <p:ext uri="{BB962C8B-B14F-4D97-AF65-F5344CB8AC3E}">
@@ -6651,6 +7877,104 @@
   <p:clrMapOvr>
     <a:masterClrMapping/>
   </p:clrMapOvr>
+  <mc:AlternateContent xmlns:mc="http://schemas.openxmlformats.org/markup-compatibility/2006" xmlns:p14="http://schemas.microsoft.com/office/powerpoint/2010/main">
+    <mc:Choice Requires="p14">
+      <p:transition spd="slow" p14:dur="2000">
+        <p:cut/>
+      </p:transition>
+    </mc:Choice>
+    <mc:Fallback xmlns="">
+      <p:transition spd="slow">
+        <p:cut/>
+      </p:transition>
+    </mc:Fallback>
+  </mc:AlternateContent>
+  <p:timing>
+    <p:tnLst>
+      <p:par>
+        <p:cTn id="1" dur="indefinite" restart="never" nodeType="tmRoot">
+          <p:childTnLst>
+            <p:seq concurrent="1" nextAc="seek">
+              <p:cTn id="2" dur="indefinite" nodeType="mainSeq">
+                <p:childTnLst>
+                  <p:par>
+                    <p:cTn id="3" fill="hold">
+                      <p:stCondLst>
+                        <p:cond delay="indefinite"/>
+                      </p:stCondLst>
+                      <p:childTnLst>
+                        <p:par>
+                          <p:cTn id="4" fill="hold">
+                            <p:stCondLst>
+                              <p:cond delay="0"/>
+                            </p:stCondLst>
+                            <p:childTnLst>
+                              <p:par>
+                                <p:cTn id="5" presetID="10" presetClass="exit" presetSubtype="0" fill="hold" grpId="0" nodeType="clickEffect">
+                                  <p:stCondLst>
+                                    <p:cond delay="0"/>
+                                  </p:stCondLst>
+                                  <p:childTnLst>
+                                    <p:animEffect transition="out" filter="fade">
+                                      <p:cBhvr>
+                                        <p:cTn id="6" dur="500"/>
+                                        <p:tgtEl>
+                                          <p:spTgt spid="7"/>
+                                        </p:tgtEl>
+                                      </p:cBhvr>
+                                    </p:animEffect>
+                                    <p:set>
+                                      <p:cBhvr>
+                                        <p:cTn id="7" dur="1" fill="hold">
+                                          <p:stCondLst>
+                                            <p:cond delay="499"/>
+                                          </p:stCondLst>
+                                        </p:cTn>
+                                        <p:tgtEl>
+                                          <p:spTgt spid="7"/>
+                                        </p:tgtEl>
+                                        <p:attrNameLst>
+                                          <p:attrName>style.visibility</p:attrName>
+                                        </p:attrNameLst>
+                                      </p:cBhvr>
+                                      <p:to>
+                                        <p:strVal val="hidden"/>
+                                      </p:to>
+                                    </p:set>
+                                  </p:childTnLst>
+                                </p:cTn>
+                              </p:par>
+                            </p:childTnLst>
+                          </p:cTn>
+                        </p:par>
+                      </p:childTnLst>
+                    </p:cTn>
+                  </p:par>
+                </p:childTnLst>
+              </p:cTn>
+              <p:prevCondLst>
+                <p:cond evt="onPrev" delay="0">
+                  <p:tgtEl>
+                    <p:sldTgt/>
+                  </p:tgtEl>
+                </p:cond>
+              </p:prevCondLst>
+              <p:nextCondLst>
+                <p:cond evt="onNext" delay="0">
+                  <p:tgtEl>
+                    <p:sldTgt/>
+                  </p:tgtEl>
+                </p:cond>
+              </p:nextCondLst>
+            </p:seq>
+          </p:childTnLst>
+        </p:cTn>
+      </p:par>
+    </p:tnLst>
+    <p:bldLst>
+      <p:bldP spid="7" grpId="0" animBg="1"/>
+    </p:bldLst>
+  </p:timing>
 </p:sld>
 </file>
 
@@ -6692,7 +8016,11 @@
           <a:bodyPr/>
           <a:lstStyle/>
           <a:p>
-            <a:endParaRPr lang="zh-TW" altLang="en-US"/>
+            <a:r>
+              <a:rPr lang="en-US" altLang="zh-TW" dirty="0"/>
+              <a:t>Question 5</a:t>
+            </a:r>
+            <a:endParaRPr lang="zh-TW" altLang="en-US" dirty="0"/>
           </a:p>
         </p:txBody>
       </p:sp>
@@ -6717,35 +8045,6 @@
           <a:bodyPr/>
           <a:lstStyle/>
           <a:p>
-            <a:endParaRPr lang="zh-TW" altLang="en-US"/>
-          </a:p>
-        </p:txBody>
-      </p:sp>
-      <p:sp>
-        <p:nvSpPr>
-          <p:cNvPr id="4" name="日期版面配置區 3">
-            <a:extLst>
-              <a:ext uri="{FF2B5EF4-FFF2-40B4-BE49-F238E27FC236}">
-                <a16:creationId xmlns:a16="http://schemas.microsoft.com/office/drawing/2014/main" id="{A9A76134-329D-427B-AC84-E6FF9772741B}"/>
-              </a:ext>
-            </a:extLst>
-          </p:cNvPr>
-          <p:cNvSpPr>
-            <a:spLocks noGrp="1"/>
-          </p:cNvSpPr>
-          <p:nvPr>
-            <p:ph type="dt" sz="half" idx="10"/>
-          </p:nvPr>
-        </p:nvSpPr>
-        <p:spPr/>
-        <p:txBody>
-          <a:bodyPr/>
-          <a:lstStyle/>
-          <a:p>
-            <a:r>
-              <a:rPr lang="en-US" altLang="zh-TW"/>
-              <a:t>2021/11/26</a:t>
-            </a:r>
             <a:endParaRPr lang="zh-TW" altLang="en-US"/>
           </a:p>
         </p:txBody>
@@ -6802,7 +8101,7 @@
         </p:blipFill>
         <p:spPr>
           <a:xfrm>
-            <a:off x="1715047" y="1800428"/>
+            <a:off x="838200" y="1205871"/>
             <a:ext cx="8761905" cy="3257143"/>
           </a:xfrm>
           <a:prstGeom prst="rect">
@@ -6810,6 +8109,107 @@
           </a:prstGeom>
         </p:spPr>
       </p:pic>
+      <p:sp>
+        <p:nvSpPr>
+          <p:cNvPr id="7" name="矩形 6">
+            <a:extLst>
+              <a:ext uri="{FF2B5EF4-FFF2-40B4-BE49-F238E27FC236}">
+                <a16:creationId xmlns:a16="http://schemas.microsoft.com/office/drawing/2014/main" id="{C8B06C09-ACBB-4C75-BCCB-753CA1560FC0}"/>
+              </a:ext>
+            </a:extLst>
+          </p:cNvPr>
+          <p:cNvSpPr/>
+          <p:nvPr/>
+        </p:nvSpPr>
+        <p:spPr>
+          <a:xfrm>
+            <a:off x="703977" y="1409352"/>
+            <a:ext cx="9580927" cy="365124"/>
+          </a:xfrm>
+          <a:prstGeom prst="rect">
+            <a:avLst/>
+          </a:prstGeom>
+          <a:solidFill>
+            <a:schemeClr val="bg1"/>
+          </a:solidFill>
+          <a:ln>
+            <a:noFill/>
+          </a:ln>
+        </p:spPr>
+        <p:style>
+          <a:lnRef idx="2">
+            <a:schemeClr val="accent1">
+              <a:shade val="50000"/>
+            </a:schemeClr>
+          </a:lnRef>
+          <a:fillRef idx="1">
+            <a:schemeClr val="accent1"/>
+          </a:fillRef>
+          <a:effectRef idx="0">
+            <a:schemeClr val="accent1"/>
+          </a:effectRef>
+          <a:fontRef idx="minor">
+            <a:schemeClr val="lt1"/>
+          </a:fontRef>
+        </p:style>
+        <p:txBody>
+          <a:bodyPr rtlCol="0" anchor="ctr"/>
+          <a:lstStyle/>
+          <a:p>
+            <a:pPr algn="ctr"/>
+            <a:endParaRPr lang="zh-TW" altLang="en-US"/>
+          </a:p>
+        </p:txBody>
+      </p:sp>
+      <p:sp>
+        <p:nvSpPr>
+          <p:cNvPr id="8" name="文字方塊 7">
+            <a:extLst>
+              <a:ext uri="{FF2B5EF4-FFF2-40B4-BE49-F238E27FC236}">
+                <a16:creationId xmlns:a16="http://schemas.microsoft.com/office/drawing/2014/main" id="{433CFE3F-76CF-4E4B-BC5D-F5463A5E04FD}"/>
+              </a:ext>
+            </a:extLst>
+          </p:cNvPr>
+          <p:cNvSpPr txBox="1"/>
+          <p:nvPr/>
+        </p:nvSpPr>
+        <p:spPr>
+          <a:xfrm>
+            <a:off x="6387547" y="365125"/>
+            <a:ext cx="4966253" cy="400110"/>
+          </a:xfrm>
+          <a:prstGeom prst="rect">
+            <a:avLst/>
+          </a:prstGeom>
+          <a:noFill/>
+        </p:spPr>
+        <p:txBody>
+          <a:bodyPr wrap="square" rtlCol="0">
+            <a:spAutoFit/>
+          </a:bodyPr>
+          <a:lstStyle/>
+          <a:p>
+            <a:r>
+              <a:rPr lang="en-US" altLang="zh-TW" sz="2000" dirty="0" err="1">
+                <a:latin typeface="Times New Roman" panose="02020603050405020304" pitchFamily="18" charset="0"/>
+                <a:cs typeface="Times New Roman" panose="02020603050405020304" pitchFamily="18" charset="0"/>
+              </a:rPr>
+              <a:t>if_else</a:t>
+            </a:r>
+            <a:r>
+              <a:rPr lang="en-US" altLang="zh-TW" sz="2000" dirty="0">
+                <a:latin typeface="Times New Roman" panose="02020603050405020304" pitchFamily="18" charset="0"/>
+                <a:cs typeface="Times New Roman" panose="02020603050405020304" pitchFamily="18" charset="0"/>
+              </a:rPr>
+              <a:t>(condition, true, false, missing = NULL)</a:t>
+            </a:r>
+            <a:endParaRPr lang="zh-TW" altLang="en-US" sz="2000" dirty="0">
+              <a:latin typeface="Times New Roman" panose="02020603050405020304" pitchFamily="18" charset="0"/>
+              <a:cs typeface="Times New Roman" panose="02020603050405020304" pitchFamily="18" charset="0"/>
+            </a:endParaRPr>
+          </a:p>
+        </p:txBody>
+      </p:sp>
     </p:spTree>
     <p:extLst>
       <p:ext uri="{BB962C8B-B14F-4D97-AF65-F5344CB8AC3E}">
@@ -6820,6 +8220,104 @@
   <p:clrMapOvr>
     <a:masterClrMapping/>
   </p:clrMapOvr>
+  <mc:AlternateContent xmlns:mc="http://schemas.openxmlformats.org/markup-compatibility/2006" xmlns:p14="http://schemas.microsoft.com/office/powerpoint/2010/main">
+    <mc:Choice Requires="p14">
+      <p:transition spd="slow" p14:dur="2000">
+        <p:cut/>
+      </p:transition>
+    </mc:Choice>
+    <mc:Fallback xmlns="">
+      <p:transition spd="slow">
+        <p:cut/>
+      </p:transition>
+    </mc:Fallback>
+  </mc:AlternateContent>
+  <p:timing>
+    <p:tnLst>
+      <p:par>
+        <p:cTn id="1" dur="indefinite" restart="never" nodeType="tmRoot">
+          <p:childTnLst>
+            <p:seq concurrent="1" nextAc="seek">
+              <p:cTn id="2" dur="indefinite" nodeType="mainSeq">
+                <p:childTnLst>
+                  <p:par>
+                    <p:cTn id="3" fill="hold">
+                      <p:stCondLst>
+                        <p:cond delay="indefinite"/>
+                      </p:stCondLst>
+                      <p:childTnLst>
+                        <p:par>
+                          <p:cTn id="4" fill="hold">
+                            <p:stCondLst>
+                              <p:cond delay="0"/>
+                            </p:stCondLst>
+                            <p:childTnLst>
+                              <p:par>
+                                <p:cTn id="5" presetID="10" presetClass="exit" presetSubtype="0" fill="hold" grpId="0" nodeType="clickEffect">
+                                  <p:stCondLst>
+                                    <p:cond delay="0"/>
+                                  </p:stCondLst>
+                                  <p:childTnLst>
+                                    <p:animEffect transition="out" filter="fade">
+                                      <p:cBhvr>
+                                        <p:cTn id="6" dur="500"/>
+                                        <p:tgtEl>
+                                          <p:spTgt spid="7"/>
+                                        </p:tgtEl>
+                                      </p:cBhvr>
+                                    </p:animEffect>
+                                    <p:set>
+                                      <p:cBhvr>
+                                        <p:cTn id="7" dur="1" fill="hold">
+                                          <p:stCondLst>
+                                            <p:cond delay="499"/>
+                                          </p:stCondLst>
+                                        </p:cTn>
+                                        <p:tgtEl>
+                                          <p:spTgt spid="7"/>
+                                        </p:tgtEl>
+                                        <p:attrNameLst>
+                                          <p:attrName>style.visibility</p:attrName>
+                                        </p:attrNameLst>
+                                      </p:cBhvr>
+                                      <p:to>
+                                        <p:strVal val="hidden"/>
+                                      </p:to>
+                                    </p:set>
+                                  </p:childTnLst>
+                                </p:cTn>
+                              </p:par>
+                            </p:childTnLst>
+                          </p:cTn>
+                        </p:par>
+                      </p:childTnLst>
+                    </p:cTn>
+                  </p:par>
+                </p:childTnLst>
+              </p:cTn>
+              <p:prevCondLst>
+                <p:cond evt="onPrev" delay="0">
+                  <p:tgtEl>
+                    <p:sldTgt/>
+                  </p:tgtEl>
+                </p:cond>
+              </p:prevCondLst>
+              <p:nextCondLst>
+                <p:cond evt="onNext" delay="0">
+                  <p:tgtEl>
+                    <p:sldTgt/>
+                  </p:tgtEl>
+                </p:cond>
+              </p:nextCondLst>
+            </p:seq>
+          </p:childTnLst>
+        </p:cTn>
+      </p:par>
+    </p:tnLst>
+    <p:bldLst>
+      <p:bldP spid="7" grpId="0" animBg="1"/>
+    </p:bldLst>
+  </p:timing>
 </p:sld>
 </file>
 
@@ -6861,7 +8359,11 @@
           <a:bodyPr/>
           <a:lstStyle/>
           <a:p>
-            <a:endParaRPr lang="zh-TW" altLang="en-US"/>
+            <a:r>
+              <a:rPr lang="en-US" altLang="zh-TW" dirty="0"/>
+              <a:t>Question 6</a:t>
+            </a:r>
+            <a:endParaRPr lang="zh-TW" altLang="en-US" dirty="0"/>
           </a:p>
         </p:txBody>
       </p:sp>
@@ -6886,35 +8388,6 @@
           <a:bodyPr/>
           <a:lstStyle/>
           <a:p>
-            <a:endParaRPr lang="zh-TW" altLang="en-US"/>
-          </a:p>
-        </p:txBody>
-      </p:sp>
-      <p:sp>
-        <p:nvSpPr>
-          <p:cNvPr id="4" name="日期版面配置區 3">
-            <a:extLst>
-              <a:ext uri="{FF2B5EF4-FFF2-40B4-BE49-F238E27FC236}">
-                <a16:creationId xmlns:a16="http://schemas.microsoft.com/office/drawing/2014/main" id="{D5BC9FB2-6AC6-40DE-A095-6A920BB60518}"/>
-              </a:ext>
-            </a:extLst>
-          </p:cNvPr>
-          <p:cNvSpPr>
-            <a:spLocks noGrp="1"/>
-          </p:cNvSpPr>
-          <p:nvPr>
-            <p:ph type="dt" sz="half" idx="10"/>
-          </p:nvPr>
-        </p:nvSpPr>
-        <p:spPr/>
-        <p:txBody>
-          <a:bodyPr/>
-          <a:lstStyle/>
-          <a:p>
-            <a:r>
-              <a:rPr lang="en-US" altLang="zh-TW"/>
-              <a:t>2021/11/26</a:t>
-            </a:r>
             <a:endParaRPr lang="zh-TW" altLang="en-US"/>
           </a:p>
         </p:txBody>
@@ -6971,7 +8444,7 @@
         </p:blipFill>
         <p:spPr>
           <a:xfrm>
-            <a:off x="1715047" y="1581381"/>
+            <a:off x="838200" y="1205871"/>
             <a:ext cx="8761905" cy="3695238"/>
           </a:xfrm>
           <a:prstGeom prst="rect">
@@ -6979,6 +8452,107 @@
           </a:prstGeom>
         </p:spPr>
       </p:pic>
+      <p:sp>
+        <p:nvSpPr>
+          <p:cNvPr id="7" name="矩形 6">
+            <a:extLst>
+              <a:ext uri="{FF2B5EF4-FFF2-40B4-BE49-F238E27FC236}">
+                <a16:creationId xmlns:a16="http://schemas.microsoft.com/office/drawing/2014/main" id="{AADC43A1-7B00-49CA-A13F-6AE8B0C49ECA}"/>
+              </a:ext>
+            </a:extLst>
+          </p:cNvPr>
+          <p:cNvSpPr/>
+          <p:nvPr/>
+        </p:nvSpPr>
+        <p:spPr>
+          <a:xfrm>
+            <a:off x="703977" y="1409352"/>
+            <a:ext cx="9580927" cy="855676"/>
+          </a:xfrm>
+          <a:prstGeom prst="rect">
+            <a:avLst/>
+          </a:prstGeom>
+          <a:solidFill>
+            <a:schemeClr val="bg1"/>
+          </a:solidFill>
+          <a:ln>
+            <a:noFill/>
+          </a:ln>
+        </p:spPr>
+        <p:style>
+          <a:lnRef idx="2">
+            <a:schemeClr val="accent1">
+              <a:shade val="50000"/>
+            </a:schemeClr>
+          </a:lnRef>
+          <a:fillRef idx="1">
+            <a:schemeClr val="accent1"/>
+          </a:fillRef>
+          <a:effectRef idx="0">
+            <a:schemeClr val="accent1"/>
+          </a:effectRef>
+          <a:fontRef idx="minor">
+            <a:schemeClr val="lt1"/>
+          </a:fontRef>
+        </p:style>
+        <p:txBody>
+          <a:bodyPr rtlCol="0" anchor="ctr"/>
+          <a:lstStyle/>
+          <a:p>
+            <a:pPr algn="ctr"/>
+            <a:endParaRPr lang="zh-TW" altLang="en-US"/>
+          </a:p>
+        </p:txBody>
+      </p:sp>
+      <p:sp>
+        <p:nvSpPr>
+          <p:cNvPr id="8" name="文字方塊 7">
+            <a:extLst>
+              <a:ext uri="{FF2B5EF4-FFF2-40B4-BE49-F238E27FC236}">
+                <a16:creationId xmlns:a16="http://schemas.microsoft.com/office/drawing/2014/main" id="{DF55A092-058A-4E2D-96E8-2A56F01E3E89}"/>
+              </a:ext>
+            </a:extLst>
+          </p:cNvPr>
+          <p:cNvSpPr txBox="1"/>
+          <p:nvPr/>
+        </p:nvSpPr>
+        <p:spPr>
+          <a:xfrm>
+            <a:off x="9766852" y="365125"/>
+            <a:ext cx="1586948" cy="400110"/>
+          </a:xfrm>
+          <a:prstGeom prst="rect">
+            <a:avLst/>
+          </a:prstGeom>
+          <a:noFill/>
+        </p:spPr>
+        <p:txBody>
+          <a:bodyPr wrap="square" rtlCol="0">
+            <a:spAutoFit/>
+          </a:bodyPr>
+          <a:lstStyle/>
+          <a:p>
+            <a:r>
+              <a:rPr lang="en-US" altLang="zh-TW" sz="2000" dirty="0" err="1">
+                <a:latin typeface="Times New Roman" panose="02020603050405020304" pitchFamily="18" charset="0"/>
+                <a:cs typeface="Times New Roman" panose="02020603050405020304" pitchFamily="18" charset="0"/>
+              </a:rPr>
+              <a:t>case_when</a:t>
+            </a:r>
+            <a:r>
+              <a:rPr lang="en-US" altLang="zh-TW" sz="2000" dirty="0">
+                <a:latin typeface="Times New Roman" panose="02020603050405020304" pitchFamily="18" charset="0"/>
+                <a:cs typeface="Times New Roman" panose="02020603050405020304" pitchFamily="18" charset="0"/>
+              </a:rPr>
+              <a:t>(...)</a:t>
+            </a:r>
+            <a:endParaRPr lang="zh-TW" altLang="en-US" sz="2000" dirty="0">
+              <a:latin typeface="Times New Roman" panose="02020603050405020304" pitchFamily="18" charset="0"/>
+              <a:cs typeface="Times New Roman" panose="02020603050405020304" pitchFamily="18" charset="0"/>
+            </a:endParaRPr>
+          </a:p>
+        </p:txBody>
+      </p:sp>
     </p:spTree>
     <p:extLst>
       <p:ext uri="{BB962C8B-B14F-4D97-AF65-F5344CB8AC3E}">
@@ -6989,6 +8563,104 @@
   <p:clrMapOvr>
     <a:masterClrMapping/>
   </p:clrMapOvr>
+  <mc:AlternateContent xmlns:mc="http://schemas.openxmlformats.org/markup-compatibility/2006" xmlns:p14="http://schemas.microsoft.com/office/powerpoint/2010/main">
+    <mc:Choice Requires="p14">
+      <p:transition spd="slow" p14:dur="2000">
+        <p:cut/>
+      </p:transition>
+    </mc:Choice>
+    <mc:Fallback xmlns="">
+      <p:transition spd="slow">
+        <p:cut/>
+      </p:transition>
+    </mc:Fallback>
+  </mc:AlternateContent>
+  <p:timing>
+    <p:tnLst>
+      <p:par>
+        <p:cTn id="1" dur="indefinite" restart="never" nodeType="tmRoot">
+          <p:childTnLst>
+            <p:seq concurrent="1" nextAc="seek">
+              <p:cTn id="2" dur="indefinite" nodeType="mainSeq">
+                <p:childTnLst>
+                  <p:par>
+                    <p:cTn id="3" fill="hold">
+                      <p:stCondLst>
+                        <p:cond delay="indefinite"/>
+                      </p:stCondLst>
+                      <p:childTnLst>
+                        <p:par>
+                          <p:cTn id="4" fill="hold">
+                            <p:stCondLst>
+                              <p:cond delay="0"/>
+                            </p:stCondLst>
+                            <p:childTnLst>
+                              <p:par>
+                                <p:cTn id="5" presetID="10" presetClass="exit" presetSubtype="0" fill="hold" grpId="0" nodeType="clickEffect">
+                                  <p:stCondLst>
+                                    <p:cond delay="0"/>
+                                  </p:stCondLst>
+                                  <p:childTnLst>
+                                    <p:animEffect transition="out" filter="fade">
+                                      <p:cBhvr>
+                                        <p:cTn id="6" dur="500"/>
+                                        <p:tgtEl>
+                                          <p:spTgt spid="7"/>
+                                        </p:tgtEl>
+                                      </p:cBhvr>
+                                    </p:animEffect>
+                                    <p:set>
+                                      <p:cBhvr>
+                                        <p:cTn id="7" dur="1" fill="hold">
+                                          <p:stCondLst>
+                                            <p:cond delay="499"/>
+                                          </p:stCondLst>
+                                        </p:cTn>
+                                        <p:tgtEl>
+                                          <p:spTgt spid="7"/>
+                                        </p:tgtEl>
+                                        <p:attrNameLst>
+                                          <p:attrName>style.visibility</p:attrName>
+                                        </p:attrNameLst>
+                                      </p:cBhvr>
+                                      <p:to>
+                                        <p:strVal val="hidden"/>
+                                      </p:to>
+                                    </p:set>
+                                  </p:childTnLst>
+                                </p:cTn>
+                              </p:par>
+                            </p:childTnLst>
+                          </p:cTn>
+                        </p:par>
+                      </p:childTnLst>
+                    </p:cTn>
+                  </p:par>
+                </p:childTnLst>
+              </p:cTn>
+              <p:prevCondLst>
+                <p:cond evt="onPrev" delay="0">
+                  <p:tgtEl>
+                    <p:sldTgt/>
+                  </p:tgtEl>
+                </p:cond>
+              </p:prevCondLst>
+              <p:nextCondLst>
+                <p:cond evt="onNext" delay="0">
+                  <p:tgtEl>
+                    <p:sldTgt/>
+                  </p:tgtEl>
+                </p:cond>
+              </p:nextCondLst>
+            </p:seq>
+          </p:childTnLst>
+        </p:cTn>
+      </p:par>
+    </p:tnLst>
+    <p:bldLst>
+      <p:bldP spid="7" grpId="0" animBg="1"/>
+    </p:bldLst>
+  </p:timing>
 </p:sld>
 </file>
 
@@ -7030,7 +8702,11 @@
           <a:bodyPr/>
           <a:lstStyle/>
           <a:p>
-            <a:endParaRPr lang="zh-TW" altLang="en-US"/>
+            <a:r>
+              <a:rPr lang="en-US" altLang="zh-TW" dirty="0"/>
+              <a:t>Question 6</a:t>
+            </a:r>
+            <a:endParaRPr lang="zh-TW" altLang="en-US" dirty="0"/>
           </a:p>
         </p:txBody>
       </p:sp>
@@ -7055,35 +8731,6 @@
           <a:bodyPr/>
           <a:lstStyle/>
           <a:p>
-            <a:endParaRPr lang="zh-TW" altLang="en-US"/>
-          </a:p>
-        </p:txBody>
-      </p:sp>
-      <p:sp>
-        <p:nvSpPr>
-          <p:cNvPr id="4" name="日期版面配置區 3">
-            <a:extLst>
-              <a:ext uri="{FF2B5EF4-FFF2-40B4-BE49-F238E27FC236}">
-                <a16:creationId xmlns:a16="http://schemas.microsoft.com/office/drawing/2014/main" id="{85A0785B-2203-4791-9564-7778EA317BCE}"/>
-              </a:ext>
-            </a:extLst>
-          </p:cNvPr>
-          <p:cNvSpPr>
-            <a:spLocks noGrp="1"/>
-          </p:cNvSpPr>
-          <p:nvPr>
-            <p:ph type="dt" sz="half" idx="10"/>
-          </p:nvPr>
-        </p:nvSpPr>
-        <p:spPr/>
-        <p:txBody>
-          <a:bodyPr/>
-          <a:lstStyle/>
-          <a:p>
-            <a:r>
-              <a:rPr lang="en-US" altLang="zh-TW"/>
-              <a:t>2021/11/26</a:t>
-            </a:r>
             <a:endParaRPr lang="zh-TW" altLang="en-US"/>
           </a:p>
         </p:txBody>
@@ -7140,7 +8787,7 @@
         </p:blipFill>
         <p:spPr>
           <a:xfrm>
-            <a:off x="1715047" y="1586143"/>
+            <a:off x="838200" y="1205871"/>
             <a:ext cx="8761905" cy="3685714"/>
           </a:xfrm>
           <a:prstGeom prst="rect">
@@ -7148,6 +8795,107 @@
           </a:prstGeom>
         </p:spPr>
       </p:pic>
+      <p:sp>
+        <p:nvSpPr>
+          <p:cNvPr id="7" name="矩形 6">
+            <a:extLst>
+              <a:ext uri="{FF2B5EF4-FFF2-40B4-BE49-F238E27FC236}">
+                <a16:creationId xmlns:a16="http://schemas.microsoft.com/office/drawing/2014/main" id="{5F7C6D02-CA37-4AF3-88C1-5F265D168DEA}"/>
+              </a:ext>
+            </a:extLst>
+          </p:cNvPr>
+          <p:cNvSpPr/>
+          <p:nvPr/>
+        </p:nvSpPr>
+        <p:spPr>
+          <a:xfrm>
+            <a:off x="703977" y="1409352"/>
+            <a:ext cx="9580927" cy="838898"/>
+          </a:xfrm>
+          <a:prstGeom prst="rect">
+            <a:avLst/>
+          </a:prstGeom>
+          <a:solidFill>
+            <a:schemeClr val="bg1"/>
+          </a:solidFill>
+          <a:ln>
+            <a:noFill/>
+          </a:ln>
+        </p:spPr>
+        <p:style>
+          <a:lnRef idx="2">
+            <a:schemeClr val="accent1">
+              <a:shade val="50000"/>
+            </a:schemeClr>
+          </a:lnRef>
+          <a:fillRef idx="1">
+            <a:schemeClr val="accent1"/>
+          </a:fillRef>
+          <a:effectRef idx="0">
+            <a:schemeClr val="accent1"/>
+          </a:effectRef>
+          <a:fontRef idx="minor">
+            <a:schemeClr val="lt1"/>
+          </a:fontRef>
+        </p:style>
+        <p:txBody>
+          <a:bodyPr rtlCol="0" anchor="ctr"/>
+          <a:lstStyle/>
+          <a:p>
+            <a:pPr algn="ctr"/>
+            <a:endParaRPr lang="zh-TW" altLang="en-US"/>
+          </a:p>
+        </p:txBody>
+      </p:sp>
+      <p:sp>
+        <p:nvSpPr>
+          <p:cNvPr id="8" name="文字方塊 7">
+            <a:extLst>
+              <a:ext uri="{FF2B5EF4-FFF2-40B4-BE49-F238E27FC236}">
+                <a16:creationId xmlns:a16="http://schemas.microsoft.com/office/drawing/2014/main" id="{831EDED6-D782-4266-A6E9-FBE93F974EC8}"/>
+              </a:ext>
+            </a:extLst>
+          </p:cNvPr>
+          <p:cNvSpPr txBox="1"/>
+          <p:nvPr/>
+        </p:nvSpPr>
+        <p:spPr>
+          <a:xfrm>
+            <a:off x="9766852" y="365125"/>
+            <a:ext cx="1586948" cy="400110"/>
+          </a:xfrm>
+          <a:prstGeom prst="rect">
+            <a:avLst/>
+          </a:prstGeom>
+          <a:noFill/>
+        </p:spPr>
+        <p:txBody>
+          <a:bodyPr wrap="square" rtlCol="0">
+            <a:spAutoFit/>
+          </a:bodyPr>
+          <a:lstStyle/>
+          <a:p>
+            <a:r>
+              <a:rPr lang="en-US" altLang="zh-TW" sz="2000" dirty="0" err="1">
+                <a:latin typeface="Times New Roman" panose="02020603050405020304" pitchFamily="18" charset="0"/>
+                <a:cs typeface="Times New Roman" panose="02020603050405020304" pitchFamily="18" charset="0"/>
+              </a:rPr>
+              <a:t>case_when</a:t>
+            </a:r>
+            <a:r>
+              <a:rPr lang="en-US" altLang="zh-TW" sz="2000" dirty="0">
+                <a:latin typeface="Times New Roman" panose="02020603050405020304" pitchFamily="18" charset="0"/>
+                <a:cs typeface="Times New Roman" panose="02020603050405020304" pitchFamily="18" charset="0"/>
+              </a:rPr>
+              <a:t>(...)</a:t>
+            </a:r>
+            <a:endParaRPr lang="zh-TW" altLang="en-US" sz="2000" dirty="0">
+              <a:latin typeface="Times New Roman" panose="02020603050405020304" pitchFamily="18" charset="0"/>
+              <a:cs typeface="Times New Roman" panose="02020603050405020304" pitchFamily="18" charset="0"/>
+            </a:endParaRPr>
+          </a:p>
+        </p:txBody>
+      </p:sp>
     </p:spTree>
     <p:extLst>
       <p:ext uri="{BB962C8B-B14F-4D97-AF65-F5344CB8AC3E}">
@@ -7158,6 +8906,104 @@
   <p:clrMapOvr>
     <a:masterClrMapping/>
   </p:clrMapOvr>
+  <mc:AlternateContent xmlns:mc="http://schemas.openxmlformats.org/markup-compatibility/2006" xmlns:p14="http://schemas.microsoft.com/office/powerpoint/2010/main">
+    <mc:Choice Requires="p14">
+      <p:transition spd="slow" p14:dur="2000">
+        <p:cut/>
+      </p:transition>
+    </mc:Choice>
+    <mc:Fallback xmlns="">
+      <p:transition spd="slow">
+        <p:cut/>
+      </p:transition>
+    </mc:Fallback>
+  </mc:AlternateContent>
+  <p:timing>
+    <p:tnLst>
+      <p:par>
+        <p:cTn id="1" dur="indefinite" restart="never" nodeType="tmRoot">
+          <p:childTnLst>
+            <p:seq concurrent="1" nextAc="seek">
+              <p:cTn id="2" dur="indefinite" nodeType="mainSeq">
+                <p:childTnLst>
+                  <p:par>
+                    <p:cTn id="3" fill="hold">
+                      <p:stCondLst>
+                        <p:cond delay="indefinite"/>
+                      </p:stCondLst>
+                      <p:childTnLst>
+                        <p:par>
+                          <p:cTn id="4" fill="hold">
+                            <p:stCondLst>
+                              <p:cond delay="0"/>
+                            </p:stCondLst>
+                            <p:childTnLst>
+                              <p:par>
+                                <p:cTn id="5" presetID="10" presetClass="exit" presetSubtype="0" fill="hold" grpId="0" nodeType="clickEffect">
+                                  <p:stCondLst>
+                                    <p:cond delay="0"/>
+                                  </p:stCondLst>
+                                  <p:childTnLst>
+                                    <p:animEffect transition="out" filter="fade">
+                                      <p:cBhvr>
+                                        <p:cTn id="6" dur="500"/>
+                                        <p:tgtEl>
+                                          <p:spTgt spid="7"/>
+                                        </p:tgtEl>
+                                      </p:cBhvr>
+                                    </p:animEffect>
+                                    <p:set>
+                                      <p:cBhvr>
+                                        <p:cTn id="7" dur="1" fill="hold">
+                                          <p:stCondLst>
+                                            <p:cond delay="499"/>
+                                          </p:stCondLst>
+                                        </p:cTn>
+                                        <p:tgtEl>
+                                          <p:spTgt spid="7"/>
+                                        </p:tgtEl>
+                                        <p:attrNameLst>
+                                          <p:attrName>style.visibility</p:attrName>
+                                        </p:attrNameLst>
+                                      </p:cBhvr>
+                                      <p:to>
+                                        <p:strVal val="hidden"/>
+                                      </p:to>
+                                    </p:set>
+                                  </p:childTnLst>
+                                </p:cTn>
+                              </p:par>
+                            </p:childTnLst>
+                          </p:cTn>
+                        </p:par>
+                      </p:childTnLst>
+                    </p:cTn>
+                  </p:par>
+                </p:childTnLst>
+              </p:cTn>
+              <p:prevCondLst>
+                <p:cond evt="onPrev" delay="0">
+                  <p:tgtEl>
+                    <p:sldTgt/>
+                  </p:tgtEl>
+                </p:cond>
+              </p:prevCondLst>
+              <p:nextCondLst>
+                <p:cond evt="onNext" delay="0">
+                  <p:tgtEl>
+                    <p:sldTgt/>
+                  </p:tgtEl>
+                </p:cond>
+              </p:nextCondLst>
+            </p:seq>
+          </p:childTnLst>
+        </p:cTn>
+      </p:par>
+    </p:tnLst>
+    <p:bldLst>
+      <p:bldP spid="7" grpId="0" animBg="1"/>
+    </p:bldLst>
+  </p:timing>
 </p:sld>
 </file>
 
@@ -7223,7 +9069,12 @@
             <p:ph idx="1"/>
           </p:nvPr>
         </p:nvSpPr>
-        <p:spPr/>
+        <p:spPr>
+          <a:xfrm>
+            <a:off x="838200" y="1205871"/>
+            <a:ext cx="10515600" cy="5001307"/>
+          </a:xfrm>
+        </p:spPr>
         <p:txBody>
           <a:bodyPr/>
           <a:lstStyle/>
@@ -7234,41 +9085,107 @@
             </a:r>
             <a:r>
               <a:rPr lang="en-US" altLang="zh-TW" dirty="0" err="1"/>
-              <a:t>github</a:t>
+              <a:t>Github</a:t>
             </a:r>
             <a:endParaRPr lang="en-US" altLang="zh-TW" dirty="0"/>
           </a:p>
           <a:p>
+            <a:r>
+              <a:rPr lang="en-US" altLang="zh-TW" dirty="0"/>
+              <a:t>https://github.com/b04901043/110-1_Quantitative_Methods_For_Decision_Making/tree/main/Video1</a:t>
+            </a:r>
+          </a:p>
+          <a:p>
+            <a:r>
+              <a:rPr lang="en-US" altLang="zh-TW" dirty="0">
+                <a:hlinkClick r:id="rId2"/>
+              </a:rPr>
+              <a:t>https://reurl.cc/vgx96A</a:t>
+            </a:r>
+            <a:endParaRPr lang="en-US" altLang="zh-TW" dirty="0"/>
+          </a:p>
+          <a:p>
+            <a:r>
+              <a:rPr lang="en-US" altLang="zh-TW" dirty="0"/>
+              <a:t>Files</a:t>
+            </a:r>
+          </a:p>
+          <a:p>
+            <a:pPr lvl="1"/>
+            <a:r>
+              <a:rPr lang="en-US" altLang="zh-TW" dirty="0" err="1"/>
+              <a:t>Video1.R</a:t>
+            </a:r>
+            <a:r>
+              <a:rPr lang="en-US" altLang="zh-TW" dirty="0"/>
+              <a:t> </a:t>
+            </a:r>
+          </a:p>
+          <a:p>
+            <a:pPr lvl="2"/>
+            <a:r>
+              <a:rPr lang="en-US" altLang="zh-TW" dirty="0"/>
+              <a:t>The script for this tutorial</a:t>
+            </a:r>
+          </a:p>
+          <a:p>
+            <a:pPr lvl="1"/>
+            <a:r>
+              <a:rPr lang="en-US" altLang="zh-TW" dirty="0"/>
+              <a:t>Video.pptx</a:t>
+            </a:r>
+          </a:p>
+          <a:p>
+            <a:pPr lvl="2"/>
+            <a:r>
+              <a:rPr lang="en-US" altLang="zh-TW" dirty="0"/>
+              <a:t>The content of this tutorial</a:t>
+            </a:r>
+          </a:p>
+          <a:p>
+            <a:pPr lvl="1"/>
+            <a:r>
+              <a:rPr lang="en-US" altLang="zh-TW" dirty="0"/>
+              <a:t>Readme.md</a:t>
+            </a:r>
+          </a:p>
+          <a:p>
+            <a:pPr lvl="2"/>
+            <a:r>
+              <a:rPr lang="en-US" altLang="zh-TW" dirty="0"/>
+              <a:t>Notes for Video 1</a:t>
+            </a:r>
+          </a:p>
+          <a:p>
+            <a:pPr lvl="1"/>
+            <a:r>
+              <a:rPr lang="en-US" altLang="zh-TW" dirty="0"/>
+              <a:t>MRT_data_2021.csv</a:t>
+            </a:r>
+          </a:p>
+          <a:p>
+            <a:pPr lvl="2"/>
+            <a:r>
+              <a:rPr lang="en-US" altLang="zh-TW" dirty="0"/>
+              <a:t>Taipei Metro 2021 data for practice</a:t>
+            </a:r>
+          </a:p>
+          <a:p>
+            <a:pPr lvl="2"/>
+            <a:r>
+              <a:rPr lang="en-US" altLang="zh-TW" dirty="0"/>
+              <a:t>Open source from: </a:t>
+            </a:r>
+            <a:r>
+              <a:rPr lang="en-US" altLang="zh-TW" dirty="0">
+                <a:hlinkClick r:id="rId3"/>
+              </a:rPr>
+              <a:t>https://www.metro.taipei/cp.aspx?n=FF31501BEBDD0136</a:t>
+            </a:r>
+            <a:endParaRPr lang="en-US" altLang="zh-TW" dirty="0"/>
+          </a:p>
+          <a:p>
             <a:endParaRPr lang="zh-TW" altLang="en-US" dirty="0"/>
-          </a:p>
-        </p:txBody>
-      </p:sp>
-      <p:sp>
-        <p:nvSpPr>
-          <p:cNvPr id="4" name="日期版面配置區 3">
-            <a:extLst>
-              <a:ext uri="{FF2B5EF4-FFF2-40B4-BE49-F238E27FC236}">
-                <a16:creationId xmlns:a16="http://schemas.microsoft.com/office/drawing/2014/main" id="{CAB8C4F5-B1E4-41BD-92DB-AA149E4EC0D6}"/>
-              </a:ext>
-            </a:extLst>
-          </p:cNvPr>
-          <p:cNvSpPr>
-            <a:spLocks noGrp="1"/>
-          </p:cNvSpPr>
-          <p:nvPr>
-            <p:ph type="dt" sz="half" idx="10"/>
-          </p:nvPr>
-        </p:nvSpPr>
-        <p:spPr/>
-        <p:txBody>
-          <a:bodyPr/>
-          <a:lstStyle/>
-          <a:p>
-            <a:r>
-              <a:rPr lang="en-US" altLang="zh-TW"/>
-              <a:t>2021/11/26</a:t>
-            </a:r>
-            <a:endParaRPr lang="zh-TW" altLang="en-US"/>
           </a:p>
         </p:txBody>
       </p:sp>
@@ -7302,6 +9219,53 @@
           </a:p>
         </p:txBody>
       </p:sp>
+      <p:pic>
+        <p:nvPicPr>
+          <p:cNvPr id="1026" name="Picture 2">
+            <a:extLst>
+              <a:ext uri="{FF2B5EF4-FFF2-40B4-BE49-F238E27FC236}">
+                <a16:creationId xmlns:a16="http://schemas.microsoft.com/office/drawing/2014/main" id="{DF750251-0ECB-4508-9F28-EF04D3902DA3}"/>
+              </a:ext>
+            </a:extLst>
+          </p:cNvPr>
+          <p:cNvPicPr>
+            <a:picLocks noChangeAspect="1" noChangeArrowheads="1"/>
+          </p:cNvPicPr>
+          <p:nvPr/>
+        </p:nvPicPr>
+        <p:blipFill>
+          <a:blip r:embed="rId4">
+            <a:extLst>
+              <a:ext uri="{28A0092B-C50C-407E-A947-70E740481C1C}">
+                <a14:useLocalDpi xmlns:a14="http://schemas.microsoft.com/office/drawing/2010/main" val="0"/>
+              </a:ext>
+            </a:extLst>
+          </a:blip>
+          <a:srcRect/>
+          <a:stretch>
+            <a:fillRect/>
+          </a:stretch>
+        </p:blipFill>
+        <p:spPr bwMode="auto">
+          <a:xfrm>
+            <a:off x="9106337" y="2277774"/>
+            <a:ext cx="1428750" cy="1428750"/>
+          </a:xfrm>
+          <a:prstGeom prst="rect">
+            <a:avLst/>
+          </a:prstGeom>
+          <a:noFill/>
+          <a:extLst>
+            <a:ext uri="{909E8E84-426E-40DD-AFC4-6F175D3DCCD1}">
+              <a14:hiddenFill xmlns:a14="http://schemas.microsoft.com/office/drawing/2010/main">
+                <a:solidFill>
+                  <a:srgbClr val="FFFFFF"/>
+                </a:solidFill>
+              </a14:hiddenFill>
+            </a:ext>
+          </a:extLst>
+        </p:spPr>
+      </p:pic>
     </p:spTree>
     <p:extLst>
       <p:ext uri="{BB962C8B-B14F-4D97-AF65-F5344CB8AC3E}">
@@ -7312,6 +9276,18 @@
   <p:clrMapOvr>
     <a:masterClrMapping/>
   </p:clrMapOvr>
+  <mc:AlternateContent xmlns:mc="http://schemas.openxmlformats.org/markup-compatibility/2006" xmlns:p14="http://schemas.microsoft.com/office/powerpoint/2010/main">
+    <mc:Choice Requires="p14">
+      <p:transition spd="slow" p14:dur="2000">
+        <p:cut/>
+      </p:transition>
+    </mc:Choice>
+    <mc:Fallback xmlns="">
+      <p:transition spd="slow">
+        <p:cut/>
+      </p:transition>
+    </mc:Fallback>
+  </mc:AlternateContent>
 </p:sld>
 </file>
 
@@ -7337,115 +9313,76 @@
           <p:cNvPr id="2" name="標題 1">
             <a:extLst>
               <a:ext uri="{FF2B5EF4-FFF2-40B4-BE49-F238E27FC236}">
-                <a16:creationId xmlns:a16="http://schemas.microsoft.com/office/drawing/2014/main" id="{74296E90-EEBF-4D8F-9B01-7A83566D001C}"/>
-              </a:ext>
-            </a:extLst>
-          </p:cNvPr>
-          <p:cNvSpPr>
-            <a:spLocks noGrp="1"/>
-          </p:cNvSpPr>
-          <p:nvPr>
-            <p:ph type="title"/>
-          </p:nvPr>
-        </p:nvSpPr>
-        <p:spPr/>
-        <p:txBody>
-          <a:bodyPr/>
-          <a:lstStyle/>
-          <a:p>
-            <a:endParaRPr lang="zh-TW" altLang="en-US"/>
-          </a:p>
-        </p:txBody>
-      </p:sp>
-      <p:sp>
-        <p:nvSpPr>
-          <p:cNvPr id="3" name="內容版面配置區 2">
-            <a:extLst>
-              <a:ext uri="{FF2B5EF4-FFF2-40B4-BE49-F238E27FC236}">
-                <a16:creationId xmlns:a16="http://schemas.microsoft.com/office/drawing/2014/main" id="{F7405003-6316-434C-A037-78C3D4A33300}"/>
-              </a:ext>
-            </a:extLst>
-          </p:cNvPr>
-          <p:cNvSpPr>
-            <a:spLocks noGrp="1"/>
-          </p:cNvSpPr>
-          <p:nvPr>
-            <p:ph idx="1"/>
-          </p:nvPr>
-        </p:nvSpPr>
-        <p:spPr/>
-        <p:txBody>
-          <a:bodyPr/>
-          <a:lstStyle/>
-          <a:p>
-            <a:r>
-              <a:rPr lang="en-US" altLang="zh-TW" dirty="0" err="1"/>
-              <a:t>if_else</a:t>
-            </a:r>
+                <a16:creationId xmlns:a16="http://schemas.microsoft.com/office/drawing/2014/main" id="{253E0F84-9C10-4C63-9271-048850159832}"/>
+              </a:ext>
+            </a:extLst>
+          </p:cNvPr>
+          <p:cNvSpPr>
+            <a:spLocks noGrp="1"/>
+          </p:cNvSpPr>
+          <p:nvPr>
+            <p:ph type="ctrTitle"/>
+          </p:nvPr>
+        </p:nvSpPr>
+        <p:spPr/>
+        <p:txBody>
+          <a:bodyPr/>
+          <a:lstStyle/>
+          <a:p>
             <a:r>
               <a:rPr lang="en-US" altLang="zh-TW" dirty="0"/>
-              <a:t> (condition, true, false, </a:t>
-            </a:r>
-            <a:r>
-              <a:rPr lang="en-US" altLang="zh-TW" dirty="0" err="1"/>
-              <a:t>missing_value</a:t>
-            </a:r>
+              <a:t>Thank You</a:t>
+            </a:r>
+            <a:endParaRPr lang="zh-TW" altLang="en-US" dirty="0"/>
+          </a:p>
+        </p:txBody>
+      </p:sp>
+      <p:sp>
+        <p:nvSpPr>
+          <p:cNvPr id="3" name="副標題 2">
+            <a:extLst>
+              <a:ext uri="{FF2B5EF4-FFF2-40B4-BE49-F238E27FC236}">
+                <a16:creationId xmlns:a16="http://schemas.microsoft.com/office/drawing/2014/main" id="{00320242-7CA5-4F13-B140-79B77F95B713}"/>
+              </a:ext>
+            </a:extLst>
+          </p:cNvPr>
+          <p:cNvSpPr>
+            <a:spLocks noGrp="1"/>
+          </p:cNvSpPr>
+          <p:nvPr>
+            <p:ph type="subTitle" idx="1"/>
+          </p:nvPr>
+        </p:nvSpPr>
+        <p:spPr/>
+        <p:txBody>
+          <a:bodyPr/>
+          <a:lstStyle/>
+          <a:p>
             <a:r>
               <a:rPr lang="en-US" altLang="zh-TW" dirty="0"/>
-              <a:t> = NULL</a:t>
-            </a:r>
-          </a:p>
-          <a:p>
+              <a:t>Any question</a:t>
+            </a:r>
+            <a:r>
+              <a:rPr lang="zh-TW" altLang="en-US" dirty="0"/>
+              <a:t> </a:t>
+            </a:r>
             <a:r>
               <a:rPr lang="en-US" altLang="zh-TW" dirty="0"/>
-              <a:t>if else vs </a:t>
-            </a:r>
-            <a:r>
-              <a:rPr lang="en-US" altLang="zh-TW" dirty="0" err="1"/>
-              <a:t>if_else</a:t>
-            </a:r>
-            <a:endParaRPr lang="en-US" altLang="zh-TW" dirty="0"/>
-          </a:p>
-          <a:p>
+              <a:t>please contact: </a:t>
+            </a:r>
             <a:r>
               <a:rPr lang="en-US" altLang="zh-TW" dirty="0">
                 <a:hlinkClick r:id="rId2"/>
               </a:rPr>
-              <a:t>https://stackoverflow.com/questions/24459752/can-dplyr-package-be-used-for-conditional-mutating</a:t>
+              <a:t>r08943016@ntu.edu.tw</a:t>
             </a:r>
             <a:endParaRPr lang="en-US" altLang="zh-TW" dirty="0"/>
           </a:p>
           <a:p>
-            <a:endParaRPr lang="zh-TW" altLang="en-US" dirty="0"/>
-          </a:p>
-        </p:txBody>
-      </p:sp>
-      <p:sp>
-        <p:nvSpPr>
-          <p:cNvPr id="4" name="日期版面配置區 3">
-            <a:extLst>
-              <a:ext uri="{FF2B5EF4-FFF2-40B4-BE49-F238E27FC236}">
-                <a16:creationId xmlns:a16="http://schemas.microsoft.com/office/drawing/2014/main" id="{CEB4B292-01A7-4970-8C84-54C68EA167B2}"/>
-              </a:ext>
-            </a:extLst>
-          </p:cNvPr>
-          <p:cNvSpPr>
-            <a:spLocks noGrp="1"/>
-          </p:cNvSpPr>
-          <p:nvPr>
-            <p:ph type="dt" sz="half" idx="10"/>
-          </p:nvPr>
-        </p:nvSpPr>
-        <p:spPr/>
-        <p:txBody>
-          <a:bodyPr/>
-          <a:lstStyle/>
-          <a:p>
-            <a:r>
-              <a:rPr lang="en-US" altLang="zh-TW"/>
-              <a:t>2021/11/26</a:t>
-            </a:r>
-            <a:endParaRPr lang="zh-TW" altLang="en-US"/>
+            <a:r>
+              <a:rPr lang="zh-TW" altLang="en-US" dirty="0"/>
+              <a:t>吳諺倫</a:t>
+            </a:r>
           </a:p>
         </p:txBody>
       </p:sp>
@@ -7454,7 +9391,7 @@
           <p:cNvPr id="5" name="投影片編號版面配置區 4">
             <a:extLst>
               <a:ext uri="{FF2B5EF4-FFF2-40B4-BE49-F238E27FC236}">
-                <a16:creationId xmlns:a16="http://schemas.microsoft.com/office/drawing/2014/main" id="{0E415C0C-ECAD-4944-AABC-1D4AD3CAD4B8}"/>
+                <a16:creationId xmlns:a16="http://schemas.microsoft.com/office/drawing/2014/main" id="{8A7AE173-D7D8-43F7-BB87-3B4EF6B4EEB1}"/>
               </a:ext>
             </a:extLst>
           </p:cNvPr>
@@ -7472,7 +9409,6 @@
           <a:p>
             <a:fld id="{93505084-60DD-4D79-B665-49CF61585407}" type="slidenum">
               <a:rPr lang="zh-TW" altLang="en-US" smtClean="0"/>
-              <a:pPr/>
               <a:t>30</a:t>
             </a:fld>
             <a:endParaRPr lang="zh-TW" altLang="en-US"/>
@@ -7482,13 +9418,25 @@
     </p:spTree>
     <p:extLst>
       <p:ext uri="{BB962C8B-B14F-4D97-AF65-F5344CB8AC3E}">
-        <p14:creationId xmlns:p14="http://schemas.microsoft.com/office/powerpoint/2010/main" val="3443918445"/>
+        <p14:creationId xmlns:p14="http://schemas.microsoft.com/office/powerpoint/2010/main" val="427380808"/>
       </p:ext>
     </p:extLst>
   </p:cSld>
   <p:clrMapOvr>
     <a:masterClrMapping/>
   </p:clrMapOvr>
+  <mc:AlternateContent xmlns:mc="http://schemas.openxmlformats.org/markup-compatibility/2006" xmlns:p14="http://schemas.microsoft.com/office/powerpoint/2010/main">
+    <mc:Choice Requires="p14">
+      <p:transition spd="slow" p14:dur="2000">
+        <p:cut/>
+      </p:transition>
+    </mc:Choice>
+    <mc:Fallback xmlns="">
+      <p:transition spd="slow">
+        <p:cut/>
+      </p:transition>
+    </mc:Fallback>
+  </mc:AlternateContent>
 </p:sld>
 </file>
 
@@ -7514,7 +9462,7 @@
           <p:cNvPr id="2" name="標題 1">
             <a:extLst>
               <a:ext uri="{FF2B5EF4-FFF2-40B4-BE49-F238E27FC236}">
-                <a16:creationId xmlns:a16="http://schemas.microsoft.com/office/drawing/2014/main" id="{AAB8C61F-16F5-4EBB-AE70-1A0C0516D3F2}"/>
+                <a16:creationId xmlns:a16="http://schemas.microsoft.com/office/drawing/2014/main" id="{E7D4165F-2906-48D5-A0E0-A2A1344D0E30}"/>
               </a:ext>
             </a:extLst>
           </p:cNvPr>
@@ -7532,7 +9480,7 @@
           <a:p>
             <a:r>
               <a:rPr lang="en-US" altLang="zh-TW" dirty="0"/>
-              <a:t>Practice</a:t>
+              <a:t>Reference</a:t>
             </a:r>
             <a:endParaRPr lang="zh-TW" altLang="en-US" dirty="0"/>
           </a:p>
@@ -7543,7 +9491,7 @@
           <p:cNvPr id="3" name="內容版面配置區 2">
             <a:extLst>
               <a:ext uri="{FF2B5EF4-FFF2-40B4-BE49-F238E27FC236}">
-                <a16:creationId xmlns:a16="http://schemas.microsoft.com/office/drawing/2014/main" id="{26304D57-2EF1-4292-9679-8173BC15C56A}"/>
+                <a16:creationId xmlns:a16="http://schemas.microsoft.com/office/drawing/2014/main" id="{CFAEDD0B-199A-4E94-9268-8BE7EC9F1BB7}"/>
               </a:ext>
             </a:extLst>
           </p:cNvPr>
@@ -7563,50 +9511,63 @@
               <a:rPr lang="en-US" altLang="zh-TW" dirty="0">
                 <a:hlinkClick r:id="rId2"/>
               </a:rPr>
+              <a:t>https://www.datasciencemadesimple.com/calculate-percentile-quantile-n-tile-of-dataframe-in-r-using-dplyr-create-column-with-percentile-rank/</a:t>
+            </a:r>
+            <a:endParaRPr lang="en-US" altLang="zh-TW" dirty="0"/>
+          </a:p>
+          <a:p>
+            <a:r>
+              <a:rPr lang="en-US" altLang="zh-TW" dirty="0">
+                <a:hlinkClick r:id="rId3"/>
+              </a:rPr>
+              <a:t>https://www.datasciencemadesimple.com/case-statement-r-using-case_when-dplyr/</a:t>
+            </a:r>
+            <a:endParaRPr lang="en-US" altLang="zh-TW" dirty="0"/>
+          </a:p>
+          <a:p>
+            <a:r>
+              <a:rPr lang="en-US" altLang="zh-TW" dirty="0">
+                <a:hlinkClick r:id="rId4"/>
+              </a:rPr>
               <a:t>https://www.metro.taipei/cp.aspx?n=FF31501BEBDD0136</a:t>
             </a:r>
             <a:endParaRPr lang="en-US" altLang="zh-TW" dirty="0"/>
           </a:p>
           <a:p>
+            <a:r>
+              <a:rPr lang="en-US" altLang="zh-TW" dirty="0">
+                <a:hlinkClick r:id="rId5"/>
+              </a:rPr>
+              <a:t>https://dplyr.tidyverse.org/</a:t>
+            </a:r>
+            <a:endParaRPr lang="en-US" altLang="zh-TW" dirty="0"/>
+          </a:p>
+          <a:p>
+            <a:r>
+              <a:rPr lang="en-US" altLang="zh-TW" dirty="0">
+                <a:hlinkClick r:id="rId6"/>
+              </a:rPr>
+              <a:t>https://www.rstudio.com/wp-content/uploads/2015/02/data-wrangling-cheatsheet.pdf</a:t>
+            </a:r>
+            <a:endParaRPr lang="en-US" altLang="zh-TW" dirty="0"/>
+          </a:p>
+          <a:p>
+            <a:endParaRPr lang="en-US" altLang="zh-TW" dirty="0"/>
+          </a:p>
+          <a:p>
+            <a:endParaRPr lang="en-US" altLang="zh-TW" dirty="0"/>
+          </a:p>
+          <a:p>
             <a:endParaRPr lang="zh-TW" altLang="en-US" dirty="0"/>
           </a:p>
         </p:txBody>
       </p:sp>
       <p:sp>
         <p:nvSpPr>
-          <p:cNvPr id="4" name="日期版面配置區 3">
-            <a:extLst>
-              <a:ext uri="{FF2B5EF4-FFF2-40B4-BE49-F238E27FC236}">
-                <a16:creationId xmlns:a16="http://schemas.microsoft.com/office/drawing/2014/main" id="{C9B139A9-E622-4725-92DB-D96C2DD76A62}"/>
-              </a:ext>
-            </a:extLst>
-          </p:cNvPr>
-          <p:cNvSpPr>
-            <a:spLocks noGrp="1"/>
-          </p:cNvSpPr>
-          <p:nvPr>
-            <p:ph type="dt" sz="half" idx="10"/>
-          </p:nvPr>
-        </p:nvSpPr>
-        <p:spPr/>
-        <p:txBody>
-          <a:bodyPr/>
-          <a:lstStyle/>
-          <a:p>
-            <a:r>
-              <a:rPr lang="en-US" altLang="zh-TW"/>
-              <a:t>2021/11/26</a:t>
-            </a:r>
-            <a:endParaRPr lang="zh-TW" altLang="en-US"/>
-          </a:p>
-        </p:txBody>
-      </p:sp>
-      <p:sp>
-        <p:nvSpPr>
           <p:cNvPr id="5" name="投影片編號版面配置區 4">
             <a:extLst>
               <a:ext uri="{FF2B5EF4-FFF2-40B4-BE49-F238E27FC236}">
-                <a16:creationId xmlns:a16="http://schemas.microsoft.com/office/drawing/2014/main" id="{69746682-646C-41A5-B58B-CF4AA9D720A7}"/>
+                <a16:creationId xmlns:a16="http://schemas.microsoft.com/office/drawing/2014/main" id="{4C5D0D54-1408-47C2-B92F-CD609D7271A7}"/>
               </a:ext>
             </a:extLst>
           </p:cNvPr>
@@ -7626,166 +9587,6 @@
               <a:rPr lang="zh-TW" altLang="en-US" smtClean="0"/>
               <a:pPr/>
               <a:t>31</a:t>
-            </a:fld>
-            <a:endParaRPr lang="zh-TW" altLang="en-US"/>
-          </a:p>
-        </p:txBody>
-      </p:sp>
-    </p:spTree>
-    <p:extLst>
-      <p:ext uri="{BB962C8B-B14F-4D97-AF65-F5344CB8AC3E}">
-        <p14:creationId xmlns:p14="http://schemas.microsoft.com/office/powerpoint/2010/main" val="62569626"/>
-      </p:ext>
-    </p:extLst>
-  </p:cSld>
-  <p:clrMapOvr>
-    <a:masterClrMapping/>
-  </p:clrMapOvr>
-</p:sld>
-</file>
-
-<file path=ppt/slides/slide32.xml><?xml version="1.0" encoding="utf-8"?>
-<p:sld xmlns:a="http://schemas.openxmlformats.org/drawingml/2006/main" xmlns:r="http://schemas.openxmlformats.org/officeDocument/2006/relationships" xmlns:p="http://schemas.openxmlformats.org/presentationml/2006/main">
-  <p:cSld>
-    <p:spTree>
-      <p:nvGrpSpPr>
-        <p:cNvPr id="1" name=""/>
-        <p:cNvGrpSpPr/>
-        <p:nvPr/>
-      </p:nvGrpSpPr>
-      <p:grpSpPr>
-        <a:xfrm>
-          <a:off x="0" y="0"/>
-          <a:ext cx="0" cy="0"/>
-          <a:chOff x="0" y="0"/>
-          <a:chExt cx="0" cy="0"/>
-        </a:xfrm>
-      </p:grpSpPr>
-      <p:sp>
-        <p:nvSpPr>
-          <p:cNvPr id="2" name="標題 1">
-            <a:extLst>
-              <a:ext uri="{FF2B5EF4-FFF2-40B4-BE49-F238E27FC236}">
-                <a16:creationId xmlns:a16="http://schemas.microsoft.com/office/drawing/2014/main" id="{E7D4165F-2906-48D5-A0E0-A2A1344D0E30}"/>
-              </a:ext>
-            </a:extLst>
-          </p:cNvPr>
-          <p:cNvSpPr>
-            <a:spLocks noGrp="1"/>
-          </p:cNvSpPr>
-          <p:nvPr>
-            <p:ph type="title"/>
-          </p:nvPr>
-        </p:nvSpPr>
-        <p:spPr/>
-        <p:txBody>
-          <a:bodyPr/>
-          <a:lstStyle/>
-          <a:p>
-            <a:endParaRPr lang="zh-TW" altLang="en-US" dirty="0"/>
-          </a:p>
-        </p:txBody>
-      </p:sp>
-      <p:sp>
-        <p:nvSpPr>
-          <p:cNvPr id="3" name="內容版面配置區 2">
-            <a:extLst>
-              <a:ext uri="{FF2B5EF4-FFF2-40B4-BE49-F238E27FC236}">
-                <a16:creationId xmlns:a16="http://schemas.microsoft.com/office/drawing/2014/main" id="{CFAEDD0B-199A-4E94-9268-8BE7EC9F1BB7}"/>
-              </a:ext>
-            </a:extLst>
-          </p:cNvPr>
-          <p:cNvSpPr>
-            <a:spLocks noGrp="1"/>
-          </p:cNvSpPr>
-          <p:nvPr>
-            <p:ph idx="1"/>
-          </p:nvPr>
-        </p:nvSpPr>
-        <p:spPr/>
-        <p:txBody>
-          <a:bodyPr/>
-          <a:lstStyle/>
-          <a:p>
-            <a:r>
-              <a:rPr lang="en-US" altLang="zh-TW" dirty="0">
-                <a:hlinkClick r:id="rId2"/>
-              </a:rPr>
-              <a:t>https://www.datasciencemadesimple.com/calculate-percentile-quantile-n-tile-of-dataframe-in-r-using-dplyr-create-column-with-percentile-rank/</a:t>
-            </a:r>
-            <a:endParaRPr lang="en-US" altLang="zh-TW" dirty="0"/>
-          </a:p>
-          <a:p>
-            <a:r>
-              <a:rPr lang="en-US" altLang="zh-TW" dirty="0">
-                <a:hlinkClick r:id="rId3"/>
-              </a:rPr>
-              <a:t>https://www.datasciencemadesimple.com/case-statement-r-using-case_when-dplyr/</a:t>
-            </a:r>
-            <a:endParaRPr lang="en-US" altLang="zh-TW" dirty="0"/>
-          </a:p>
-          <a:p>
-            <a:endParaRPr lang="en-US" altLang="zh-TW" dirty="0"/>
-          </a:p>
-          <a:p>
-            <a:endParaRPr lang="zh-TW" altLang="en-US" dirty="0"/>
-          </a:p>
-        </p:txBody>
-      </p:sp>
-      <p:sp>
-        <p:nvSpPr>
-          <p:cNvPr id="4" name="日期版面配置區 3">
-            <a:extLst>
-              <a:ext uri="{FF2B5EF4-FFF2-40B4-BE49-F238E27FC236}">
-                <a16:creationId xmlns:a16="http://schemas.microsoft.com/office/drawing/2014/main" id="{518CD1CE-6420-4FA3-B9DA-C2FFDAF96640}"/>
-              </a:ext>
-            </a:extLst>
-          </p:cNvPr>
-          <p:cNvSpPr>
-            <a:spLocks noGrp="1"/>
-          </p:cNvSpPr>
-          <p:nvPr>
-            <p:ph type="dt" sz="half" idx="10"/>
-          </p:nvPr>
-        </p:nvSpPr>
-        <p:spPr/>
-        <p:txBody>
-          <a:bodyPr/>
-          <a:lstStyle/>
-          <a:p>
-            <a:r>
-              <a:rPr lang="en-US" altLang="zh-TW"/>
-              <a:t>2021/11/26</a:t>
-            </a:r>
-            <a:endParaRPr lang="zh-TW" altLang="en-US"/>
-          </a:p>
-        </p:txBody>
-      </p:sp>
-      <p:sp>
-        <p:nvSpPr>
-          <p:cNvPr id="5" name="投影片編號版面配置區 4">
-            <a:extLst>
-              <a:ext uri="{FF2B5EF4-FFF2-40B4-BE49-F238E27FC236}">
-                <a16:creationId xmlns:a16="http://schemas.microsoft.com/office/drawing/2014/main" id="{4C5D0D54-1408-47C2-B92F-CD609D7271A7}"/>
-              </a:ext>
-            </a:extLst>
-          </p:cNvPr>
-          <p:cNvSpPr>
-            <a:spLocks noGrp="1"/>
-          </p:cNvSpPr>
-          <p:nvPr>
-            <p:ph type="sldNum" sz="quarter" idx="12"/>
-          </p:nvPr>
-        </p:nvSpPr>
-        <p:spPr/>
-        <p:txBody>
-          <a:bodyPr/>
-          <a:lstStyle/>
-          <a:p>
-            <a:fld id="{93505084-60DD-4D79-B665-49CF61585407}" type="slidenum">
-              <a:rPr lang="zh-TW" altLang="en-US" smtClean="0"/>
-              <a:pPr/>
-              <a:t>32</a:t>
             </a:fld>
             <a:endParaRPr lang="zh-TW" altLang="en-US"/>
           </a:p>
@@ -7801,6 +9602,18 @@
   <p:clrMapOvr>
     <a:masterClrMapping/>
   </p:clrMapOvr>
+  <mc:AlternateContent xmlns:mc="http://schemas.openxmlformats.org/markup-compatibility/2006" xmlns:p14="http://schemas.microsoft.com/office/powerpoint/2010/main">
+    <mc:Choice Requires="p14">
+      <p:transition spd="slow" p14:dur="2000">
+        <p:cut/>
+      </p:transition>
+    </mc:Choice>
+    <mc:Fallback xmlns="">
+      <p:transition spd="slow">
+        <p:cut/>
+      </p:transition>
+    </mc:Fallback>
+  </mc:AlternateContent>
 </p:sld>
 </file>
 
@@ -7872,35 +9685,6 @@
           <a:lstStyle/>
           <a:p>
             <a:endParaRPr lang="zh-TW" altLang="en-US" dirty="0"/>
-          </a:p>
-        </p:txBody>
-      </p:sp>
-      <p:sp>
-        <p:nvSpPr>
-          <p:cNvPr id="4" name="日期版面配置區 3">
-            <a:extLst>
-              <a:ext uri="{FF2B5EF4-FFF2-40B4-BE49-F238E27FC236}">
-                <a16:creationId xmlns:a16="http://schemas.microsoft.com/office/drawing/2014/main" id="{12E1D8AB-2E81-4244-997F-A3B0B4C2EBED}"/>
-              </a:ext>
-            </a:extLst>
-          </p:cNvPr>
-          <p:cNvSpPr>
-            <a:spLocks noGrp="1"/>
-          </p:cNvSpPr>
-          <p:nvPr>
-            <p:ph type="dt" sz="half" idx="10"/>
-          </p:nvPr>
-        </p:nvSpPr>
-        <p:spPr/>
-        <p:txBody>
-          <a:bodyPr/>
-          <a:lstStyle/>
-          <a:p>
-            <a:r>
-              <a:rPr lang="en-US" altLang="zh-TW"/>
-              <a:t>2021/11/26</a:t>
-            </a:r>
-            <a:endParaRPr lang="zh-TW" altLang="en-US"/>
           </a:p>
         </p:txBody>
       </p:sp>
@@ -7974,6 +9758,18 @@
   <p:clrMapOvr>
     <a:masterClrMapping/>
   </p:clrMapOvr>
+  <mc:AlternateContent xmlns:mc="http://schemas.openxmlformats.org/markup-compatibility/2006" xmlns:p14="http://schemas.microsoft.com/office/powerpoint/2010/main">
+    <mc:Choice Requires="p14">
+      <p:transition spd="slow" p14:dur="2000">
+        <p:cut/>
+      </p:transition>
+    </mc:Choice>
+    <mc:Fallback xmlns="">
+      <p:transition spd="slow">
+        <p:cut/>
+      </p:transition>
+    </mc:Fallback>
+  </mc:AlternateContent>
 </p:sld>
 </file>
 
@@ -8015,7 +9811,11 @@
           <a:bodyPr/>
           <a:lstStyle/>
           <a:p>
-            <a:endParaRPr lang="zh-TW" altLang="en-US"/>
+            <a:r>
+              <a:rPr lang="en-US" altLang="zh-TW" dirty="0"/>
+              <a:t>Data for example</a:t>
+            </a:r>
+            <a:endParaRPr lang="zh-TW" altLang="en-US" dirty="0"/>
           </a:p>
         </p:txBody>
       </p:sp>
@@ -8040,36 +9840,7 @@
           <a:bodyPr/>
           <a:lstStyle/>
           <a:p>
-            <a:endParaRPr lang="zh-TW" altLang="en-US"/>
-          </a:p>
-        </p:txBody>
-      </p:sp>
-      <p:sp>
-        <p:nvSpPr>
-          <p:cNvPr id="4" name="日期版面配置區 3">
-            <a:extLst>
-              <a:ext uri="{FF2B5EF4-FFF2-40B4-BE49-F238E27FC236}">
-                <a16:creationId xmlns:a16="http://schemas.microsoft.com/office/drawing/2014/main" id="{70DCE139-EDCB-4184-9404-154E2B064030}"/>
-              </a:ext>
-            </a:extLst>
-          </p:cNvPr>
-          <p:cNvSpPr>
-            <a:spLocks noGrp="1"/>
-          </p:cNvSpPr>
-          <p:nvPr>
-            <p:ph type="dt" sz="half" idx="10"/>
-          </p:nvPr>
-        </p:nvSpPr>
-        <p:spPr/>
-        <p:txBody>
-          <a:bodyPr/>
-          <a:lstStyle/>
-          <a:p>
-            <a:r>
-              <a:rPr lang="en-US" altLang="zh-TW"/>
-              <a:t>2021/11/26</a:t>
-            </a:r>
-            <a:endParaRPr lang="zh-TW" altLang="en-US"/>
+            <a:endParaRPr lang="zh-TW" altLang="en-US" dirty="0"/>
           </a:p>
         </p:txBody>
       </p:sp>
@@ -8125,7 +9896,7 @@
         </p:blipFill>
         <p:spPr>
           <a:xfrm>
-            <a:off x="1715047" y="914714"/>
+            <a:off x="838200" y="1205871"/>
             <a:ext cx="8761905" cy="5028571"/>
           </a:xfrm>
           <a:prstGeom prst="rect">
@@ -8133,6 +9904,58 @@
           </a:prstGeom>
         </p:spPr>
       </p:pic>
+      <p:sp>
+        <p:nvSpPr>
+          <p:cNvPr id="7" name="矩形 6">
+            <a:extLst>
+              <a:ext uri="{FF2B5EF4-FFF2-40B4-BE49-F238E27FC236}">
+                <a16:creationId xmlns:a16="http://schemas.microsoft.com/office/drawing/2014/main" id="{AF6ED292-2D32-450D-8DBF-8CBF15F492FF}"/>
+              </a:ext>
+            </a:extLst>
+          </p:cNvPr>
+          <p:cNvSpPr/>
+          <p:nvPr/>
+        </p:nvSpPr>
+        <p:spPr>
+          <a:xfrm>
+            <a:off x="838200" y="2701255"/>
+            <a:ext cx="9580927" cy="3505923"/>
+          </a:xfrm>
+          <a:prstGeom prst="rect">
+            <a:avLst/>
+          </a:prstGeom>
+          <a:solidFill>
+            <a:schemeClr val="bg1"/>
+          </a:solidFill>
+          <a:ln>
+            <a:noFill/>
+          </a:ln>
+        </p:spPr>
+        <p:style>
+          <a:lnRef idx="2">
+            <a:schemeClr val="accent1">
+              <a:shade val="50000"/>
+            </a:schemeClr>
+          </a:lnRef>
+          <a:fillRef idx="1">
+            <a:schemeClr val="accent1"/>
+          </a:fillRef>
+          <a:effectRef idx="0">
+            <a:schemeClr val="accent1"/>
+          </a:effectRef>
+          <a:fontRef idx="minor">
+            <a:schemeClr val="lt1"/>
+          </a:fontRef>
+        </p:style>
+        <p:txBody>
+          <a:bodyPr rtlCol="0" anchor="ctr"/>
+          <a:lstStyle/>
+          <a:p>
+            <a:pPr algn="ctr"/>
+            <a:endParaRPr lang="zh-TW" altLang="en-US"/>
+          </a:p>
+        </p:txBody>
+      </p:sp>
     </p:spTree>
     <p:extLst>
       <p:ext uri="{BB962C8B-B14F-4D97-AF65-F5344CB8AC3E}">
@@ -8143,6 +9966,104 @@
   <p:clrMapOvr>
     <a:masterClrMapping/>
   </p:clrMapOvr>
+  <mc:AlternateContent xmlns:mc="http://schemas.openxmlformats.org/markup-compatibility/2006" xmlns:p14="http://schemas.microsoft.com/office/powerpoint/2010/main">
+    <mc:Choice Requires="p14">
+      <p:transition spd="slow" p14:dur="2000">
+        <p:cut/>
+      </p:transition>
+    </mc:Choice>
+    <mc:Fallback xmlns="">
+      <p:transition spd="slow">
+        <p:cut/>
+      </p:transition>
+    </mc:Fallback>
+  </mc:AlternateContent>
+  <p:timing>
+    <p:tnLst>
+      <p:par>
+        <p:cTn id="1" dur="indefinite" restart="never" nodeType="tmRoot">
+          <p:childTnLst>
+            <p:seq concurrent="1" nextAc="seek">
+              <p:cTn id="2" dur="indefinite" nodeType="mainSeq">
+                <p:childTnLst>
+                  <p:par>
+                    <p:cTn id="3" fill="hold">
+                      <p:stCondLst>
+                        <p:cond delay="indefinite"/>
+                      </p:stCondLst>
+                      <p:childTnLst>
+                        <p:par>
+                          <p:cTn id="4" fill="hold">
+                            <p:stCondLst>
+                              <p:cond delay="0"/>
+                            </p:stCondLst>
+                            <p:childTnLst>
+                              <p:par>
+                                <p:cTn id="5" presetID="10" presetClass="exit" presetSubtype="0" fill="hold" grpId="0" nodeType="clickEffect">
+                                  <p:stCondLst>
+                                    <p:cond delay="0"/>
+                                  </p:stCondLst>
+                                  <p:childTnLst>
+                                    <p:animEffect transition="out" filter="fade">
+                                      <p:cBhvr>
+                                        <p:cTn id="6" dur="500"/>
+                                        <p:tgtEl>
+                                          <p:spTgt spid="7"/>
+                                        </p:tgtEl>
+                                      </p:cBhvr>
+                                    </p:animEffect>
+                                    <p:set>
+                                      <p:cBhvr>
+                                        <p:cTn id="7" dur="1" fill="hold">
+                                          <p:stCondLst>
+                                            <p:cond delay="499"/>
+                                          </p:stCondLst>
+                                        </p:cTn>
+                                        <p:tgtEl>
+                                          <p:spTgt spid="7"/>
+                                        </p:tgtEl>
+                                        <p:attrNameLst>
+                                          <p:attrName>style.visibility</p:attrName>
+                                        </p:attrNameLst>
+                                      </p:cBhvr>
+                                      <p:to>
+                                        <p:strVal val="hidden"/>
+                                      </p:to>
+                                    </p:set>
+                                  </p:childTnLst>
+                                </p:cTn>
+                              </p:par>
+                            </p:childTnLst>
+                          </p:cTn>
+                        </p:par>
+                      </p:childTnLst>
+                    </p:cTn>
+                  </p:par>
+                </p:childTnLst>
+              </p:cTn>
+              <p:prevCondLst>
+                <p:cond evt="onPrev" delay="0">
+                  <p:tgtEl>
+                    <p:sldTgt/>
+                  </p:tgtEl>
+                </p:cond>
+              </p:prevCondLst>
+              <p:nextCondLst>
+                <p:cond evt="onNext" delay="0">
+                  <p:tgtEl>
+                    <p:sldTgt/>
+                  </p:tgtEl>
+                </p:cond>
+              </p:nextCondLst>
+            </p:seq>
+          </p:childTnLst>
+        </p:cTn>
+      </p:par>
+    </p:tnLst>
+    <p:bldLst>
+      <p:bldP spid="7" grpId="0" animBg="1"/>
+    </p:bldLst>
+  </p:timing>
 </p:sld>
 </file>
 
@@ -8184,7 +10105,11 @@
           <a:bodyPr/>
           <a:lstStyle/>
           <a:p>
-            <a:endParaRPr lang="zh-TW" altLang="en-US"/>
+            <a:r>
+              <a:rPr lang="en-US" altLang="zh-TW" dirty="0"/>
+              <a:t>Re-order the data</a:t>
+            </a:r>
+            <a:endParaRPr lang="zh-TW" altLang="en-US" dirty="0"/>
           </a:p>
         </p:txBody>
       </p:sp>
@@ -8209,35 +10134,6 @@
           <a:bodyPr/>
           <a:lstStyle/>
           <a:p>
-            <a:endParaRPr lang="zh-TW" altLang="en-US"/>
-          </a:p>
-        </p:txBody>
-      </p:sp>
-      <p:sp>
-        <p:nvSpPr>
-          <p:cNvPr id="4" name="日期版面配置區 3">
-            <a:extLst>
-              <a:ext uri="{FF2B5EF4-FFF2-40B4-BE49-F238E27FC236}">
-                <a16:creationId xmlns:a16="http://schemas.microsoft.com/office/drawing/2014/main" id="{616D0505-935F-4050-B932-A4428CCA10D6}"/>
-              </a:ext>
-            </a:extLst>
-          </p:cNvPr>
-          <p:cNvSpPr>
-            <a:spLocks noGrp="1"/>
-          </p:cNvSpPr>
-          <p:nvPr>
-            <p:ph type="dt" sz="half" idx="10"/>
-          </p:nvPr>
-        </p:nvSpPr>
-        <p:spPr/>
-        <p:txBody>
-          <a:bodyPr/>
-          <a:lstStyle/>
-          <a:p>
-            <a:r>
-              <a:rPr lang="en-US" altLang="zh-TW"/>
-              <a:t>2021/11/26</a:t>
-            </a:r>
             <a:endParaRPr lang="zh-TW" altLang="en-US"/>
           </a:p>
         </p:txBody>
@@ -8294,7 +10190,7 @@
         </p:blipFill>
         <p:spPr>
           <a:xfrm>
-            <a:off x="1715047" y="1562333"/>
+            <a:off x="838200" y="1205871"/>
             <a:ext cx="8761905" cy="3733333"/>
           </a:xfrm>
           <a:prstGeom prst="rect">
@@ -8312,6 +10208,18 @@
   <p:clrMapOvr>
     <a:masterClrMapping/>
   </p:clrMapOvr>
+  <mc:AlternateContent xmlns:mc="http://schemas.openxmlformats.org/markup-compatibility/2006" xmlns:p14="http://schemas.microsoft.com/office/powerpoint/2010/main">
+    <mc:Choice Requires="p14">
+      <p:transition spd="slow" p14:dur="2000">
+        <p:cut/>
+      </p:transition>
+    </mc:Choice>
+    <mc:Fallback xmlns="">
+      <p:transition spd="slow">
+        <p:cut/>
+      </p:transition>
+    </mc:Fallback>
+  </mc:AlternateContent>
 </p:sld>
 </file>
 
@@ -8353,7 +10261,27 @@
           <a:bodyPr/>
           <a:lstStyle/>
           <a:p>
-            <a:endParaRPr lang="zh-TW" altLang="en-US"/>
+            <a:r>
+              <a:rPr lang="en-US" altLang="zh-TW" dirty="0" err="1"/>
+              <a:t>No.1</a:t>
+            </a:r>
+            <a:r>
+              <a:rPr lang="en-US" altLang="zh-TW" dirty="0"/>
+              <a:t> </a:t>
+            </a:r>
+            <a:r>
+              <a:rPr lang="en-US" altLang="zh-TW" dirty="0" err="1"/>
+              <a:t>dplyr</a:t>
+            </a:r>
+            <a:r>
+              <a:rPr lang="en-US" altLang="zh-TW" dirty="0"/>
+              <a:t>::</a:t>
+            </a:r>
+            <a:r>
+              <a:rPr lang="en-US" altLang="zh-TW" dirty="0" err="1"/>
+              <a:t>percent_rank</a:t>
+            </a:r>
+            <a:endParaRPr lang="zh-TW" altLang="en-US" dirty="0"/>
           </a:p>
         </p:txBody>
       </p:sp>
@@ -8378,36 +10306,7 @@
           <a:bodyPr/>
           <a:lstStyle/>
           <a:p>
-            <a:endParaRPr lang="zh-TW" altLang="en-US"/>
-          </a:p>
-        </p:txBody>
-      </p:sp>
-      <p:sp>
-        <p:nvSpPr>
-          <p:cNvPr id="4" name="日期版面配置區 3">
-            <a:extLst>
-              <a:ext uri="{FF2B5EF4-FFF2-40B4-BE49-F238E27FC236}">
-                <a16:creationId xmlns:a16="http://schemas.microsoft.com/office/drawing/2014/main" id="{E1F2C25D-DF43-433A-B8A4-EE879CCD1097}"/>
-              </a:ext>
-            </a:extLst>
-          </p:cNvPr>
-          <p:cNvSpPr>
-            <a:spLocks noGrp="1"/>
-          </p:cNvSpPr>
-          <p:nvPr>
-            <p:ph type="dt" sz="half" idx="10"/>
-          </p:nvPr>
-        </p:nvSpPr>
-        <p:spPr/>
-        <p:txBody>
-          <a:bodyPr/>
-          <a:lstStyle/>
-          <a:p>
-            <a:r>
-              <a:rPr lang="en-US" altLang="zh-TW"/>
-              <a:t>2021/11/26</a:t>
-            </a:r>
-            <a:endParaRPr lang="zh-TW" altLang="en-US"/>
+            <a:endParaRPr lang="zh-TW" altLang="en-US" dirty="0"/>
           </a:p>
         </p:txBody>
       </p:sp>
@@ -8463,7 +10362,7 @@
         </p:blipFill>
         <p:spPr>
           <a:xfrm>
-            <a:off x="1715047" y="1462333"/>
+            <a:off x="838200" y="1205871"/>
             <a:ext cx="8761905" cy="3933333"/>
           </a:xfrm>
           <a:prstGeom prst="rect">
@@ -8471,6 +10370,55 @@
           </a:prstGeom>
         </p:spPr>
       </p:pic>
+      <p:sp>
+        <p:nvSpPr>
+          <p:cNvPr id="7" name="文字方塊 6">
+            <a:extLst>
+              <a:ext uri="{FF2B5EF4-FFF2-40B4-BE49-F238E27FC236}">
+                <a16:creationId xmlns:a16="http://schemas.microsoft.com/office/drawing/2014/main" id="{3AE6069B-94F7-4ED0-AB4C-7D8B8DC1ED26}"/>
+              </a:ext>
+            </a:extLst>
+          </p:cNvPr>
+          <p:cNvSpPr txBox="1"/>
+          <p:nvPr/>
+        </p:nvSpPr>
+        <p:spPr>
+          <a:xfrm>
+            <a:off x="9487461" y="365125"/>
+            <a:ext cx="1866339" cy="400110"/>
+          </a:xfrm>
+          <a:prstGeom prst="rect">
+            <a:avLst/>
+          </a:prstGeom>
+          <a:noFill/>
+        </p:spPr>
+        <p:txBody>
+          <a:bodyPr wrap="square" rtlCol="0">
+            <a:spAutoFit/>
+          </a:bodyPr>
+          <a:lstStyle/>
+          <a:p>
+            <a:r>
+              <a:rPr lang="en-US" altLang="zh-TW" sz="2000" dirty="0" err="1">
+                <a:latin typeface="Times New Roman" panose="02020603050405020304" pitchFamily="18" charset="0"/>
+                <a:cs typeface="Times New Roman" panose="02020603050405020304" pitchFamily="18" charset="0"/>
+              </a:rPr>
+              <a:t>percent_rank</a:t>
+            </a:r>
+            <a:r>
+              <a:rPr lang="en-US" altLang="zh-TW" sz="2000" dirty="0">
+                <a:latin typeface="Times New Roman" panose="02020603050405020304" pitchFamily="18" charset="0"/>
+                <a:cs typeface="Times New Roman" panose="02020603050405020304" pitchFamily="18" charset="0"/>
+              </a:rPr>
+              <a:t>(x)</a:t>
+            </a:r>
+            <a:endParaRPr lang="zh-TW" altLang="en-US" sz="2000" dirty="0">
+              <a:latin typeface="Times New Roman" panose="02020603050405020304" pitchFamily="18" charset="0"/>
+              <a:cs typeface="Times New Roman" panose="02020603050405020304" pitchFamily="18" charset="0"/>
+            </a:endParaRPr>
+          </a:p>
+        </p:txBody>
+      </p:sp>
     </p:spTree>
     <p:extLst>
       <p:ext uri="{BB962C8B-B14F-4D97-AF65-F5344CB8AC3E}">
@@ -8481,6 +10429,18 @@
   <p:clrMapOvr>
     <a:masterClrMapping/>
   </p:clrMapOvr>
+  <mc:AlternateContent xmlns:mc="http://schemas.openxmlformats.org/markup-compatibility/2006" xmlns:p14="http://schemas.microsoft.com/office/powerpoint/2010/main">
+    <mc:Choice Requires="p14">
+      <p:transition spd="slow" p14:dur="2000">
+        <p:cut/>
+      </p:transition>
+    </mc:Choice>
+    <mc:Fallback xmlns="">
+      <p:transition spd="slow">
+        <p:cut/>
+      </p:transition>
+    </mc:Fallback>
+  </mc:AlternateContent>
 </p:sld>
 </file>
 
@@ -8522,7 +10482,27 @@
           <a:bodyPr/>
           <a:lstStyle/>
           <a:p>
-            <a:endParaRPr lang="zh-TW" altLang="en-US"/>
+            <a:r>
+              <a:rPr lang="en-US" altLang="zh-TW" dirty="0" err="1"/>
+              <a:t>No.1</a:t>
+            </a:r>
+            <a:r>
+              <a:rPr lang="en-US" altLang="zh-TW" dirty="0"/>
+              <a:t> </a:t>
+            </a:r>
+            <a:r>
+              <a:rPr lang="en-US" altLang="zh-TW" dirty="0" err="1"/>
+              <a:t>dplyr</a:t>
+            </a:r>
+            <a:r>
+              <a:rPr lang="en-US" altLang="zh-TW" dirty="0"/>
+              <a:t>::</a:t>
+            </a:r>
+            <a:r>
+              <a:rPr lang="en-US" altLang="zh-TW" dirty="0" err="1"/>
+              <a:t>percent_rank</a:t>
+            </a:r>
+            <a:endParaRPr lang="zh-TW" altLang="en-US" dirty="0"/>
           </a:p>
         </p:txBody>
       </p:sp>
@@ -8547,35 +10527,6 @@
           <a:bodyPr/>
           <a:lstStyle/>
           <a:p>
-            <a:endParaRPr lang="zh-TW" altLang="en-US"/>
-          </a:p>
-        </p:txBody>
-      </p:sp>
-      <p:sp>
-        <p:nvSpPr>
-          <p:cNvPr id="4" name="日期版面配置區 3">
-            <a:extLst>
-              <a:ext uri="{FF2B5EF4-FFF2-40B4-BE49-F238E27FC236}">
-                <a16:creationId xmlns:a16="http://schemas.microsoft.com/office/drawing/2014/main" id="{6983C6B3-A833-462C-A05B-5CE5AD40F276}"/>
-              </a:ext>
-            </a:extLst>
-          </p:cNvPr>
-          <p:cNvSpPr>
-            <a:spLocks noGrp="1"/>
-          </p:cNvSpPr>
-          <p:nvPr>
-            <p:ph type="dt" sz="half" idx="10"/>
-          </p:nvPr>
-        </p:nvSpPr>
-        <p:spPr/>
-        <p:txBody>
-          <a:bodyPr/>
-          <a:lstStyle/>
-          <a:p>
-            <a:r>
-              <a:rPr lang="en-US" altLang="zh-TW"/>
-              <a:t>2021/11/26</a:t>
-            </a:r>
             <a:endParaRPr lang="zh-TW" altLang="en-US"/>
           </a:p>
         </p:txBody>
@@ -8632,7 +10583,7 @@
         </p:blipFill>
         <p:spPr>
           <a:xfrm>
-            <a:off x="1715047" y="1567095"/>
+            <a:off x="838200" y="1205871"/>
             <a:ext cx="8761905" cy="3723809"/>
           </a:xfrm>
           <a:prstGeom prst="rect">
@@ -8640,6 +10591,55 @@
           </a:prstGeom>
         </p:spPr>
       </p:pic>
+      <p:sp>
+        <p:nvSpPr>
+          <p:cNvPr id="7" name="文字方塊 6">
+            <a:extLst>
+              <a:ext uri="{FF2B5EF4-FFF2-40B4-BE49-F238E27FC236}">
+                <a16:creationId xmlns:a16="http://schemas.microsoft.com/office/drawing/2014/main" id="{E6402208-A321-4BFA-A85A-D0A0B4AC80A4}"/>
+              </a:ext>
+            </a:extLst>
+          </p:cNvPr>
+          <p:cNvSpPr txBox="1"/>
+          <p:nvPr/>
+        </p:nvSpPr>
+        <p:spPr>
+          <a:xfrm>
+            <a:off x="9487461" y="365125"/>
+            <a:ext cx="1866339" cy="400110"/>
+          </a:xfrm>
+          <a:prstGeom prst="rect">
+            <a:avLst/>
+          </a:prstGeom>
+          <a:noFill/>
+        </p:spPr>
+        <p:txBody>
+          <a:bodyPr wrap="square" rtlCol="0">
+            <a:spAutoFit/>
+          </a:bodyPr>
+          <a:lstStyle/>
+          <a:p>
+            <a:r>
+              <a:rPr lang="en-US" altLang="zh-TW" sz="2000" dirty="0" err="1">
+                <a:latin typeface="Times New Roman" panose="02020603050405020304" pitchFamily="18" charset="0"/>
+                <a:cs typeface="Times New Roman" panose="02020603050405020304" pitchFamily="18" charset="0"/>
+              </a:rPr>
+              <a:t>percent_rank</a:t>
+            </a:r>
+            <a:r>
+              <a:rPr lang="en-US" altLang="zh-TW" sz="2000" dirty="0">
+                <a:latin typeface="Times New Roman" panose="02020603050405020304" pitchFamily="18" charset="0"/>
+                <a:cs typeface="Times New Roman" panose="02020603050405020304" pitchFamily="18" charset="0"/>
+              </a:rPr>
+              <a:t>(x)</a:t>
+            </a:r>
+            <a:endParaRPr lang="zh-TW" altLang="en-US" sz="2000" dirty="0">
+              <a:latin typeface="Times New Roman" panose="02020603050405020304" pitchFamily="18" charset="0"/>
+              <a:cs typeface="Times New Roman" panose="02020603050405020304" pitchFamily="18" charset="0"/>
+            </a:endParaRPr>
+          </a:p>
+        </p:txBody>
+      </p:sp>
     </p:spTree>
     <p:extLst>
       <p:ext uri="{BB962C8B-B14F-4D97-AF65-F5344CB8AC3E}">
@@ -8650,6 +10650,18 @@
   <p:clrMapOvr>
     <a:masterClrMapping/>
   </p:clrMapOvr>
+  <mc:AlternateContent xmlns:mc="http://schemas.openxmlformats.org/markup-compatibility/2006" xmlns:p14="http://schemas.microsoft.com/office/powerpoint/2010/main">
+    <mc:Choice Requires="p14">
+      <p:transition spd="slow" p14:dur="2000">
+        <p:cut/>
+      </p:transition>
+    </mc:Choice>
+    <mc:Fallback xmlns="">
+      <p:transition spd="slow">
+        <p:cut/>
+      </p:transition>
+    </mc:Fallback>
+  </mc:AlternateContent>
 </p:sld>
 </file>
 
@@ -8691,7 +10703,27 @@
           <a:bodyPr/>
           <a:lstStyle/>
           <a:p>
-            <a:endParaRPr lang="zh-TW" altLang="en-US"/>
+            <a:r>
+              <a:rPr lang="en-US" altLang="zh-TW" dirty="0" err="1"/>
+              <a:t>No.2</a:t>
+            </a:r>
+            <a:r>
+              <a:rPr lang="en-US" altLang="zh-TW" dirty="0"/>
+              <a:t> </a:t>
+            </a:r>
+            <a:r>
+              <a:rPr lang="en-US" altLang="zh-TW" dirty="0" err="1"/>
+              <a:t>dplyr</a:t>
+            </a:r>
+            <a:r>
+              <a:rPr lang="en-US" altLang="zh-TW" dirty="0"/>
+              <a:t>::</a:t>
+            </a:r>
+            <a:r>
+              <a:rPr lang="en-US" altLang="zh-TW" dirty="0" err="1"/>
+              <a:t>cume_dist</a:t>
+            </a:r>
+            <a:endParaRPr lang="zh-TW" altLang="en-US" dirty="0"/>
           </a:p>
         </p:txBody>
       </p:sp>
@@ -8716,35 +10748,6 @@
           <a:bodyPr/>
           <a:lstStyle/>
           <a:p>
-            <a:endParaRPr lang="zh-TW" altLang="en-US"/>
-          </a:p>
-        </p:txBody>
-      </p:sp>
-      <p:sp>
-        <p:nvSpPr>
-          <p:cNvPr id="4" name="日期版面配置區 3">
-            <a:extLst>
-              <a:ext uri="{FF2B5EF4-FFF2-40B4-BE49-F238E27FC236}">
-                <a16:creationId xmlns:a16="http://schemas.microsoft.com/office/drawing/2014/main" id="{F60CE1C4-FCC8-48EB-8BBD-672673C42676}"/>
-              </a:ext>
-            </a:extLst>
-          </p:cNvPr>
-          <p:cNvSpPr>
-            <a:spLocks noGrp="1"/>
-          </p:cNvSpPr>
-          <p:nvPr>
-            <p:ph type="dt" sz="half" idx="10"/>
-          </p:nvPr>
-        </p:nvSpPr>
-        <p:spPr/>
-        <p:txBody>
-          <a:bodyPr/>
-          <a:lstStyle/>
-          <a:p>
-            <a:r>
-              <a:rPr lang="en-US" altLang="zh-TW"/>
-              <a:t>2021/11/26</a:t>
-            </a:r>
             <a:endParaRPr lang="zh-TW" altLang="en-US"/>
           </a:p>
         </p:txBody>
@@ -8781,10 +10784,10 @@
       </p:sp>
       <p:pic>
         <p:nvPicPr>
-          <p:cNvPr id="6" name="圖片 5">
-            <a:extLst>
-              <a:ext uri="{FF2B5EF4-FFF2-40B4-BE49-F238E27FC236}">
-                <a16:creationId xmlns:a16="http://schemas.microsoft.com/office/drawing/2014/main" id="{F3198BD1-4D35-4691-8904-677AE6A3E70A}"/>
+          <p:cNvPr id="7" name="圖片 6">
+            <a:extLst>
+              <a:ext uri="{FF2B5EF4-FFF2-40B4-BE49-F238E27FC236}">
+                <a16:creationId xmlns:a16="http://schemas.microsoft.com/office/drawing/2014/main" id="{ADFFF224-7F63-45B4-A7C2-96BD2961845D}"/>
               </a:ext>
             </a:extLst>
           </p:cNvPr>
@@ -8801,14 +10804,63 @@
         </p:blipFill>
         <p:spPr>
           <a:xfrm>
-            <a:off x="1715047" y="1362333"/>
-            <a:ext cx="8761905" cy="4133333"/>
+            <a:off x="838200" y="1205871"/>
+            <a:ext cx="8761905" cy="4152381"/>
           </a:xfrm>
           <a:prstGeom prst="rect">
             <a:avLst/>
           </a:prstGeom>
         </p:spPr>
       </p:pic>
+      <p:sp>
+        <p:nvSpPr>
+          <p:cNvPr id="6" name="文字方塊 5">
+            <a:extLst>
+              <a:ext uri="{FF2B5EF4-FFF2-40B4-BE49-F238E27FC236}">
+                <a16:creationId xmlns:a16="http://schemas.microsoft.com/office/drawing/2014/main" id="{D5E562C0-E034-49B4-B67D-58E84B25D908}"/>
+              </a:ext>
+            </a:extLst>
+          </p:cNvPr>
+          <p:cNvSpPr txBox="1"/>
+          <p:nvPr/>
+        </p:nvSpPr>
+        <p:spPr>
+          <a:xfrm>
+            <a:off x="9841957" y="365125"/>
+            <a:ext cx="1511843" cy="400110"/>
+          </a:xfrm>
+          <a:prstGeom prst="rect">
+            <a:avLst/>
+          </a:prstGeom>
+          <a:noFill/>
+        </p:spPr>
+        <p:txBody>
+          <a:bodyPr wrap="square" rtlCol="0">
+            <a:spAutoFit/>
+          </a:bodyPr>
+          <a:lstStyle/>
+          <a:p>
+            <a:r>
+              <a:rPr lang="en-US" altLang="zh-TW" sz="2000" dirty="0" err="1">
+                <a:latin typeface="Times New Roman" panose="02020603050405020304" pitchFamily="18" charset="0"/>
+                <a:cs typeface="Times New Roman" panose="02020603050405020304" pitchFamily="18" charset="0"/>
+              </a:rPr>
+              <a:t>cume_dist</a:t>
+            </a:r>
+            <a:r>
+              <a:rPr lang="en-US" altLang="zh-TW" sz="2000" dirty="0">
+                <a:latin typeface="Times New Roman" panose="02020603050405020304" pitchFamily="18" charset="0"/>
+                <a:cs typeface="Times New Roman" panose="02020603050405020304" pitchFamily="18" charset="0"/>
+              </a:rPr>
+              <a:t>(x)</a:t>
+            </a:r>
+            <a:endParaRPr lang="zh-TW" altLang="en-US" sz="2000" dirty="0">
+              <a:latin typeface="Times New Roman" panose="02020603050405020304" pitchFamily="18" charset="0"/>
+              <a:cs typeface="Times New Roman" panose="02020603050405020304" pitchFamily="18" charset="0"/>
+            </a:endParaRPr>
+          </a:p>
+        </p:txBody>
+      </p:sp>
     </p:spTree>
     <p:extLst>
       <p:ext uri="{BB962C8B-B14F-4D97-AF65-F5344CB8AC3E}">
@@ -8819,6 +10871,18 @@
   <p:clrMapOvr>
     <a:masterClrMapping/>
   </p:clrMapOvr>
+  <mc:AlternateContent xmlns:mc="http://schemas.openxmlformats.org/markup-compatibility/2006" xmlns:p14="http://schemas.microsoft.com/office/powerpoint/2010/main">
+    <mc:Choice Requires="p14">
+      <p:transition spd="slow" p14:dur="2000">
+        <p:cut/>
+      </p:transition>
+    </mc:Choice>
+    <mc:Fallback xmlns="">
+      <p:transition spd="slow">
+        <p:cut/>
+      </p:transition>
+    </mc:Fallback>
+  </mc:AlternateContent>
 </p:sld>
 </file>
 

--- a/Video1/Video1.pptx
+++ b/Video1/Video1.pptx
@@ -227,7 +227,7 @@
           <a:p>
             <a:fld id="{7FDC0D14-6259-4743-948F-C6EE9096C28C}" type="datetimeFigureOut">
               <a:rPr lang="zh-TW" altLang="en-US" smtClean="0"/>
-              <a:t>2021/11/21</a:t>
+              <a:t>2021/11/22</a:t>
             </a:fld>
             <a:endParaRPr lang="zh-TW" altLang="en-US"/>
           </a:p>
@@ -3433,8 +3433,8 @@
           <a:lstStyle/>
           <a:p>
             <a:r>
-              <a:rPr lang="en-US" altLang="zh-TW" dirty="0"/>
-              <a:t>110-1 QMDM</a:t>
+              <a:rPr lang="en-US" altLang="zh-TW" dirty="0" err="1" smtClean="0"/>
+              <a:t>dplyr</a:t>
             </a:r>
             <a:endParaRPr lang="zh-TW" altLang="en-US" dirty="0"/>
           </a:p>
@@ -3469,29 +3469,22 @@
           <a:lstStyle/>
           <a:p>
             <a:r>
-              <a:rPr lang="en-US" altLang="zh-TW" dirty="0"/>
-              <a:t>Video 1</a:t>
-            </a:r>
-          </a:p>
-          <a:p>
+              <a:rPr lang="en-US" altLang="zh-TW" dirty="0" smtClean="0"/>
+              <a:t>110-1 QMDM Video 1</a:t>
+            </a:r>
+          </a:p>
+          <a:p>
+            <a:r>
+              <a:rPr lang="zh-TW" altLang="en-US" dirty="0" smtClean="0"/>
+              <a:t>電子</a:t>
+            </a:r>
+            <a:r>
+              <a:rPr lang="zh-TW" altLang="en-US" dirty="0" smtClean="0"/>
+              <a:t>所 吳</a:t>
+            </a:r>
             <a:r>
               <a:rPr lang="zh-TW" altLang="en-US" dirty="0"/>
-              <a:t>電子所</a:t>
-            </a:r>
-            <a:r>
-              <a:rPr lang="en-US" altLang="zh-TW" dirty="0"/>
-              <a:t>ICS</a:t>
-            </a:r>
-            <a:r>
-              <a:rPr lang="zh-TW" altLang="en-US" dirty="0"/>
-              <a:t>組</a:t>
-            </a:r>
-            <a:endParaRPr lang="en-US" altLang="zh-TW" dirty="0"/>
-          </a:p>
-          <a:p>
-            <a:r>
-              <a:rPr lang="zh-TW" altLang="en-US" dirty="0"/>
-              <a:t>吳諺倫</a:t>
+              <a:t>諺倫</a:t>
             </a:r>
             <a:endParaRPr lang="en-US" altLang="zh-TW" dirty="0"/>
           </a:p>
@@ -3543,18 +3536,25 @@
   <p:clrMapOvr>
     <a:masterClrMapping/>
   </p:clrMapOvr>
-  <mc:AlternateContent xmlns:mc="http://schemas.openxmlformats.org/markup-compatibility/2006" xmlns:p14="http://schemas.microsoft.com/office/powerpoint/2010/main">
-    <mc:Choice Requires="p14">
+  <mc:AlternateContent xmlns:mc="http://schemas.openxmlformats.org/markup-compatibility/2006">
+    <mc:Choice xmlns:p14="http://schemas.microsoft.com/office/powerpoint/2010/main" Requires="p14">
       <p:transition spd="slow" p14:dur="2000">
         <p:cut/>
       </p:transition>
     </mc:Choice>
-    <mc:Fallback xmlns="">
+    <mc:Fallback>
       <p:transition spd="slow">
         <p:cut/>
       </p:transition>
     </mc:Fallback>
   </mc:AlternateContent>
+  <p:timing>
+    <p:tnLst>
+      <p:par>
+        <p:cTn id="1" dur="indefinite" restart="never" nodeType="tmRoot"/>
+      </p:par>
+    </p:tnLst>
+  </p:timing>
 </p:sld>
 </file>
 
@@ -3764,13 +3764,13 @@
   <p:clrMapOvr>
     <a:masterClrMapping/>
   </p:clrMapOvr>
-  <mc:AlternateContent xmlns:mc="http://schemas.openxmlformats.org/markup-compatibility/2006" xmlns:p14="http://schemas.microsoft.com/office/powerpoint/2010/main">
-    <mc:Choice Requires="p14">
+  <mc:AlternateContent xmlns:mc="http://schemas.openxmlformats.org/markup-compatibility/2006">
+    <mc:Choice xmlns:p14="http://schemas.microsoft.com/office/powerpoint/2010/main" Requires="p14">
       <p:transition spd="slow" p14:dur="2000">
         <p:cut/>
       </p:transition>
     </mc:Choice>
-    <mc:Fallback xmlns="">
+    <mc:Fallback>
       <p:transition spd="slow">
         <p:cut/>
       </p:transition>
@@ -3999,13 +3999,13 @@
   <p:clrMapOvr>
     <a:masterClrMapping/>
   </p:clrMapOvr>
-  <mc:AlternateContent xmlns:mc="http://schemas.openxmlformats.org/markup-compatibility/2006" xmlns:p14="http://schemas.microsoft.com/office/powerpoint/2010/main">
-    <mc:Choice Requires="p14">
+  <mc:AlternateContent xmlns:mc="http://schemas.openxmlformats.org/markup-compatibility/2006">
+    <mc:Choice xmlns:p14="http://schemas.microsoft.com/office/powerpoint/2010/main" Requires="p14">
       <p:transition spd="slow" p14:dur="2000">
         <p:cut/>
       </p:transition>
     </mc:Choice>
-    <mc:Fallback xmlns="">
+    <mc:Fallback>
       <p:transition spd="slow">
         <p:cut/>
       </p:transition>
@@ -4234,13 +4234,13 @@
   <p:clrMapOvr>
     <a:masterClrMapping/>
   </p:clrMapOvr>
-  <mc:AlternateContent xmlns:mc="http://schemas.openxmlformats.org/markup-compatibility/2006" xmlns:p14="http://schemas.microsoft.com/office/powerpoint/2010/main">
-    <mc:Choice Requires="p14">
+  <mc:AlternateContent xmlns:mc="http://schemas.openxmlformats.org/markup-compatibility/2006">
+    <mc:Choice xmlns:p14="http://schemas.microsoft.com/office/powerpoint/2010/main" Requires="p14">
       <p:transition spd="slow" p14:dur="2000">
         <p:cut/>
       </p:transition>
     </mc:Choice>
-    <mc:Fallback xmlns="">
+    <mc:Fallback>
       <p:transition spd="slow">
         <p:cut/>
       </p:transition>
@@ -4469,13 +4469,13 @@
   <p:clrMapOvr>
     <a:masterClrMapping/>
   </p:clrMapOvr>
-  <mc:AlternateContent xmlns:mc="http://schemas.openxmlformats.org/markup-compatibility/2006" xmlns:p14="http://schemas.microsoft.com/office/powerpoint/2010/main">
-    <mc:Choice Requires="p14">
+  <mc:AlternateContent xmlns:mc="http://schemas.openxmlformats.org/markup-compatibility/2006">
+    <mc:Choice xmlns:p14="http://schemas.microsoft.com/office/powerpoint/2010/main" Requires="p14">
       <p:transition spd="slow" p14:dur="2000">
         <p:cut/>
       </p:transition>
     </mc:Choice>
-    <mc:Fallback xmlns="">
+    <mc:Fallback>
       <p:transition spd="slow">
         <p:cut/>
       </p:transition>
@@ -4690,13 +4690,13 @@
   <p:clrMapOvr>
     <a:masterClrMapping/>
   </p:clrMapOvr>
-  <mc:AlternateContent xmlns:mc="http://schemas.openxmlformats.org/markup-compatibility/2006" xmlns:p14="http://schemas.microsoft.com/office/powerpoint/2010/main">
-    <mc:Choice Requires="p14">
+  <mc:AlternateContent xmlns:mc="http://schemas.openxmlformats.org/markup-compatibility/2006">
+    <mc:Choice xmlns:p14="http://schemas.microsoft.com/office/powerpoint/2010/main" Requires="p14">
       <p:transition spd="slow" p14:dur="2000">
         <p:cut/>
       </p:transition>
     </mc:Choice>
-    <mc:Fallback xmlns="">
+    <mc:Fallback>
       <p:transition spd="slow">
         <p:cut/>
       </p:transition>
@@ -4911,13 +4911,13 @@
   <p:clrMapOvr>
     <a:masterClrMapping/>
   </p:clrMapOvr>
-  <mc:AlternateContent xmlns:mc="http://schemas.openxmlformats.org/markup-compatibility/2006" xmlns:p14="http://schemas.microsoft.com/office/powerpoint/2010/main">
-    <mc:Choice Requires="p14">
+  <mc:AlternateContent xmlns:mc="http://schemas.openxmlformats.org/markup-compatibility/2006">
+    <mc:Choice xmlns:p14="http://schemas.microsoft.com/office/powerpoint/2010/main" Requires="p14">
       <p:transition spd="slow" p14:dur="2000">
         <p:cut/>
       </p:transition>
     </mc:Choice>
-    <mc:Fallback xmlns="">
+    <mc:Fallback>
       <p:transition spd="slow">
         <p:cut/>
       </p:transition>
@@ -5132,13 +5132,13 @@
   <p:clrMapOvr>
     <a:masterClrMapping/>
   </p:clrMapOvr>
-  <mc:AlternateContent xmlns:mc="http://schemas.openxmlformats.org/markup-compatibility/2006" xmlns:p14="http://schemas.microsoft.com/office/powerpoint/2010/main">
-    <mc:Choice Requires="p14">
+  <mc:AlternateContent xmlns:mc="http://schemas.openxmlformats.org/markup-compatibility/2006">
+    <mc:Choice xmlns:p14="http://schemas.microsoft.com/office/powerpoint/2010/main" Requires="p14">
       <p:transition spd="slow" p14:dur="2000">
         <p:cut/>
       </p:transition>
     </mc:Choice>
-    <mc:Fallback xmlns="">
+    <mc:Fallback>
       <p:transition spd="slow">
         <p:cut/>
       </p:transition>
@@ -5148,7 +5148,7 @@
 </file>
 
 <file path=ppt/slides/slide17.xml><?xml version="1.0" encoding="utf-8"?>
-<p:sld xmlns:a="http://schemas.openxmlformats.org/drawingml/2006/main" xmlns:r="http://schemas.openxmlformats.org/officeDocument/2006/relationships" xmlns:p="http://schemas.openxmlformats.org/presentationml/2006/main">
+<p:sld xmlns:a="http://schemas.openxmlformats.org/drawingml/2006/main" xmlns:r="http://schemas.openxmlformats.org/officeDocument/2006/relationships" xmlns:p="http://schemas.openxmlformats.org/presentationml/2006/main" show="0">
   <p:cSld>
     <p:spTree>
       <p:nvGrpSpPr>
@@ -5341,13 +5341,13 @@
   <p:clrMapOvr>
     <a:masterClrMapping/>
   </p:clrMapOvr>
-  <mc:AlternateContent xmlns:mc="http://schemas.openxmlformats.org/markup-compatibility/2006" xmlns:p14="http://schemas.microsoft.com/office/powerpoint/2010/main">
-    <mc:Choice Requires="p14">
+  <mc:AlternateContent xmlns:mc="http://schemas.openxmlformats.org/markup-compatibility/2006">
+    <mc:Choice xmlns:p14="http://schemas.microsoft.com/office/powerpoint/2010/main" Requires="p14">
       <p:transition spd="slow" p14:dur="2000">
         <p:cut/>
       </p:transition>
     </mc:Choice>
-    <mc:Fallback xmlns="">
+    <mc:Fallback>
       <p:transition spd="slow">
         <p:cut/>
       </p:transition>
@@ -5473,12 +5473,61 @@
           </a:p>
         </p:txBody>
       </p:sp>
+      <p:sp>
+        <p:nvSpPr>
+          <p:cNvPr id="7" name="文字方塊 6">
+            <a:extLst>
+              <a:ext uri="{FF2B5EF4-FFF2-40B4-BE49-F238E27FC236}">
+                <a16:creationId xmlns:a16="http://schemas.microsoft.com/office/drawing/2014/main" id="{E03C27A2-03F0-4D34-8743-88FBBEBE726A}"/>
+              </a:ext>
+            </a:extLst>
+          </p:cNvPr>
+          <p:cNvSpPr txBox="1"/>
+          <p:nvPr/>
+        </p:nvSpPr>
+        <p:spPr>
+          <a:xfrm>
+            <a:off x="9766852" y="365125"/>
+            <a:ext cx="1586948" cy="400110"/>
+          </a:xfrm>
+          <a:prstGeom prst="rect">
+            <a:avLst/>
+          </a:prstGeom>
+          <a:noFill/>
+        </p:spPr>
+        <p:txBody>
+          <a:bodyPr wrap="square" rtlCol="0">
+            <a:spAutoFit/>
+          </a:bodyPr>
+          <a:lstStyle/>
+          <a:p>
+            <a:r>
+              <a:rPr lang="en-US" altLang="zh-TW" sz="2000" dirty="0" err="1">
+                <a:latin typeface="Times New Roman" panose="02020603050405020304" pitchFamily="18" charset="0"/>
+                <a:cs typeface="Times New Roman" panose="02020603050405020304" pitchFamily="18" charset="0"/>
+              </a:rPr>
+              <a:t>case_when</a:t>
+            </a:r>
+            <a:r>
+              <a:rPr lang="en-US" altLang="zh-TW" sz="2000" dirty="0">
+                <a:latin typeface="Times New Roman" panose="02020603050405020304" pitchFamily="18" charset="0"/>
+                <a:cs typeface="Times New Roman" panose="02020603050405020304" pitchFamily="18" charset="0"/>
+              </a:rPr>
+              <a:t>(...)</a:t>
+            </a:r>
+            <a:endParaRPr lang="zh-TW" altLang="en-US" sz="2000" dirty="0">
+              <a:latin typeface="Times New Roman" panose="02020603050405020304" pitchFamily="18" charset="0"/>
+              <a:cs typeface="Times New Roman" panose="02020603050405020304" pitchFamily="18" charset="0"/>
+            </a:endParaRPr>
+          </a:p>
+        </p:txBody>
+      </p:sp>
       <p:pic>
         <p:nvPicPr>
-          <p:cNvPr id="6" name="圖片 5">
-            <a:extLst>
-              <a:ext uri="{FF2B5EF4-FFF2-40B4-BE49-F238E27FC236}">
-                <a16:creationId xmlns:a16="http://schemas.microsoft.com/office/drawing/2014/main" id="{B1837AD4-62D0-497F-8FA0-731C7F5E95C9}"/>
+          <p:cNvPr id="4" name="圖片 3">
+            <a:extLst>
+              <a:ext uri="{FF2B5EF4-FFF2-40B4-BE49-F238E27FC236}">
+                <a16:creationId xmlns:a16="http://schemas.microsoft.com/office/drawing/2014/main" id="{2840BD6F-3BBC-4853-9116-9635DE52F4A0}"/>
               </a:ext>
             </a:extLst>
           </p:cNvPr>
@@ -5496,62 +5545,13 @@
         <p:spPr>
           <a:xfrm>
             <a:off x="838200" y="1205871"/>
-            <a:ext cx="8761905" cy="4800000"/>
+            <a:ext cx="8761905" cy="4790476"/>
           </a:xfrm>
           <a:prstGeom prst="rect">
             <a:avLst/>
           </a:prstGeom>
         </p:spPr>
       </p:pic>
-      <p:sp>
-        <p:nvSpPr>
-          <p:cNvPr id="7" name="文字方塊 6">
-            <a:extLst>
-              <a:ext uri="{FF2B5EF4-FFF2-40B4-BE49-F238E27FC236}">
-                <a16:creationId xmlns:a16="http://schemas.microsoft.com/office/drawing/2014/main" id="{E03C27A2-03F0-4D34-8743-88FBBEBE726A}"/>
-              </a:ext>
-            </a:extLst>
-          </p:cNvPr>
-          <p:cNvSpPr txBox="1"/>
-          <p:nvPr/>
-        </p:nvSpPr>
-        <p:spPr>
-          <a:xfrm>
-            <a:off x="9766852" y="365125"/>
-            <a:ext cx="1586948" cy="400110"/>
-          </a:xfrm>
-          <a:prstGeom prst="rect">
-            <a:avLst/>
-          </a:prstGeom>
-          <a:noFill/>
-        </p:spPr>
-        <p:txBody>
-          <a:bodyPr wrap="square" rtlCol="0">
-            <a:spAutoFit/>
-          </a:bodyPr>
-          <a:lstStyle/>
-          <a:p>
-            <a:r>
-              <a:rPr lang="en-US" altLang="zh-TW" sz="2000" dirty="0" err="1">
-                <a:latin typeface="Times New Roman" panose="02020603050405020304" pitchFamily="18" charset="0"/>
-                <a:cs typeface="Times New Roman" panose="02020603050405020304" pitchFamily="18" charset="0"/>
-              </a:rPr>
-              <a:t>case_when</a:t>
-            </a:r>
-            <a:r>
-              <a:rPr lang="en-US" altLang="zh-TW" sz="2000" dirty="0">
-                <a:latin typeface="Times New Roman" panose="02020603050405020304" pitchFamily="18" charset="0"/>
-                <a:cs typeface="Times New Roman" panose="02020603050405020304" pitchFamily="18" charset="0"/>
-              </a:rPr>
-              <a:t>(...)</a:t>
-            </a:r>
-            <a:endParaRPr lang="zh-TW" altLang="en-US" sz="2000" dirty="0">
-              <a:latin typeface="Times New Roman" panose="02020603050405020304" pitchFamily="18" charset="0"/>
-              <a:cs typeface="Times New Roman" panose="02020603050405020304" pitchFamily="18" charset="0"/>
-            </a:endParaRPr>
-          </a:p>
-        </p:txBody>
-      </p:sp>
     </p:spTree>
     <p:extLst>
       <p:ext uri="{BB962C8B-B14F-4D97-AF65-F5344CB8AC3E}">
@@ -5562,13 +5562,13 @@
   <p:clrMapOvr>
     <a:masterClrMapping/>
   </p:clrMapOvr>
-  <mc:AlternateContent xmlns:mc="http://schemas.openxmlformats.org/markup-compatibility/2006" xmlns:p14="http://schemas.microsoft.com/office/powerpoint/2010/main">
-    <mc:Choice Requires="p14">
+  <mc:AlternateContent xmlns:mc="http://schemas.openxmlformats.org/markup-compatibility/2006">
+    <mc:Choice xmlns:p14="http://schemas.microsoft.com/office/powerpoint/2010/main" Requires="p14">
       <p:transition spd="slow" p14:dur="2000">
         <p:cut/>
       </p:transition>
     </mc:Choice>
-    <mc:Fallback xmlns="">
+    <mc:Fallback>
       <p:transition spd="slow">
         <p:cut/>
       </p:transition>
@@ -5678,12 +5678,61 @@
           </a:p>
         </p:txBody>
       </p:sp>
+      <p:sp>
+        <p:nvSpPr>
+          <p:cNvPr id="7" name="文字方塊 6">
+            <a:extLst>
+              <a:ext uri="{FF2B5EF4-FFF2-40B4-BE49-F238E27FC236}">
+                <a16:creationId xmlns:a16="http://schemas.microsoft.com/office/drawing/2014/main" id="{BA893CAE-52A3-47AF-A49B-41385F93CEB9}"/>
+              </a:ext>
+            </a:extLst>
+          </p:cNvPr>
+          <p:cNvSpPr txBox="1"/>
+          <p:nvPr/>
+        </p:nvSpPr>
+        <p:spPr>
+          <a:xfrm>
+            <a:off x="9766852" y="365125"/>
+            <a:ext cx="1586948" cy="400110"/>
+          </a:xfrm>
+          <a:prstGeom prst="rect">
+            <a:avLst/>
+          </a:prstGeom>
+          <a:noFill/>
+        </p:spPr>
+        <p:txBody>
+          <a:bodyPr wrap="square" rtlCol="0">
+            <a:spAutoFit/>
+          </a:bodyPr>
+          <a:lstStyle/>
+          <a:p>
+            <a:r>
+              <a:rPr lang="en-US" altLang="zh-TW" sz="2000" dirty="0" err="1">
+                <a:latin typeface="Times New Roman" panose="02020603050405020304" pitchFamily="18" charset="0"/>
+                <a:cs typeface="Times New Roman" panose="02020603050405020304" pitchFamily="18" charset="0"/>
+              </a:rPr>
+              <a:t>case_when</a:t>
+            </a:r>
+            <a:r>
+              <a:rPr lang="en-US" altLang="zh-TW" sz="2000" dirty="0">
+                <a:latin typeface="Times New Roman" panose="02020603050405020304" pitchFamily="18" charset="0"/>
+                <a:cs typeface="Times New Roman" panose="02020603050405020304" pitchFamily="18" charset="0"/>
+              </a:rPr>
+              <a:t>(...)</a:t>
+            </a:r>
+            <a:endParaRPr lang="zh-TW" altLang="en-US" sz="2000" dirty="0">
+              <a:latin typeface="Times New Roman" panose="02020603050405020304" pitchFamily="18" charset="0"/>
+              <a:cs typeface="Times New Roman" panose="02020603050405020304" pitchFamily="18" charset="0"/>
+            </a:endParaRPr>
+          </a:p>
+        </p:txBody>
+      </p:sp>
       <p:pic>
         <p:nvPicPr>
-          <p:cNvPr id="6" name="圖片 5">
-            <a:extLst>
-              <a:ext uri="{FF2B5EF4-FFF2-40B4-BE49-F238E27FC236}">
-                <a16:creationId xmlns:a16="http://schemas.microsoft.com/office/drawing/2014/main" id="{11B79D38-CE99-402F-9A7D-61D389A8CB25}"/>
+          <p:cNvPr id="4" name="圖片 3">
+            <a:extLst>
+              <a:ext uri="{FF2B5EF4-FFF2-40B4-BE49-F238E27FC236}">
+                <a16:creationId xmlns:a16="http://schemas.microsoft.com/office/drawing/2014/main" id="{CA62D8A9-B84B-41C5-9DC2-E56A1A9CC80E}"/>
               </a:ext>
             </a:extLst>
           </p:cNvPr>
@@ -5701,62 +5750,13 @@
         <p:spPr>
           <a:xfrm>
             <a:off x="838200" y="1205871"/>
-            <a:ext cx="8761905" cy="3057143"/>
+            <a:ext cx="8761905" cy="3019048"/>
           </a:xfrm>
           <a:prstGeom prst="rect">
             <a:avLst/>
           </a:prstGeom>
         </p:spPr>
       </p:pic>
-      <p:sp>
-        <p:nvSpPr>
-          <p:cNvPr id="7" name="文字方塊 6">
-            <a:extLst>
-              <a:ext uri="{FF2B5EF4-FFF2-40B4-BE49-F238E27FC236}">
-                <a16:creationId xmlns:a16="http://schemas.microsoft.com/office/drawing/2014/main" id="{BA893CAE-52A3-47AF-A49B-41385F93CEB9}"/>
-              </a:ext>
-            </a:extLst>
-          </p:cNvPr>
-          <p:cNvSpPr txBox="1"/>
-          <p:nvPr/>
-        </p:nvSpPr>
-        <p:spPr>
-          <a:xfrm>
-            <a:off x="9766852" y="365125"/>
-            <a:ext cx="1586948" cy="400110"/>
-          </a:xfrm>
-          <a:prstGeom prst="rect">
-            <a:avLst/>
-          </a:prstGeom>
-          <a:noFill/>
-        </p:spPr>
-        <p:txBody>
-          <a:bodyPr wrap="square" rtlCol="0">
-            <a:spAutoFit/>
-          </a:bodyPr>
-          <a:lstStyle/>
-          <a:p>
-            <a:r>
-              <a:rPr lang="en-US" altLang="zh-TW" sz="2000" dirty="0" err="1">
-                <a:latin typeface="Times New Roman" panose="02020603050405020304" pitchFamily="18" charset="0"/>
-                <a:cs typeface="Times New Roman" panose="02020603050405020304" pitchFamily="18" charset="0"/>
-              </a:rPr>
-              <a:t>case_when</a:t>
-            </a:r>
-            <a:r>
-              <a:rPr lang="en-US" altLang="zh-TW" sz="2000" dirty="0">
-                <a:latin typeface="Times New Roman" panose="02020603050405020304" pitchFamily="18" charset="0"/>
-                <a:cs typeface="Times New Roman" panose="02020603050405020304" pitchFamily="18" charset="0"/>
-              </a:rPr>
-              <a:t>(...)</a:t>
-            </a:r>
-            <a:endParaRPr lang="zh-TW" altLang="en-US" sz="2000" dirty="0">
-              <a:latin typeface="Times New Roman" panose="02020603050405020304" pitchFamily="18" charset="0"/>
-              <a:cs typeface="Times New Roman" panose="02020603050405020304" pitchFamily="18" charset="0"/>
-            </a:endParaRPr>
-          </a:p>
-        </p:txBody>
-      </p:sp>
     </p:spTree>
     <p:extLst>
       <p:ext uri="{BB962C8B-B14F-4D97-AF65-F5344CB8AC3E}">
@@ -5767,13 +5767,13 @@
   <p:clrMapOvr>
     <a:masterClrMapping/>
   </p:clrMapOvr>
-  <mc:AlternateContent xmlns:mc="http://schemas.openxmlformats.org/markup-compatibility/2006" xmlns:p14="http://schemas.microsoft.com/office/powerpoint/2010/main">
-    <mc:Choice Requires="p14">
+  <mc:AlternateContent xmlns:mc="http://schemas.openxmlformats.org/markup-compatibility/2006">
+    <mc:Choice xmlns:p14="http://schemas.microsoft.com/office/powerpoint/2010/main" Requires="p14">
       <p:transition spd="slow" p14:dur="2000">
         <p:cut/>
       </p:transition>
     </mc:Choice>
-    <mc:Fallback xmlns="">
+    <mc:Fallback>
       <p:transition spd="slow">
         <p:cut/>
       </p:transition>
@@ -5971,18 +5971,25 @@
   <p:clrMapOvr>
     <a:masterClrMapping/>
   </p:clrMapOvr>
-  <mc:AlternateContent xmlns:mc="http://schemas.openxmlformats.org/markup-compatibility/2006" xmlns:p14="http://schemas.microsoft.com/office/powerpoint/2010/main">
-    <mc:Choice Requires="p14">
+  <mc:AlternateContent xmlns:mc="http://schemas.openxmlformats.org/markup-compatibility/2006">
+    <mc:Choice xmlns:p14="http://schemas.microsoft.com/office/powerpoint/2010/main" Requires="p14">
       <p:transition spd="slow" p14:dur="2000">
         <p:cut/>
       </p:transition>
     </mc:Choice>
-    <mc:Fallback xmlns="">
+    <mc:Fallback>
       <p:transition spd="slow">
         <p:cut/>
       </p:transition>
     </mc:Fallback>
   </mc:AlternateContent>
+  <p:timing>
+    <p:tnLst>
+      <p:par>
+        <p:cTn id="1" dur="indefinite" restart="never" nodeType="tmRoot"/>
+      </p:par>
+    </p:tnLst>
+  </p:timing>
 </p:sld>
 </file>
 
@@ -6127,13 +6134,13 @@
   <p:clrMapOvr>
     <a:masterClrMapping/>
   </p:clrMapOvr>
-  <mc:AlternateContent xmlns:mc="http://schemas.openxmlformats.org/markup-compatibility/2006" xmlns:p14="http://schemas.microsoft.com/office/powerpoint/2010/main">
-    <mc:Choice Requires="p14">
+  <mc:AlternateContent xmlns:mc="http://schemas.openxmlformats.org/markup-compatibility/2006">
+    <mc:Choice xmlns:p14="http://schemas.microsoft.com/office/powerpoint/2010/main" Requires="p14">
       <p:transition spd="slow" p14:dur="2000">
         <p:cut/>
       </p:transition>
     </mc:Choice>
-    <mc:Fallback xmlns="">
+    <mc:Fallback>
       <p:transition spd="slow">
         <p:cut/>
       </p:transition>
@@ -6283,13 +6290,13 @@
   <p:clrMapOvr>
     <a:masterClrMapping/>
   </p:clrMapOvr>
-  <mc:AlternateContent xmlns:mc="http://schemas.openxmlformats.org/markup-compatibility/2006" xmlns:p14="http://schemas.microsoft.com/office/powerpoint/2010/main">
-    <mc:Choice Requires="p14">
+  <mc:AlternateContent xmlns:mc="http://schemas.openxmlformats.org/markup-compatibility/2006">
+    <mc:Choice xmlns:p14="http://schemas.microsoft.com/office/powerpoint/2010/main" Requires="p14">
       <p:transition spd="slow" p14:dur="2000">
         <p:cut/>
       </p:transition>
     </mc:Choice>
-    <mc:Fallback xmlns="">
+    <mc:Fallback>
       <p:transition spd="slow">
         <p:cut/>
       </p:transition>
@@ -6540,13 +6547,13 @@
   <p:clrMapOvr>
     <a:masterClrMapping/>
   </p:clrMapOvr>
-  <mc:AlternateContent xmlns:mc="http://schemas.openxmlformats.org/markup-compatibility/2006" xmlns:p14="http://schemas.microsoft.com/office/powerpoint/2010/main">
-    <mc:Choice Requires="p14">
+  <mc:AlternateContent xmlns:mc="http://schemas.openxmlformats.org/markup-compatibility/2006">
+    <mc:Choice xmlns:p14="http://schemas.microsoft.com/office/powerpoint/2010/main" Requires="p14">
       <p:transition spd="slow" p14:dur="2000">
         <p:cut/>
       </p:transition>
     </mc:Choice>
-    <mc:Fallback xmlns="">
+    <mc:Fallback>
       <p:transition spd="slow">
         <p:cut/>
       </p:transition>
@@ -6834,13 +6841,13 @@
   <p:clrMapOvr>
     <a:masterClrMapping/>
   </p:clrMapOvr>
-  <mc:AlternateContent xmlns:mc="http://schemas.openxmlformats.org/markup-compatibility/2006" xmlns:p14="http://schemas.microsoft.com/office/powerpoint/2010/main">
-    <mc:Choice Requires="p14">
+  <mc:AlternateContent xmlns:mc="http://schemas.openxmlformats.org/markup-compatibility/2006">
+    <mc:Choice xmlns:p14="http://schemas.microsoft.com/office/powerpoint/2010/main" Requires="p14">
       <p:transition spd="slow" p14:dur="2000">
         <p:cut/>
       </p:transition>
     </mc:Choice>
-    <mc:Fallback xmlns="">
+    <mc:Fallback>
       <p:transition spd="slow">
         <p:cut/>
       </p:transition>
@@ -7191,13 +7198,13 @@
   <p:clrMapOvr>
     <a:masterClrMapping/>
   </p:clrMapOvr>
-  <mc:AlternateContent xmlns:mc="http://schemas.openxmlformats.org/markup-compatibility/2006" xmlns:p14="http://schemas.microsoft.com/office/powerpoint/2010/main">
-    <mc:Choice Requires="p14">
+  <mc:AlternateContent xmlns:mc="http://schemas.openxmlformats.org/markup-compatibility/2006">
+    <mc:Choice xmlns:p14="http://schemas.microsoft.com/office/powerpoint/2010/main" Requires="p14">
       <p:transition spd="slow" p14:dur="2000">
         <p:cut/>
       </p:transition>
     </mc:Choice>
-    <mc:Fallback xmlns="">
+    <mc:Fallback>
       <p:transition spd="slow">
         <p:cut/>
       </p:transition>
@@ -7534,13 +7541,13 @@
   <p:clrMapOvr>
     <a:masterClrMapping/>
   </p:clrMapOvr>
-  <mc:AlternateContent xmlns:mc="http://schemas.openxmlformats.org/markup-compatibility/2006" xmlns:p14="http://schemas.microsoft.com/office/powerpoint/2010/main">
-    <mc:Choice Requires="p14">
+  <mc:AlternateContent xmlns:mc="http://schemas.openxmlformats.org/markup-compatibility/2006">
+    <mc:Choice xmlns:p14="http://schemas.microsoft.com/office/powerpoint/2010/main" Requires="p14">
       <p:transition spd="slow" p14:dur="2000">
         <p:cut/>
       </p:transition>
     </mc:Choice>
-    <mc:Fallback xmlns="">
+    <mc:Fallback>
       <p:transition spd="slow">
         <p:cut/>
       </p:transition>
@@ -7877,13 +7884,13 @@
   <p:clrMapOvr>
     <a:masterClrMapping/>
   </p:clrMapOvr>
-  <mc:AlternateContent xmlns:mc="http://schemas.openxmlformats.org/markup-compatibility/2006" xmlns:p14="http://schemas.microsoft.com/office/powerpoint/2010/main">
-    <mc:Choice Requires="p14">
+  <mc:AlternateContent xmlns:mc="http://schemas.openxmlformats.org/markup-compatibility/2006">
+    <mc:Choice xmlns:p14="http://schemas.microsoft.com/office/powerpoint/2010/main" Requires="p14">
       <p:transition spd="slow" p14:dur="2000">
         <p:cut/>
       </p:transition>
     </mc:Choice>
-    <mc:Fallback xmlns="">
+    <mc:Fallback>
       <p:transition spd="slow">
         <p:cut/>
       </p:transition>
@@ -8220,13 +8227,13 @@
   <p:clrMapOvr>
     <a:masterClrMapping/>
   </p:clrMapOvr>
-  <mc:AlternateContent xmlns:mc="http://schemas.openxmlformats.org/markup-compatibility/2006" xmlns:p14="http://schemas.microsoft.com/office/powerpoint/2010/main">
-    <mc:Choice Requires="p14">
+  <mc:AlternateContent xmlns:mc="http://schemas.openxmlformats.org/markup-compatibility/2006">
+    <mc:Choice xmlns:p14="http://schemas.microsoft.com/office/powerpoint/2010/main" Requires="p14">
       <p:transition spd="slow" p14:dur="2000">
         <p:cut/>
       </p:transition>
     </mc:Choice>
-    <mc:Fallback xmlns="">
+    <mc:Fallback>
       <p:transition spd="slow">
         <p:cut/>
       </p:transition>
@@ -8563,13 +8570,13 @@
   <p:clrMapOvr>
     <a:masterClrMapping/>
   </p:clrMapOvr>
-  <mc:AlternateContent xmlns:mc="http://schemas.openxmlformats.org/markup-compatibility/2006" xmlns:p14="http://schemas.microsoft.com/office/powerpoint/2010/main">
-    <mc:Choice Requires="p14">
+  <mc:AlternateContent xmlns:mc="http://schemas.openxmlformats.org/markup-compatibility/2006">
+    <mc:Choice xmlns:p14="http://schemas.microsoft.com/office/powerpoint/2010/main" Requires="p14">
       <p:transition spd="slow" p14:dur="2000">
         <p:cut/>
       </p:transition>
     </mc:Choice>
-    <mc:Fallback xmlns="">
+    <mc:Fallback>
       <p:transition spd="slow">
         <p:cut/>
       </p:transition>
@@ -8906,13 +8913,13 @@
   <p:clrMapOvr>
     <a:masterClrMapping/>
   </p:clrMapOvr>
-  <mc:AlternateContent xmlns:mc="http://schemas.openxmlformats.org/markup-compatibility/2006" xmlns:p14="http://schemas.microsoft.com/office/powerpoint/2010/main">
-    <mc:Choice Requires="p14">
+  <mc:AlternateContent xmlns:mc="http://schemas.openxmlformats.org/markup-compatibility/2006">
+    <mc:Choice xmlns:p14="http://schemas.microsoft.com/office/powerpoint/2010/main" Requires="p14">
       <p:transition spd="slow" p14:dur="2000">
         <p:cut/>
       </p:transition>
     </mc:Choice>
-    <mc:Fallback xmlns="">
+    <mc:Fallback>
       <p:transition spd="slow">
         <p:cut/>
       </p:transition>
@@ -9276,13 +9283,13 @@
   <p:clrMapOvr>
     <a:masterClrMapping/>
   </p:clrMapOvr>
-  <mc:AlternateContent xmlns:mc="http://schemas.openxmlformats.org/markup-compatibility/2006" xmlns:p14="http://schemas.microsoft.com/office/powerpoint/2010/main">
-    <mc:Choice Requires="p14">
+  <mc:AlternateContent xmlns:mc="http://schemas.openxmlformats.org/markup-compatibility/2006">
+    <mc:Choice xmlns:p14="http://schemas.microsoft.com/office/powerpoint/2010/main" Requires="p14">
       <p:transition spd="slow" p14:dur="2000">
         <p:cut/>
       </p:transition>
     </mc:Choice>
-    <mc:Fallback xmlns="">
+    <mc:Fallback>
       <p:transition spd="slow">
         <p:cut/>
       </p:transition>
@@ -9425,13 +9432,13 @@
   <p:clrMapOvr>
     <a:masterClrMapping/>
   </p:clrMapOvr>
-  <mc:AlternateContent xmlns:mc="http://schemas.openxmlformats.org/markup-compatibility/2006" xmlns:p14="http://schemas.microsoft.com/office/powerpoint/2010/main">
-    <mc:Choice Requires="p14">
+  <mc:AlternateContent xmlns:mc="http://schemas.openxmlformats.org/markup-compatibility/2006">
+    <mc:Choice xmlns:p14="http://schemas.microsoft.com/office/powerpoint/2010/main" Requires="p14">
       <p:transition spd="slow" p14:dur="2000">
         <p:cut/>
       </p:transition>
     </mc:Choice>
-    <mc:Fallback xmlns="">
+    <mc:Fallback>
       <p:transition spd="slow">
         <p:cut/>
       </p:transition>
@@ -9602,13 +9609,13 @@
   <p:clrMapOvr>
     <a:masterClrMapping/>
   </p:clrMapOvr>
-  <mc:AlternateContent xmlns:mc="http://schemas.openxmlformats.org/markup-compatibility/2006" xmlns:p14="http://schemas.microsoft.com/office/powerpoint/2010/main">
-    <mc:Choice Requires="p14">
+  <mc:AlternateContent xmlns:mc="http://schemas.openxmlformats.org/markup-compatibility/2006">
+    <mc:Choice xmlns:p14="http://schemas.microsoft.com/office/powerpoint/2010/main" Requires="p14">
       <p:transition spd="slow" p14:dur="2000">
         <p:cut/>
       </p:transition>
     </mc:Choice>
-    <mc:Fallback xmlns="">
+    <mc:Fallback>
       <p:transition spd="slow">
         <p:cut/>
       </p:transition>
@@ -9758,13 +9765,13 @@
   <p:clrMapOvr>
     <a:masterClrMapping/>
   </p:clrMapOvr>
-  <mc:AlternateContent xmlns:mc="http://schemas.openxmlformats.org/markup-compatibility/2006" xmlns:p14="http://schemas.microsoft.com/office/powerpoint/2010/main">
-    <mc:Choice Requires="p14">
+  <mc:AlternateContent xmlns:mc="http://schemas.openxmlformats.org/markup-compatibility/2006">
+    <mc:Choice xmlns:p14="http://schemas.microsoft.com/office/powerpoint/2010/main" Requires="p14">
       <p:transition spd="slow" p14:dur="2000">
         <p:cut/>
       </p:transition>
     </mc:Choice>
-    <mc:Fallback xmlns="">
+    <mc:Fallback>
       <p:transition spd="slow">
         <p:cut/>
       </p:transition>
@@ -9966,13 +9973,13 @@
   <p:clrMapOvr>
     <a:masterClrMapping/>
   </p:clrMapOvr>
-  <mc:AlternateContent xmlns:mc="http://schemas.openxmlformats.org/markup-compatibility/2006" xmlns:p14="http://schemas.microsoft.com/office/powerpoint/2010/main">
-    <mc:Choice Requires="p14">
+  <mc:AlternateContent xmlns:mc="http://schemas.openxmlformats.org/markup-compatibility/2006">
+    <mc:Choice xmlns:p14="http://schemas.microsoft.com/office/powerpoint/2010/main" Requires="p14">
       <p:transition spd="slow" p14:dur="2000">
         <p:cut/>
       </p:transition>
     </mc:Choice>
-    <mc:Fallback xmlns="">
+    <mc:Fallback>
       <p:transition spd="slow">
         <p:cut/>
       </p:transition>
@@ -10208,13 +10215,13 @@
   <p:clrMapOvr>
     <a:masterClrMapping/>
   </p:clrMapOvr>
-  <mc:AlternateContent xmlns:mc="http://schemas.openxmlformats.org/markup-compatibility/2006" xmlns:p14="http://schemas.microsoft.com/office/powerpoint/2010/main">
-    <mc:Choice Requires="p14">
+  <mc:AlternateContent xmlns:mc="http://schemas.openxmlformats.org/markup-compatibility/2006">
+    <mc:Choice xmlns:p14="http://schemas.microsoft.com/office/powerpoint/2010/main" Requires="p14">
       <p:transition spd="slow" p14:dur="2000">
         <p:cut/>
       </p:transition>
     </mc:Choice>
-    <mc:Fallback xmlns="">
+    <mc:Fallback>
       <p:transition spd="slow">
         <p:cut/>
       </p:transition>
@@ -10429,13 +10436,13 @@
   <p:clrMapOvr>
     <a:masterClrMapping/>
   </p:clrMapOvr>
-  <mc:AlternateContent xmlns:mc="http://schemas.openxmlformats.org/markup-compatibility/2006" xmlns:p14="http://schemas.microsoft.com/office/powerpoint/2010/main">
-    <mc:Choice Requires="p14">
+  <mc:AlternateContent xmlns:mc="http://schemas.openxmlformats.org/markup-compatibility/2006">
+    <mc:Choice xmlns:p14="http://schemas.microsoft.com/office/powerpoint/2010/main" Requires="p14">
       <p:transition spd="slow" p14:dur="2000">
         <p:cut/>
       </p:transition>
     </mc:Choice>
-    <mc:Fallback xmlns="">
+    <mc:Fallback>
       <p:transition spd="slow">
         <p:cut/>
       </p:transition>
@@ -10650,13 +10657,13 @@
   <p:clrMapOvr>
     <a:masterClrMapping/>
   </p:clrMapOvr>
-  <mc:AlternateContent xmlns:mc="http://schemas.openxmlformats.org/markup-compatibility/2006" xmlns:p14="http://schemas.microsoft.com/office/powerpoint/2010/main">
-    <mc:Choice Requires="p14">
+  <mc:AlternateContent xmlns:mc="http://schemas.openxmlformats.org/markup-compatibility/2006">
+    <mc:Choice xmlns:p14="http://schemas.microsoft.com/office/powerpoint/2010/main" Requires="p14">
       <p:transition spd="slow" p14:dur="2000">
         <p:cut/>
       </p:transition>
     </mc:Choice>
-    <mc:Fallback xmlns="">
+    <mc:Fallback>
       <p:transition spd="slow">
         <p:cut/>
       </p:transition>
@@ -10871,13 +10878,13 @@
   <p:clrMapOvr>
     <a:masterClrMapping/>
   </p:clrMapOvr>
-  <mc:AlternateContent xmlns:mc="http://schemas.openxmlformats.org/markup-compatibility/2006" xmlns:p14="http://schemas.microsoft.com/office/powerpoint/2010/main">
-    <mc:Choice Requires="p14">
+  <mc:AlternateContent xmlns:mc="http://schemas.openxmlformats.org/markup-compatibility/2006">
+    <mc:Choice xmlns:p14="http://schemas.microsoft.com/office/powerpoint/2010/main" Requires="p14">
       <p:transition spd="slow" p14:dur="2000">
         <p:cut/>
       </p:transition>
     </mc:Choice>
-    <mc:Fallback xmlns="">
+    <mc:Fallback>
       <p:transition spd="slow">
         <p:cut/>
       </p:transition>
